--- a/求主興起禱告的心.pptx
+++ b/求主興起禱告的心.pptx
@@ -292,7 +292,7 @@
             <a:fld id="{D93452E8-3DD6-44AC-B432-62258E7B8704}" type="datetimeFigureOut">
               <a:rPr lang="zh-TW" altLang="en-US" smtClean="0"/>
               <a:pPr/>
-              <a:t>2017/11/7</a:t>
+              <a:t>2019/2/26</a:t>
             </a:fld>
             <a:endParaRPr lang="zh-TW" altLang="en-US"/>
           </a:p>
@@ -459,7 +459,7 @@
             <a:fld id="{D93452E8-3DD6-44AC-B432-62258E7B8704}" type="datetimeFigureOut">
               <a:rPr lang="zh-TW" altLang="en-US" smtClean="0"/>
               <a:pPr/>
-              <a:t>2017/11/7</a:t>
+              <a:t>2019/2/26</a:t>
             </a:fld>
             <a:endParaRPr lang="zh-TW" altLang="en-US"/>
           </a:p>
@@ -636,7 +636,7 @@
             <a:fld id="{D93452E8-3DD6-44AC-B432-62258E7B8704}" type="datetimeFigureOut">
               <a:rPr lang="zh-TW" altLang="en-US" smtClean="0"/>
               <a:pPr/>
-              <a:t>2017/11/7</a:t>
+              <a:t>2019/2/26</a:t>
             </a:fld>
             <a:endParaRPr lang="zh-TW" altLang="en-US"/>
           </a:p>
@@ -803,7 +803,7 @@
             <a:fld id="{D93452E8-3DD6-44AC-B432-62258E7B8704}" type="datetimeFigureOut">
               <a:rPr lang="zh-TW" altLang="en-US" smtClean="0"/>
               <a:pPr/>
-              <a:t>2017/11/7</a:t>
+              <a:t>2019/2/26</a:t>
             </a:fld>
             <a:endParaRPr lang="zh-TW" altLang="en-US"/>
           </a:p>
@@ -1046,7 +1046,7 @@
             <a:fld id="{D93452E8-3DD6-44AC-B432-62258E7B8704}" type="datetimeFigureOut">
               <a:rPr lang="zh-TW" altLang="en-US" smtClean="0"/>
               <a:pPr/>
-              <a:t>2017/11/7</a:t>
+              <a:t>2019/2/26</a:t>
             </a:fld>
             <a:endParaRPr lang="zh-TW" altLang="en-US"/>
           </a:p>
@@ -1331,7 +1331,7 @@
             <a:fld id="{D93452E8-3DD6-44AC-B432-62258E7B8704}" type="datetimeFigureOut">
               <a:rPr lang="zh-TW" altLang="en-US" smtClean="0"/>
               <a:pPr/>
-              <a:t>2017/11/7</a:t>
+              <a:t>2019/2/26</a:t>
             </a:fld>
             <a:endParaRPr lang="zh-TW" altLang="en-US"/>
           </a:p>
@@ -1750,7 +1750,7 @@
             <a:fld id="{D93452E8-3DD6-44AC-B432-62258E7B8704}" type="datetimeFigureOut">
               <a:rPr lang="zh-TW" altLang="en-US" smtClean="0"/>
               <a:pPr/>
-              <a:t>2017/11/7</a:t>
+              <a:t>2019/2/26</a:t>
             </a:fld>
             <a:endParaRPr lang="zh-TW" altLang="en-US"/>
           </a:p>
@@ -1865,7 +1865,7 @@
             <a:fld id="{D93452E8-3DD6-44AC-B432-62258E7B8704}" type="datetimeFigureOut">
               <a:rPr lang="zh-TW" altLang="en-US" smtClean="0"/>
               <a:pPr/>
-              <a:t>2017/11/7</a:t>
+              <a:t>2019/2/26</a:t>
             </a:fld>
             <a:endParaRPr lang="zh-TW" altLang="en-US"/>
           </a:p>
@@ -1957,7 +1957,7 @@
             <a:fld id="{D93452E8-3DD6-44AC-B432-62258E7B8704}" type="datetimeFigureOut">
               <a:rPr lang="zh-TW" altLang="en-US" smtClean="0"/>
               <a:pPr/>
-              <a:t>2017/11/7</a:t>
+              <a:t>2019/2/26</a:t>
             </a:fld>
             <a:endParaRPr lang="zh-TW" altLang="en-US"/>
           </a:p>
@@ -2231,7 +2231,7 @@
             <a:fld id="{D93452E8-3DD6-44AC-B432-62258E7B8704}" type="datetimeFigureOut">
               <a:rPr lang="zh-TW" altLang="en-US" smtClean="0"/>
               <a:pPr/>
-              <a:t>2017/11/7</a:t>
+              <a:t>2019/2/26</a:t>
             </a:fld>
             <a:endParaRPr lang="zh-TW" altLang="en-US"/>
           </a:p>
@@ -2485,7 +2485,7 @@
             <a:fld id="{D93452E8-3DD6-44AC-B432-62258E7B8704}" type="datetimeFigureOut">
               <a:rPr lang="zh-TW" altLang="en-US" smtClean="0"/>
               <a:pPr/>
-              <a:t>2017/11/7</a:t>
+              <a:t>2019/2/26</a:t>
             </a:fld>
             <a:endParaRPr lang="zh-TW" altLang="en-US"/>
           </a:p>
@@ -2700,7 +2700,7 @@
             <a:fld id="{D93452E8-3DD6-44AC-B432-62258E7B8704}" type="datetimeFigureOut">
               <a:rPr lang="zh-TW" altLang="en-US" smtClean="0"/>
               <a:pPr/>
-              <a:t>2017/11/7</a:t>
+              <a:t>2019/2/26</a:t>
             </a:fld>
             <a:endParaRPr lang="zh-TW" altLang="en-US"/>
           </a:p>
@@ -3117,20 +3117,20 @@
               <a:buNone/>
             </a:pPr>
             <a:r>
-              <a:rPr lang="zh-TW" altLang="en-US" sz="6000" b="1" dirty="0">
+              <a:rPr lang="zh-TW" altLang="en-US" sz="5400" b="1" dirty="0">
                 <a:latin typeface="微軟正黑體" pitchFamily="34" charset="-120"/>
                 <a:ea typeface="微軟正黑體" pitchFamily="34" charset="-120"/>
               </a:rPr>
               <a:t>在這片乾旱</a:t>
             </a:r>
             <a:r>
-              <a:rPr lang="zh-TW" altLang="en-US" sz="6000" b="1" dirty="0" smtClean="0">
+              <a:rPr lang="zh-TW" altLang="en-US" sz="5400" b="1" dirty="0" smtClean="0">
                 <a:latin typeface="微軟正黑體" pitchFamily="34" charset="-120"/>
                 <a:ea typeface="微軟正黑體" pitchFamily="34" charset="-120"/>
               </a:rPr>
               <a:t>土地</a:t>
             </a:r>
-            <a:endParaRPr lang="en-US" altLang="zh-TW" sz="6000" b="1" dirty="0" smtClean="0">
+            <a:endParaRPr lang="en-US" altLang="zh-TW" sz="5400" b="1" dirty="0" smtClean="0">
               <a:latin typeface="微軟正黑體" pitchFamily="34" charset="-120"/>
               <a:ea typeface="微軟正黑體" pitchFamily="34" charset="-120"/>
             </a:endParaRPr>
@@ -3140,27 +3140,27 @@
               <a:buNone/>
             </a:pPr>
             <a:r>
-              <a:rPr lang="zh-TW" altLang="en-US" sz="6000" b="1" dirty="0" smtClean="0">
+              <a:rPr lang="zh-TW" altLang="en-US" sz="5400" b="1" dirty="0" smtClean="0">
                 <a:latin typeface="微軟正黑體" pitchFamily="34" charset="-120"/>
                 <a:ea typeface="微軟正黑體" pitchFamily="34" charset="-120"/>
               </a:rPr>
               <a:t>沒有</a:t>
             </a:r>
             <a:r>
-              <a:rPr lang="zh-TW" altLang="en-US" sz="6000" b="1" dirty="0">
+              <a:rPr lang="zh-TW" altLang="en-US" sz="5400" b="1" dirty="0">
                 <a:latin typeface="微軟正黑體" pitchFamily="34" charset="-120"/>
                 <a:ea typeface="微軟正黑體" pitchFamily="34" charset="-120"/>
               </a:rPr>
               <a:t>豐足的</a:t>
             </a:r>
             <a:r>
-              <a:rPr lang="zh-TW" altLang="en-US" sz="6000" b="1" dirty="0" smtClean="0">
+              <a:rPr lang="zh-TW" altLang="en-US" sz="5400" b="1" dirty="0" smtClean="0">
                 <a:latin typeface="微軟正黑體" pitchFamily="34" charset="-120"/>
                 <a:ea typeface="微軟正黑體" pitchFamily="34" charset="-120"/>
               </a:rPr>
               <a:t>收穫</a:t>
             </a:r>
-            <a:endParaRPr lang="en-US" altLang="zh-TW" sz="6000" b="1" dirty="0">
+            <a:endParaRPr lang="en-US" altLang="zh-TW" sz="5400" b="1" dirty="0">
               <a:latin typeface="微軟正黑體" pitchFamily="34" charset="-120"/>
               <a:ea typeface="微軟正黑體" pitchFamily="34" charset="-120"/>
             </a:endParaRPr>
@@ -3170,27 +3170,27 @@
               <a:buNone/>
             </a:pPr>
             <a:r>
-              <a:rPr lang="zh-TW" altLang="en-US" sz="6000" b="1" dirty="0" smtClean="0">
+              <a:rPr lang="zh-TW" altLang="en-US" sz="5400" b="1" dirty="0" smtClean="0">
                 <a:latin typeface="微軟正黑體" pitchFamily="34" charset="-120"/>
                 <a:ea typeface="微軟正黑體" pitchFamily="34" charset="-120"/>
               </a:rPr>
               <a:t>願</a:t>
             </a:r>
             <a:r>
-              <a:rPr lang="zh-TW" altLang="en-US" sz="6000" b="1" dirty="0">
+              <a:rPr lang="zh-TW" altLang="en-US" sz="5400" b="1" dirty="0">
                 <a:latin typeface="微軟正黑體" pitchFamily="34" charset="-120"/>
                 <a:ea typeface="微軟正黑體" pitchFamily="34" charset="-120"/>
               </a:rPr>
               <a:t>你察看施</a:t>
             </a:r>
             <a:r>
-              <a:rPr lang="zh-TW" altLang="en-US" sz="6000" b="1" dirty="0" smtClean="0">
+              <a:rPr lang="zh-TW" altLang="en-US" sz="5400" b="1" dirty="0" smtClean="0">
                 <a:latin typeface="微軟正黑體" pitchFamily="34" charset="-120"/>
                 <a:ea typeface="微軟正黑體" pitchFamily="34" charset="-120"/>
               </a:rPr>
               <a:t>憐憫</a:t>
             </a:r>
-            <a:endParaRPr lang="en-US" altLang="zh-TW" sz="6000" b="1" dirty="0" smtClean="0">
+            <a:endParaRPr lang="en-US" altLang="zh-TW" sz="5400" b="1" dirty="0" smtClean="0">
               <a:latin typeface="微軟正黑體" pitchFamily="34" charset="-120"/>
               <a:ea typeface="微軟正黑體" pitchFamily="34" charset="-120"/>
             </a:endParaRPr>
@@ -3200,27 +3200,27 @@
               <a:buNone/>
             </a:pPr>
             <a:r>
-              <a:rPr lang="zh-TW" altLang="en-US" sz="6000" b="1" dirty="0" smtClean="0">
+              <a:rPr lang="zh-TW" altLang="en-US" sz="5400" b="1" dirty="0" smtClean="0">
                 <a:latin typeface="微軟正黑體" pitchFamily="34" charset="-120"/>
                 <a:ea typeface="微軟正黑體" pitchFamily="34" charset="-120"/>
               </a:rPr>
               <a:t>賜</a:t>
             </a:r>
             <a:r>
-              <a:rPr lang="zh-TW" altLang="en-US" sz="6000" b="1" dirty="0">
+              <a:rPr lang="zh-TW" altLang="en-US" sz="5400" b="1" dirty="0">
                 <a:latin typeface="微軟正黑體" pitchFamily="34" charset="-120"/>
                 <a:ea typeface="微軟正黑體" pitchFamily="34" charset="-120"/>
               </a:rPr>
               <a:t>春雨滋潤</a:t>
             </a:r>
             <a:r>
-              <a:rPr lang="zh-TW" altLang="en-US" sz="6000" b="1" dirty="0" smtClean="0">
+              <a:rPr lang="zh-TW" altLang="en-US" sz="5400" b="1" dirty="0" smtClean="0">
                 <a:latin typeface="微軟正黑體" pitchFamily="34" charset="-120"/>
                 <a:ea typeface="微軟正黑體" pitchFamily="34" charset="-120"/>
               </a:rPr>
               <a:t>大地</a:t>
             </a:r>
-            <a:endParaRPr lang="zh-TW" altLang="en-US" sz="6000" b="1" dirty="0">
+            <a:endParaRPr lang="zh-TW" altLang="en-US" sz="5400" b="1" dirty="0">
               <a:latin typeface="微軟正黑體" pitchFamily="34" charset="-120"/>
               <a:ea typeface="微軟正黑體" pitchFamily="34" charset="-120"/>
             </a:endParaRPr>
@@ -3298,20 +3298,20 @@
               <a:buNone/>
             </a:pPr>
             <a:r>
-              <a:rPr lang="zh-TW" altLang="en-US" sz="6000" b="1" dirty="0">
+              <a:rPr lang="zh-TW" altLang="en-US" sz="5400" b="1" dirty="0">
                 <a:latin typeface="微軟正黑體" pitchFamily="34" charset="-120"/>
                 <a:ea typeface="微軟正黑體" pitchFamily="34" charset="-120"/>
               </a:rPr>
               <a:t>是你永看顧的</a:t>
             </a:r>
             <a:r>
-              <a:rPr lang="zh-TW" altLang="en-US" sz="6000" b="1" dirty="0" smtClean="0">
+              <a:rPr lang="zh-TW" altLang="en-US" sz="5400" b="1" dirty="0" smtClean="0">
                 <a:latin typeface="微軟正黑體" pitchFamily="34" charset="-120"/>
                 <a:ea typeface="微軟正黑體" pitchFamily="34" charset="-120"/>
               </a:rPr>
               <a:t>恩義</a:t>
             </a:r>
-            <a:endParaRPr lang="en-US" altLang="zh-TW" sz="6000" b="1" dirty="0" smtClean="0">
+            <a:endParaRPr lang="en-US" altLang="zh-TW" sz="5400" b="1" dirty="0" smtClean="0">
               <a:latin typeface="微軟正黑體" pitchFamily="34" charset="-120"/>
               <a:ea typeface="微軟正黑體" pitchFamily="34" charset="-120"/>
             </a:endParaRPr>
@@ -3321,27 +3321,27 @@
               <a:buNone/>
             </a:pPr>
             <a:r>
-              <a:rPr lang="zh-TW" altLang="en-US" sz="6000" b="1" dirty="0" smtClean="0">
+              <a:rPr lang="zh-TW" altLang="en-US" sz="5400" b="1" dirty="0" smtClean="0">
                 <a:latin typeface="微軟正黑體" pitchFamily="34" charset="-120"/>
                 <a:ea typeface="微軟正黑體" pitchFamily="34" charset="-120"/>
               </a:rPr>
               <a:t>叫</a:t>
             </a:r>
             <a:r>
-              <a:rPr lang="zh-TW" altLang="en-US" sz="6000" b="1" dirty="0">
+              <a:rPr lang="zh-TW" altLang="en-US" sz="5400" b="1" dirty="0">
                 <a:latin typeface="微軟正黑體" pitchFamily="34" charset="-120"/>
                 <a:ea typeface="微軟正黑體" pitchFamily="34" charset="-120"/>
               </a:rPr>
               <a:t>我眾永不</a:t>
             </a:r>
             <a:r>
-              <a:rPr lang="zh-TW" altLang="en-US" sz="6000" b="1" dirty="0" smtClean="0">
+              <a:rPr lang="zh-TW" altLang="en-US" sz="5400" b="1" dirty="0" smtClean="0">
                 <a:latin typeface="微軟正黑體" pitchFamily="34" charset="-120"/>
                 <a:ea typeface="微軟正黑體" pitchFamily="34" charset="-120"/>
               </a:rPr>
               <a:t>驚惶</a:t>
             </a:r>
-            <a:endParaRPr lang="en-US" altLang="zh-TW" sz="6000" b="1" dirty="0">
+            <a:endParaRPr lang="en-US" altLang="zh-TW" sz="5400" b="1" dirty="0">
               <a:latin typeface="微軟正黑體" pitchFamily="34" charset="-120"/>
               <a:ea typeface="微軟正黑體" pitchFamily="34" charset="-120"/>
             </a:endParaRPr>
@@ -3351,27 +3351,27 @@
               <a:buNone/>
             </a:pPr>
             <a:r>
-              <a:rPr lang="zh-TW" altLang="en-US" sz="6000" b="1" dirty="0" smtClean="0">
+              <a:rPr lang="zh-TW" altLang="en-US" sz="5400" b="1" dirty="0" smtClean="0">
                 <a:latin typeface="微軟正黑體" pitchFamily="34" charset="-120"/>
                 <a:ea typeface="微軟正黑體" pitchFamily="34" charset="-120"/>
               </a:rPr>
               <a:t>現</a:t>
             </a:r>
             <a:r>
-              <a:rPr lang="zh-TW" altLang="en-US" sz="6000" b="1" dirty="0">
+              <a:rPr lang="zh-TW" altLang="en-US" sz="5400" b="1" dirty="0">
                 <a:latin typeface="微軟正黑體" pitchFamily="34" charset="-120"/>
                 <a:ea typeface="微軟正黑體" pitchFamily="34" charset="-120"/>
               </a:rPr>
               <a:t>我以信心</a:t>
             </a:r>
             <a:r>
-              <a:rPr lang="zh-TW" altLang="en-US" sz="6000" b="1" dirty="0" smtClean="0">
+              <a:rPr lang="zh-TW" altLang="en-US" sz="5400" b="1" dirty="0" smtClean="0">
                 <a:latin typeface="微軟正黑體" pitchFamily="34" charset="-120"/>
                 <a:ea typeface="微軟正黑體" pitchFamily="34" charset="-120"/>
               </a:rPr>
               <a:t>回應</a:t>
             </a:r>
-            <a:endParaRPr lang="en-US" altLang="zh-TW" sz="6000" b="1" dirty="0" smtClean="0">
+            <a:endParaRPr lang="en-US" altLang="zh-TW" sz="5400" b="1" dirty="0" smtClean="0">
               <a:latin typeface="微軟正黑體" pitchFamily="34" charset="-120"/>
               <a:ea typeface="微軟正黑體" pitchFamily="34" charset="-120"/>
             </a:endParaRPr>
@@ -3381,27 +3381,27 @@
               <a:buNone/>
             </a:pPr>
             <a:r>
-              <a:rPr lang="zh-TW" altLang="en-US" sz="6000" b="1" dirty="0" smtClean="0">
+              <a:rPr lang="zh-TW" altLang="en-US" sz="5400" b="1" dirty="0" smtClean="0">
                 <a:latin typeface="微軟正黑體" pitchFamily="34" charset="-120"/>
                 <a:ea typeface="微軟正黑體" pitchFamily="34" charset="-120"/>
               </a:rPr>
               <a:t>獻</a:t>
             </a:r>
             <a:r>
-              <a:rPr lang="zh-TW" altLang="en-US" sz="6000" b="1" dirty="0">
+              <a:rPr lang="zh-TW" altLang="en-US" sz="5400" b="1" dirty="0">
                 <a:latin typeface="微軟正黑體" pitchFamily="34" charset="-120"/>
                 <a:ea typeface="微軟正黑體" pitchFamily="34" charset="-120"/>
               </a:rPr>
               <a:t>上迫切的</a:t>
             </a:r>
             <a:r>
-              <a:rPr lang="zh-TW" altLang="en-US" sz="6000" b="1" dirty="0" smtClean="0">
+              <a:rPr lang="zh-TW" altLang="en-US" sz="5400" b="1" dirty="0" smtClean="0">
                 <a:latin typeface="微軟正黑體" pitchFamily="34" charset="-120"/>
                 <a:ea typeface="微軟正黑體" pitchFamily="34" charset="-120"/>
               </a:rPr>
               <a:t>禱告</a:t>
             </a:r>
-            <a:endParaRPr lang="zh-TW" altLang="en-US" sz="6000" b="1" dirty="0">
+            <a:endParaRPr lang="zh-TW" altLang="en-US" sz="5400" b="1" dirty="0">
               <a:latin typeface="微軟正黑體" pitchFamily="34" charset="-120"/>
               <a:ea typeface="微軟正黑體" pitchFamily="34" charset="-120"/>
             </a:endParaRPr>
@@ -3479,20 +3479,20 @@
               <a:buNone/>
             </a:pPr>
             <a:r>
-              <a:rPr lang="zh-TW" altLang="en-US" sz="6000" b="1" dirty="0">
+              <a:rPr lang="zh-TW" altLang="en-US" sz="5400" b="1" dirty="0">
                 <a:latin typeface="微軟正黑體" pitchFamily="34" charset="-120"/>
                 <a:ea typeface="微軟正黑體" pitchFamily="34" charset="-120"/>
               </a:rPr>
               <a:t>求主興起禱告的</a:t>
             </a:r>
             <a:r>
-              <a:rPr lang="zh-TW" altLang="en-US" sz="6000" b="1" dirty="0" smtClean="0">
+              <a:rPr lang="zh-TW" altLang="en-US" sz="5400" b="1" dirty="0" smtClean="0">
                 <a:latin typeface="微軟正黑體" pitchFamily="34" charset="-120"/>
                 <a:ea typeface="微軟正黑體" pitchFamily="34" charset="-120"/>
               </a:rPr>
               <a:t>心</a:t>
             </a:r>
-            <a:endParaRPr lang="en-US" altLang="zh-TW" sz="6000" b="1" dirty="0" smtClean="0">
+            <a:endParaRPr lang="en-US" altLang="zh-TW" sz="5400" b="1" dirty="0" smtClean="0">
               <a:latin typeface="微軟正黑體" pitchFamily="34" charset="-120"/>
               <a:ea typeface="微軟正黑體" pitchFamily="34" charset="-120"/>
             </a:endParaRPr>
@@ -3502,27 +3502,27 @@
               <a:buNone/>
             </a:pPr>
             <a:r>
-              <a:rPr lang="zh-TW" altLang="en-US" sz="6000" b="1" dirty="0" smtClean="0">
+              <a:rPr lang="zh-TW" altLang="en-US" sz="5400" b="1" dirty="0" smtClean="0">
                 <a:latin typeface="微軟正黑體" pitchFamily="34" charset="-120"/>
                 <a:ea typeface="微軟正黑體" pitchFamily="34" charset="-120"/>
               </a:rPr>
               <a:t>在</a:t>
             </a:r>
             <a:r>
-              <a:rPr lang="zh-TW" altLang="en-US" sz="6000" b="1" dirty="0">
+              <a:rPr lang="zh-TW" altLang="en-US" sz="5400" b="1" dirty="0">
                 <a:latin typeface="微軟正黑體" pitchFamily="34" charset="-120"/>
                 <a:ea typeface="微軟正黑體" pitchFamily="34" charset="-120"/>
               </a:rPr>
               <a:t>你沒有難成的</a:t>
             </a:r>
             <a:r>
-              <a:rPr lang="zh-TW" altLang="en-US" sz="6000" b="1" dirty="0" smtClean="0">
+              <a:rPr lang="zh-TW" altLang="en-US" sz="5400" b="1" dirty="0" smtClean="0">
                 <a:latin typeface="微軟正黑體" pitchFamily="34" charset="-120"/>
                 <a:ea typeface="微軟正黑體" pitchFamily="34" charset="-120"/>
               </a:rPr>
               <a:t>事</a:t>
             </a:r>
-            <a:endParaRPr lang="en-US" altLang="zh-TW" sz="6000" b="1" dirty="0">
+            <a:endParaRPr lang="en-US" altLang="zh-TW" sz="5400" b="1" dirty="0">
               <a:latin typeface="微軟正黑體" pitchFamily="34" charset="-120"/>
               <a:ea typeface="微軟正黑體" pitchFamily="34" charset="-120"/>
             </a:endParaRPr>
@@ -3532,27 +3532,27 @@
               <a:buNone/>
             </a:pPr>
             <a:r>
-              <a:rPr lang="zh-TW" altLang="en-US" sz="6000" b="1" dirty="0" smtClean="0">
+              <a:rPr lang="zh-TW" altLang="en-US" sz="5400" b="1" dirty="0" smtClean="0">
                 <a:latin typeface="微軟正黑體" pitchFamily="34" charset="-120"/>
                 <a:ea typeface="微軟正黑體" pitchFamily="34" charset="-120"/>
               </a:rPr>
               <a:t>藉</a:t>
             </a:r>
             <a:r>
-              <a:rPr lang="zh-TW" altLang="en-US" sz="6000" b="1" dirty="0">
+              <a:rPr lang="zh-TW" altLang="en-US" sz="5400" b="1" dirty="0">
                 <a:latin typeface="微軟正黑體" pitchFamily="34" charset="-120"/>
                 <a:ea typeface="微軟正黑體" pitchFamily="34" charset="-120"/>
               </a:rPr>
               <a:t>已成就的</a:t>
             </a:r>
             <a:r>
-              <a:rPr lang="zh-TW" altLang="en-US" sz="6000" b="1" dirty="0" smtClean="0">
+              <a:rPr lang="zh-TW" altLang="en-US" sz="5400" b="1" dirty="0" smtClean="0">
                 <a:latin typeface="微軟正黑體" pitchFamily="34" charset="-120"/>
                 <a:ea typeface="微軟正黑體" pitchFamily="34" charset="-120"/>
               </a:rPr>
               <a:t>禱告</a:t>
             </a:r>
-            <a:endParaRPr lang="en-US" altLang="zh-TW" sz="6000" b="1" dirty="0" smtClean="0">
+            <a:endParaRPr lang="en-US" altLang="zh-TW" sz="5400" b="1" dirty="0" smtClean="0">
               <a:latin typeface="微軟正黑體" pitchFamily="34" charset="-120"/>
               <a:ea typeface="微軟正黑體" pitchFamily="34" charset="-120"/>
             </a:endParaRPr>
@@ -3562,27 +3562,27 @@
               <a:buNone/>
             </a:pPr>
             <a:r>
-              <a:rPr lang="zh-TW" altLang="en-US" sz="6000" b="1" dirty="0" smtClean="0">
+              <a:rPr lang="zh-TW" altLang="en-US" sz="5400" b="1" dirty="0" smtClean="0">
                 <a:latin typeface="微軟正黑體" pitchFamily="34" charset="-120"/>
                 <a:ea typeface="微軟正黑體" pitchFamily="34" charset="-120"/>
               </a:rPr>
               <a:t>讓</a:t>
             </a:r>
             <a:r>
-              <a:rPr lang="zh-TW" altLang="en-US" sz="6000" b="1" dirty="0">
+              <a:rPr lang="zh-TW" altLang="en-US" sz="5400" b="1" dirty="0">
                 <a:latin typeface="微軟正黑體" pitchFamily="34" charset="-120"/>
                 <a:ea typeface="微軟正黑體" pitchFamily="34" charset="-120"/>
               </a:rPr>
               <a:t>我開始認識主大</a:t>
             </a:r>
             <a:r>
-              <a:rPr lang="zh-TW" altLang="en-US" sz="6000" b="1" dirty="0" smtClean="0">
+              <a:rPr lang="zh-TW" altLang="en-US" sz="5400" b="1" dirty="0" smtClean="0">
                 <a:latin typeface="微軟正黑體" pitchFamily="34" charset="-120"/>
                 <a:ea typeface="微軟正黑體" pitchFamily="34" charset="-120"/>
               </a:rPr>
               <a:t>能</a:t>
             </a:r>
-            <a:endParaRPr lang="zh-TW" altLang="en-US" sz="6000" b="1" dirty="0">
+            <a:endParaRPr lang="zh-TW" altLang="en-US" sz="5400" b="1" dirty="0">
               <a:latin typeface="微軟正黑體" pitchFamily="34" charset="-120"/>
               <a:ea typeface="微軟正黑體" pitchFamily="34" charset="-120"/>
             </a:endParaRPr>
@@ -3660,20 +3660,20 @@
               <a:buNone/>
             </a:pPr>
             <a:r>
-              <a:rPr lang="zh-TW" altLang="en-US" sz="6000" b="1" dirty="0">
+              <a:rPr lang="zh-TW" altLang="en-US" sz="5400" b="1" dirty="0">
                 <a:latin typeface="微軟正黑體" pitchFamily="34" charset="-120"/>
                 <a:ea typeface="微軟正黑體" pitchFamily="34" charset="-120"/>
               </a:rPr>
               <a:t>求主興起禱告的</a:t>
             </a:r>
             <a:r>
-              <a:rPr lang="zh-TW" altLang="en-US" sz="6000" b="1" dirty="0" smtClean="0">
+              <a:rPr lang="zh-TW" altLang="en-US" sz="5400" b="1" dirty="0" smtClean="0">
                 <a:latin typeface="微軟正黑體" pitchFamily="34" charset="-120"/>
                 <a:ea typeface="微軟正黑體" pitchFamily="34" charset="-120"/>
               </a:rPr>
               <a:t>心</a:t>
             </a:r>
-            <a:endParaRPr lang="en-US" altLang="zh-TW" sz="6000" b="1" dirty="0" smtClean="0">
+            <a:endParaRPr lang="en-US" altLang="zh-TW" sz="5400" b="1" dirty="0" smtClean="0">
               <a:latin typeface="微軟正黑體" pitchFamily="34" charset="-120"/>
               <a:ea typeface="微軟正黑體" pitchFamily="34" charset="-120"/>
             </a:endParaRPr>
@@ -3683,27 +3683,27 @@
               <a:buNone/>
             </a:pPr>
             <a:r>
-              <a:rPr lang="zh-TW" altLang="en-US" sz="6000" b="1" dirty="0" smtClean="0">
+              <a:rPr lang="zh-TW" altLang="en-US" sz="5400" b="1" dirty="0" smtClean="0">
                 <a:latin typeface="微軟正黑體" pitchFamily="34" charset="-120"/>
                 <a:ea typeface="微軟正黑體" pitchFamily="34" charset="-120"/>
               </a:rPr>
               <a:t>像</a:t>
             </a:r>
             <a:r>
-              <a:rPr lang="zh-TW" altLang="en-US" sz="6000" b="1" dirty="0">
+              <a:rPr lang="zh-TW" altLang="en-US" sz="5400" b="1" dirty="0">
                 <a:latin typeface="微軟正黑體" pitchFamily="34" charset="-120"/>
                 <a:ea typeface="微軟正黑體" pitchFamily="34" charset="-120"/>
               </a:rPr>
               <a:t>戰士激發</a:t>
             </a:r>
             <a:r>
-              <a:rPr lang="zh-TW" altLang="en-US" sz="6000" b="1" dirty="0" smtClean="0">
+              <a:rPr lang="zh-TW" altLang="en-US" sz="5400" b="1" dirty="0" smtClean="0">
                 <a:latin typeface="微軟正黑體" pitchFamily="34" charset="-120"/>
                 <a:ea typeface="微軟正黑體" pitchFamily="34" charset="-120"/>
               </a:rPr>
               <a:t>熱心</a:t>
             </a:r>
-            <a:endParaRPr lang="en-US" altLang="zh-TW" sz="6000" b="1" dirty="0">
+            <a:endParaRPr lang="en-US" altLang="zh-TW" sz="5400" b="1" dirty="0">
               <a:latin typeface="微軟正黑體" pitchFamily="34" charset="-120"/>
               <a:ea typeface="微軟正黑體" pitchFamily="34" charset="-120"/>
             </a:endParaRPr>
@@ -3713,27 +3713,27 @@
               <a:buNone/>
             </a:pPr>
             <a:r>
-              <a:rPr lang="zh-TW" altLang="en-US" sz="6000" b="1" dirty="0" smtClean="0">
+              <a:rPr lang="zh-TW" altLang="en-US" sz="5400" b="1" dirty="0" smtClean="0">
                 <a:latin typeface="微軟正黑體" pitchFamily="34" charset="-120"/>
                 <a:ea typeface="微軟正黑體" pitchFamily="34" charset="-120"/>
               </a:rPr>
               <a:t>顯明</a:t>
             </a:r>
             <a:r>
-              <a:rPr lang="zh-TW" altLang="en-US" sz="6000" b="1" dirty="0">
+              <a:rPr lang="zh-TW" altLang="en-US" sz="5400" b="1" dirty="0">
                 <a:latin typeface="微軟正黑體" pitchFamily="34" charset="-120"/>
                 <a:ea typeface="微軟正黑體" pitchFamily="34" charset="-120"/>
               </a:rPr>
               <a:t>你是獨一的</a:t>
             </a:r>
             <a:r>
-              <a:rPr lang="zh-TW" altLang="en-US" sz="6000" b="1" dirty="0" smtClean="0">
+              <a:rPr lang="zh-TW" altLang="en-US" sz="5400" b="1" dirty="0" smtClean="0">
                 <a:latin typeface="微軟正黑體" pitchFamily="34" charset="-120"/>
                 <a:ea typeface="微軟正黑體" pitchFamily="34" charset="-120"/>
               </a:rPr>
               <a:t>主</a:t>
             </a:r>
-            <a:endParaRPr lang="en-US" altLang="zh-TW" sz="6000" b="1" dirty="0" smtClean="0">
+            <a:endParaRPr lang="en-US" altLang="zh-TW" sz="5400" b="1" dirty="0" smtClean="0">
               <a:latin typeface="微軟正黑體" pitchFamily="34" charset="-120"/>
               <a:ea typeface="微軟正黑體" pitchFamily="34" charset="-120"/>
             </a:endParaRPr>
@@ -3743,27 +3743,27 @@
               <a:buNone/>
             </a:pPr>
             <a:r>
-              <a:rPr lang="zh-TW" altLang="en-US" sz="6000" b="1" dirty="0" smtClean="0">
+              <a:rPr lang="zh-TW" altLang="en-US" sz="5400" b="1" dirty="0" smtClean="0">
                 <a:latin typeface="微軟正黑體" pitchFamily="34" charset="-120"/>
                 <a:ea typeface="微軟正黑體" pitchFamily="34" charset="-120"/>
               </a:rPr>
               <a:t>是</a:t>
             </a:r>
             <a:r>
-              <a:rPr lang="zh-TW" altLang="en-US" sz="6000" b="1" dirty="0">
+              <a:rPr lang="zh-TW" altLang="en-US" sz="5400" b="1" dirty="0">
                 <a:latin typeface="微軟正黑體" pitchFamily="34" charset="-120"/>
                 <a:ea typeface="微軟正黑體" pitchFamily="34" charset="-120"/>
               </a:rPr>
               <a:t>你永遠作</a:t>
             </a:r>
             <a:r>
-              <a:rPr lang="zh-TW" altLang="en-US" sz="6000" b="1" dirty="0" smtClean="0">
+              <a:rPr lang="zh-TW" altLang="en-US" sz="5400" b="1" dirty="0" smtClean="0">
                 <a:latin typeface="微軟正黑體" pitchFamily="34" charset="-120"/>
                 <a:ea typeface="微軟正黑體" pitchFamily="34" charset="-120"/>
               </a:rPr>
               <a:t>王</a:t>
             </a:r>
-            <a:endParaRPr lang="zh-TW" altLang="en-US" sz="6000" b="1" dirty="0">
+            <a:endParaRPr lang="zh-TW" altLang="en-US" sz="5400" b="1" dirty="0">
               <a:latin typeface="微軟正黑體" pitchFamily="34" charset="-120"/>
               <a:ea typeface="微軟正黑體" pitchFamily="34" charset="-120"/>
             </a:endParaRPr>

--- a/求主興起禱告的心.pptx
+++ b/求主興起禱告的心.pptx
@@ -10,7 +10,7 @@
     <p:sldId id="258" r:id="rId4"/>
     <p:sldId id="259" r:id="rId5"/>
   </p:sldIdLst>
-  <p:sldSz cx="9144000" cy="6858000" type="screen4x3"/>
+  <p:sldSz cx="12192000" cy="6858000"/>
   <p:notesSz cx="6858000" cy="9144000"/>
   <p:defaultTextStyle>
     <a:defPPr>
@@ -107,6 +107,22 @@
       </a:defRPr>
     </a:lvl9pPr>
   </p:defaultTextStyle>
+  <p:extLst>
+    <p:ext uri="{EFAFB233-063F-42B5-8137-9DF3F51BA10A}">
+      <p15:sldGuideLst xmlns:p15="http://schemas.microsoft.com/office/powerpoint/2012/main">
+        <p15:guide id="1" orient="horz" pos="2160" userDrawn="1">
+          <p15:clr>
+            <a:srgbClr val="A4A3A4"/>
+          </p15:clr>
+        </p15:guide>
+        <p15:guide id="2" pos="3840" userDrawn="1">
+          <p15:clr>
+            <a:srgbClr val="A4A3A4"/>
+          </p15:clr>
+        </p15:guide>
+      </p15:sldGuideLst>
+    </p:ext>
+  </p:extLst>
 </p:presentation>
 </file>
 
@@ -139,8 +155,8 @@
         </p:nvSpPr>
         <p:spPr>
           <a:xfrm>
-            <a:off x="685800" y="2130425"/>
-            <a:ext cx="7772400" cy="1470025"/>
+            <a:off x="914400" y="2130426"/>
+            <a:ext cx="10363200" cy="1470025"/>
           </a:xfrm>
         </p:spPr>
         <p:txBody>
@@ -167,8 +183,8 @@
         </p:nvSpPr>
         <p:spPr>
           <a:xfrm>
-            <a:off x="1371600" y="3886200"/>
-            <a:ext cx="6400800" cy="1752600"/>
+            <a:off x="1828800" y="3886200"/>
+            <a:ext cx="8534400" cy="1752600"/>
           </a:xfrm>
         </p:spPr>
         <p:txBody>
@@ -292,7 +308,7 @@
             <a:fld id="{D93452E8-3DD6-44AC-B432-62258E7B8704}" type="datetimeFigureOut">
               <a:rPr lang="zh-TW" altLang="en-US" smtClean="0"/>
               <a:pPr/>
-              <a:t>2019/2/26</a:t>
+              <a:t>2020/6/23</a:t>
             </a:fld>
             <a:endParaRPr lang="zh-TW" altLang="en-US"/>
           </a:p>
@@ -459,7 +475,7 @@
             <a:fld id="{D93452E8-3DD6-44AC-B432-62258E7B8704}" type="datetimeFigureOut">
               <a:rPr lang="zh-TW" altLang="en-US" smtClean="0"/>
               <a:pPr/>
-              <a:t>2019/2/26</a:t>
+              <a:t>2020/6/23</a:t>
             </a:fld>
             <a:endParaRPr lang="zh-TW" altLang="en-US"/>
           </a:p>
@@ -545,8 +561,8 @@
         </p:nvSpPr>
         <p:spPr>
           <a:xfrm>
-            <a:off x="6629400" y="274638"/>
-            <a:ext cx="2057400" cy="5851525"/>
+            <a:off x="8839200" y="274639"/>
+            <a:ext cx="2743200" cy="5851525"/>
           </a:xfrm>
         </p:spPr>
         <p:txBody>
@@ -573,8 +589,8 @@
         </p:nvSpPr>
         <p:spPr>
           <a:xfrm>
-            <a:off x="457200" y="274638"/>
-            <a:ext cx="6019800" cy="5851525"/>
+            <a:off x="609600" y="274639"/>
+            <a:ext cx="8026400" cy="5851525"/>
           </a:xfrm>
         </p:spPr>
         <p:txBody>
@@ -636,7 +652,7 @@
             <a:fld id="{D93452E8-3DD6-44AC-B432-62258E7B8704}" type="datetimeFigureOut">
               <a:rPr lang="zh-TW" altLang="en-US" smtClean="0"/>
               <a:pPr/>
-              <a:t>2019/2/26</a:t>
+              <a:t>2020/6/23</a:t>
             </a:fld>
             <a:endParaRPr lang="zh-TW" altLang="en-US"/>
           </a:p>
@@ -803,7 +819,7 @@
             <a:fld id="{D93452E8-3DD6-44AC-B432-62258E7B8704}" type="datetimeFigureOut">
               <a:rPr lang="zh-TW" altLang="en-US" smtClean="0"/>
               <a:pPr/>
-              <a:t>2019/2/26</a:t>
+              <a:t>2020/6/23</a:t>
             </a:fld>
             <a:endParaRPr lang="zh-TW" altLang="en-US"/>
           </a:p>
@@ -889,8 +905,8 @@
         </p:nvSpPr>
         <p:spPr>
           <a:xfrm>
-            <a:off x="722313" y="4406900"/>
-            <a:ext cx="7772400" cy="1362075"/>
+            <a:off x="963084" y="4406901"/>
+            <a:ext cx="10363200" cy="1362075"/>
           </a:xfrm>
         </p:spPr>
         <p:txBody>
@@ -921,8 +937,8 @@
         </p:nvSpPr>
         <p:spPr>
           <a:xfrm>
-            <a:off x="722313" y="2906713"/>
-            <a:ext cx="7772400" cy="1500187"/>
+            <a:off x="963084" y="2906713"/>
+            <a:ext cx="10363200" cy="1500187"/>
           </a:xfrm>
         </p:spPr>
         <p:txBody>
@@ -1046,7 +1062,7 @@
             <a:fld id="{D93452E8-3DD6-44AC-B432-62258E7B8704}" type="datetimeFigureOut">
               <a:rPr lang="zh-TW" altLang="en-US" smtClean="0"/>
               <a:pPr/>
-              <a:t>2019/2/26</a:t>
+              <a:t>2020/6/23</a:t>
             </a:fld>
             <a:endParaRPr lang="zh-TW" altLang="en-US"/>
           </a:p>
@@ -1155,8 +1171,8 @@
         </p:nvSpPr>
         <p:spPr>
           <a:xfrm>
-            <a:off x="457200" y="1600200"/>
-            <a:ext cx="4038600" cy="4525963"/>
+            <a:off x="609600" y="1600201"/>
+            <a:ext cx="5384800" cy="4525963"/>
           </a:xfrm>
         </p:spPr>
         <p:txBody>
@@ -1240,8 +1256,8 @@
         </p:nvSpPr>
         <p:spPr>
           <a:xfrm>
-            <a:off x="4648200" y="1600200"/>
-            <a:ext cx="4038600" cy="4525963"/>
+            <a:off x="6197600" y="1600201"/>
+            <a:ext cx="5384800" cy="4525963"/>
           </a:xfrm>
         </p:spPr>
         <p:txBody>
@@ -1331,7 +1347,7 @@
             <a:fld id="{D93452E8-3DD6-44AC-B432-62258E7B8704}" type="datetimeFigureOut">
               <a:rPr lang="zh-TW" altLang="en-US" smtClean="0"/>
               <a:pPr/>
-              <a:t>2019/2/26</a:t>
+              <a:t>2020/6/23</a:t>
             </a:fld>
             <a:endParaRPr lang="zh-TW" altLang="en-US"/>
           </a:p>
@@ -1444,8 +1460,8 @@
         </p:nvSpPr>
         <p:spPr>
           <a:xfrm>
-            <a:off x="457200" y="1535113"/>
-            <a:ext cx="4040188" cy="639762"/>
+            <a:off x="609600" y="1535113"/>
+            <a:ext cx="5386917" cy="639762"/>
           </a:xfrm>
         </p:spPr>
         <p:txBody>
@@ -1509,8 +1525,8 @@
         </p:nvSpPr>
         <p:spPr>
           <a:xfrm>
-            <a:off x="457200" y="2174875"/>
-            <a:ext cx="4040188" cy="3951288"/>
+            <a:off x="609600" y="2174875"/>
+            <a:ext cx="5386917" cy="3951288"/>
           </a:xfrm>
         </p:spPr>
         <p:txBody>
@@ -1594,8 +1610,8 @@
         </p:nvSpPr>
         <p:spPr>
           <a:xfrm>
-            <a:off x="4645025" y="1535113"/>
-            <a:ext cx="4041775" cy="639762"/>
+            <a:off x="6193368" y="1535113"/>
+            <a:ext cx="5389033" cy="639762"/>
           </a:xfrm>
         </p:spPr>
         <p:txBody>
@@ -1659,8 +1675,8 @@
         </p:nvSpPr>
         <p:spPr>
           <a:xfrm>
-            <a:off x="4645025" y="2174875"/>
-            <a:ext cx="4041775" cy="3951288"/>
+            <a:off x="6193368" y="2174875"/>
+            <a:ext cx="5389033" cy="3951288"/>
           </a:xfrm>
         </p:spPr>
         <p:txBody>
@@ -1750,7 +1766,7 @@
             <a:fld id="{D93452E8-3DD6-44AC-B432-62258E7B8704}" type="datetimeFigureOut">
               <a:rPr lang="zh-TW" altLang="en-US" smtClean="0"/>
               <a:pPr/>
-              <a:t>2019/2/26</a:t>
+              <a:t>2020/6/23</a:t>
             </a:fld>
             <a:endParaRPr lang="zh-TW" altLang="en-US"/>
           </a:p>
@@ -1865,7 +1881,7 @@
             <a:fld id="{D93452E8-3DD6-44AC-B432-62258E7B8704}" type="datetimeFigureOut">
               <a:rPr lang="zh-TW" altLang="en-US" smtClean="0"/>
               <a:pPr/>
-              <a:t>2019/2/26</a:t>
+              <a:t>2020/6/23</a:t>
             </a:fld>
             <a:endParaRPr lang="zh-TW" altLang="en-US"/>
           </a:p>
@@ -1957,7 +1973,7 @@
             <a:fld id="{D93452E8-3DD6-44AC-B432-62258E7B8704}" type="datetimeFigureOut">
               <a:rPr lang="zh-TW" altLang="en-US" smtClean="0"/>
               <a:pPr/>
-              <a:t>2019/2/26</a:t>
+              <a:t>2020/6/23</a:t>
             </a:fld>
             <a:endParaRPr lang="zh-TW" altLang="en-US"/>
           </a:p>
@@ -2043,8 +2059,8 @@
         </p:nvSpPr>
         <p:spPr>
           <a:xfrm>
-            <a:off x="457200" y="273050"/>
-            <a:ext cx="3008313" cy="1162050"/>
+            <a:off x="609601" y="273050"/>
+            <a:ext cx="4011084" cy="1162050"/>
           </a:xfrm>
         </p:spPr>
         <p:txBody>
@@ -2075,8 +2091,8 @@
         </p:nvSpPr>
         <p:spPr>
           <a:xfrm>
-            <a:off x="3575050" y="273050"/>
-            <a:ext cx="5111750" cy="5853113"/>
+            <a:off x="4766733" y="273051"/>
+            <a:ext cx="6815667" cy="5853113"/>
           </a:xfrm>
         </p:spPr>
         <p:txBody>
@@ -2160,8 +2176,8 @@
         </p:nvSpPr>
         <p:spPr>
           <a:xfrm>
-            <a:off x="457200" y="1435100"/>
-            <a:ext cx="3008313" cy="4691063"/>
+            <a:off x="609601" y="1435101"/>
+            <a:ext cx="4011084" cy="4691063"/>
           </a:xfrm>
         </p:spPr>
         <p:txBody>
@@ -2231,7 +2247,7 @@
             <a:fld id="{D93452E8-3DD6-44AC-B432-62258E7B8704}" type="datetimeFigureOut">
               <a:rPr lang="zh-TW" altLang="en-US" smtClean="0"/>
               <a:pPr/>
-              <a:t>2019/2/26</a:t>
+              <a:t>2020/6/23</a:t>
             </a:fld>
             <a:endParaRPr lang="zh-TW" altLang="en-US"/>
           </a:p>
@@ -2317,8 +2333,8 @@
         </p:nvSpPr>
         <p:spPr>
           <a:xfrm>
-            <a:off x="1792288" y="4800600"/>
-            <a:ext cx="5486400" cy="566738"/>
+            <a:off x="2389717" y="4800600"/>
+            <a:ext cx="7315200" cy="566738"/>
           </a:xfrm>
         </p:spPr>
         <p:txBody>
@@ -2349,8 +2365,8 @@
         </p:nvSpPr>
         <p:spPr>
           <a:xfrm>
-            <a:off x="1792288" y="612775"/>
-            <a:ext cx="5486400" cy="4114800"/>
+            <a:off x="2389717" y="612775"/>
+            <a:ext cx="7315200" cy="4114800"/>
           </a:xfrm>
         </p:spPr>
         <p:txBody>
@@ -2414,8 +2430,8 @@
         </p:nvSpPr>
         <p:spPr>
           <a:xfrm>
-            <a:off x="1792288" y="5367338"/>
-            <a:ext cx="5486400" cy="804862"/>
+            <a:off x="2389717" y="5367338"/>
+            <a:ext cx="7315200" cy="804862"/>
           </a:xfrm>
         </p:spPr>
         <p:txBody>
@@ -2485,7 +2501,7 @@
             <a:fld id="{D93452E8-3DD6-44AC-B432-62258E7B8704}" type="datetimeFigureOut">
               <a:rPr lang="zh-TW" altLang="en-US" smtClean="0"/>
               <a:pPr/>
-              <a:t>2019/2/26</a:t>
+              <a:t>2020/6/23</a:t>
             </a:fld>
             <a:endParaRPr lang="zh-TW" altLang="en-US"/>
           </a:p>
@@ -2581,8 +2597,8 @@
         </p:nvSpPr>
         <p:spPr>
           <a:xfrm>
-            <a:off x="457200" y="274638"/>
-            <a:ext cx="8229600" cy="1143000"/>
+            <a:off x="609600" y="274638"/>
+            <a:ext cx="10972800" cy="1143000"/>
           </a:xfrm>
           <a:prstGeom prst="rect">
             <a:avLst/>
@@ -2614,8 +2630,8 @@
         </p:nvSpPr>
         <p:spPr>
           <a:xfrm>
-            <a:off x="457200" y="1600200"/>
-            <a:ext cx="8229600" cy="4525963"/>
+            <a:off x="609600" y="1600201"/>
+            <a:ext cx="10972800" cy="4525963"/>
           </a:xfrm>
           <a:prstGeom prst="rect">
             <a:avLst/>
@@ -2676,8 +2692,8 @@
         </p:nvSpPr>
         <p:spPr>
           <a:xfrm>
-            <a:off x="457200" y="6356350"/>
-            <a:ext cx="2133600" cy="365125"/>
+            <a:off x="609600" y="6356351"/>
+            <a:ext cx="2844800" cy="365125"/>
           </a:xfrm>
           <a:prstGeom prst="rect">
             <a:avLst/>
@@ -2700,7 +2716,7 @@
             <a:fld id="{D93452E8-3DD6-44AC-B432-62258E7B8704}" type="datetimeFigureOut">
               <a:rPr lang="zh-TW" altLang="en-US" smtClean="0"/>
               <a:pPr/>
-              <a:t>2019/2/26</a:t>
+              <a:t>2020/6/23</a:t>
             </a:fld>
             <a:endParaRPr lang="zh-TW" altLang="en-US"/>
           </a:p>
@@ -2718,8 +2734,8 @@
         </p:nvSpPr>
         <p:spPr>
           <a:xfrm>
-            <a:off x="3124200" y="6356350"/>
-            <a:ext cx="2895600" cy="365125"/>
+            <a:off x="4165600" y="6356351"/>
+            <a:ext cx="3860800" cy="365125"/>
           </a:xfrm>
           <a:prstGeom prst="rect">
             <a:avLst/>
@@ -2755,8 +2771,8 @@
         </p:nvSpPr>
         <p:spPr>
           <a:xfrm>
-            <a:off x="6553200" y="6356350"/>
-            <a:ext cx="2133600" cy="365125"/>
+            <a:off x="8737600" y="6356351"/>
+            <a:ext cx="2844800" cy="365125"/>
           </a:xfrm>
           <a:prstGeom prst="rect">
             <a:avLst/>
@@ -3124,41 +3140,11 @@
               <a:t>在這片乾旱</a:t>
             </a:r>
             <a:r>
-              <a:rPr lang="zh-TW" altLang="en-US" sz="5400" b="1" dirty="0" smtClean="0">
+              <a:rPr lang="zh-TW" altLang="en-US" sz="5400" b="1" dirty="0">
                 <a:latin typeface="微軟正黑體" pitchFamily="34" charset="-120"/>
                 <a:ea typeface="微軟正黑體" pitchFamily="34" charset="-120"/>
               </a:rPr>
               <a:t>土地</a:t>
-            </a:r>
-            <a:endParaRPr lang="en-US" altLang="zh-TW" sz="5400" b="1" dirty="0" smtClean="0">
-              <a:latin typeface="微軟正黑體" pitchFamily="34" charset="-120"/>
-              <a:ea typeface="微軟正黑體" pitchFamily="34" charset="-120"/>
-            </a:endParaRPr>
-          </a:p>
-          <a:p>
-            <a:pPr algn="ctr">
-              <a:buNone/>
-            </a:pPr>
-            <a:r>
-              <a:rPr lang="zh-TW" altLang="en-US" sz="5400" b="1" dirty="0" smtClean="0">
-                <a:latin typeface="微軟正黑體" pitchFamily="34" charset="-120"/>
-                <a:ea typeface="微軟正黑體" pitchFamily="34" charset="-120"/>
-              </a:rPr>
-              <a:t>沒有</a:t>
-            </a:r>
-            <a:r>
-              <a:rPr lang="zh-TW" altLang="en-US" sz="5400" b="1" dirty="0">
-                <a:latin typeface="微軟正黑體" pitchFamily="34" charset="-120"/>
-                <a:ea typeface="微軟正黑體" pitchFamily="34" charset="-120"/>
-              </a:rPr>
-              <a:t>豐足的</a:t>
-            </a:r>
-            <a:r>
-              <a:rPr lang="zh-TW" altLang="en-US" sz="5400" b="1" dirty="0" smtClean="0">
-                <a:latin typeface="微軟正黑體" pitchFamily="34" charset="-120"/>
-                <a:ea typeface="微軟正黑體" pitchFamily="34" charset="-120"/>
-              </a:rPr>
-              <a:t>收穫</a:t>
             </a:r>
             <a:endParaRPr lang="en-US" altLang="zh-TW" sz="5400" b="1" dirty="0">
               <a:latin typeface="微軟正黑體" pitchFamily="34" charset="-120"/>
@@ -3170,27 +3156,27 @@
               <a:buNone/>
             </a:pPr>
             <a:r>
-              <a:rPr lang="zh-TW" altLang="en-US" sz="5400" b="1" dirty="0" smtClean="0">
-                <a:latin typeface="微軟正黑體" pitchFamily="34" charset="-120"/>
-                <a:ea typeface="微軟正黑體" pitchFamily="34" charset="-120"/>
-              </a:rPr>
-              <a:t>願</a:t>
-            </a:r>
-            <a:r>
               <a:rPr lang="zh-TW" altLang="en-US" sz="5400" b="1" dirty="0">
                 <a:latin typeface="微軟正黑體" pitchFamily="34" charset="-120"/>
                 <a:ea typeface="微軟正黑體" pitchFamily="34" charset="-120"/>
               </a:rPr>
-              <a:t>你察看施</a:t>
-            </a:r>
-            <a:r>
-              <a:rPr lang="zh-TW" altLang="en-US" sz="5400" b="1" dirty="0" smtClean="0">
-                <a:latin typeface="微軟正黑體" pitchFamily="34" charset="-120"/>
-                <a:ea typeface="微軟正黑體" pitchFamily="34" charset="-120"/>
-              </a:rPr>
-              <a:t>憐憫</a:t>
-            </a:r>
-            <a:endParaRPr lang="en-US" altLang="zh-TW" sz="5400" b="1" dirty="0" smtClean="0">
+              <a:t>沒有</a:t>
+            </a:r>
+            <a:r>
+              <a:rPr lang="zh-TW" altLang="en-US" sz="5400" b="1" dirty="0">
+                <a:latin typeface="微軟正黑體" pitchFamily="34" charset="-120"/>
+                <a:ea typeface="微軟正黑體" pitchFamily="34" charset="-120"/>
+              </a:rPr>
+              <a:t>豐足的</a:t>
+            </a:r>
+            <a:r>
+              <a:rPr lang="zh-TW" altLang="en-US" sz="5400" b="1" dirty="0">
+                <a:latin typeface="微軟正黑體" pitchFamily="34" charset="-120"/>
+                <a:ea typeface="微軟正黑體" pitchFamily="34" charset="-120"/>
+              </a:rPr>
+              <a:t>收穫</a:t>
+            </a:r>
+            <a:endParaRPr lang="en-US" altLang="zh-TW" sz="5400" b="1" dirty="0">
               <a:latin typeface="微軟正黑體" pitchFamily="34" charset="-120"/>
               <a:ea typeface="微軟正黑體" pitchFamily="34" charset="-120"/>
             </a:endParaRPr>
@@ -3204,6 +3190,50 @@
                 <a:latin typeface="微軟正黑體" pitchFamily="34" charset="-120"/>
                 <a:ea typeface="微軟正黑體" pitchFamily="34" charset="-120"/>
               </a:rPr>
+              <a:t>願</a:t>
+            </a:r>
+            <a:r>
+              <a:rPr lang="zh-CN" altLang="en-US" sz="5400" b="1" dirty="0">
+                <a:latin typeface="微軟正黑體" pitchFamily="34" charset="-120"/>
+                <a:ea typeface="微軟正黑體" pitchFamily="34" charset="-120"/>
+              </a:rPr>
+              <a:t>袮</a:t>
+            </a:r>
+            <a:r>
+              <a:rPr lang="zh-TW" altLang="en-US" sz="5400" b="1" dirty="0" smtClean="0">
+                <a:latin typeface="微軟正黑體" pitchFamily="34" charset="-120"/>
+                <a:ea typeface="微軟正黑體" pitchFamily="34" charset="-120"/>
+              </a:rPr>
+              <a:t>察</a:t>
+            </a:r>
+            <a:r>
+              <a:rPr lang="zh-TW" altLang="en-US" sz="5400" b="1" dirty="0">
+                <a:latin typeface="微軟正黑體" pitchFamily="34" charset="-120"/>
+                <a:ea typeface="微軟正黑體" pitchFamily="34" charset="-120"/>
+              </a:rPr>
+              <a:t>看施</a:t>
+            </a:r>
+            <a:r>
+              <a:rPr lang="zh-TW" altLang="en-US" sz="5400" b="1" dirty="0">
+                <a:latin typeface="微軟正黑體" pitchFamily="34" charset="-120"/>
+                <a:ea typeface="微軟正黑體" pitchFamily="34" charset="-120"/>
+              </a:rPr>
+              <a:t>憐憫</a:t>
+            </a:r>
+            <a:endParaRPr lang="en-US" altLang="zh-TW" sz="5400" b="1" dirty="0">
+              <a:latin typeface="微軟正黑體" pitchFamily="34" charset="-120"/>
+              <a:ea typeface="微軟正黑體" pitchFamily="34" charset="-120"/>
+            </a:endParaRPr>
+          </a:p>
+          <a:p>
+            <a:pPr algn="ctr">
+              <a:buNone/>
+            </a:pPr>
+            <a:r>
+              <a:rPr lang="zh-TW" altLang="en-US" sz="5400" b="1" dirty="0">
+                <a:latin typeface="微軟正黑體" pitchFamily="34" charset="-120"/>
+                <a:ea typeface="微軟正黑體" pitchFamily="34" charset="-120"/>
+              </a:rPr>
               <a:t>賜</a:t>
             </a:r>
             <a:r>
@@ -3214,7 +3244,7 @@
               <a:t>春雨滋潤</a:t>
             </a:r>
             <a:r>
-              <a:rPr lang="zh-TW" altLang="en-US" sz="5400" b="1" dirty="0" smtClean="0">
+              <a:rPr lang="zh-TW" altLang="en-US" sz="5400" b="1" dirty="0">
                 <a:latin typeface="微軟正黑體" pitchFamily="34" charset="-120"/>
                 <a:ea typeface="微軟正黑體" pitchFamily="34" charset="-120"/>
               </a:rPr>
@@ -3298,48 +3328,39 @@
               <a:buNone/>
             </a:pPr>
             <a:r>
+              <a:rPr lang="zh-TW" altLang="en-US" sz="5400" b="1" dirty="0" smtClean="0">
+                <a:latin typeface="微軟正黑體" pitchFamily="34" charset="-120"/>
+                <a:ea typeface="微軟正黑體" pitchFamily="34" charset="-120"/>
+              </a:rPr>
+              <a:t>是</a:t>
+            </a:r>
+            <a:r>
+              <a:rPr lang="zh-CN" altLang="en-US" sz="5400" b="1" dirty="0">
+                <a:latin typeface="微軟正黑體" pitchFamily="34" charset="-120"/>
+                <a:ea typeface="微軟正黑體" pitchFamily="34" charset="-120"/>
+              </a:rPr>
+              <a:t>袮</a:t>
+            </a:r>
+            <a:r>
+              <a:rPr lang="zh-TW" altLang="en-US" sz="5400" b="1" dirty="0" smtClean="0">
+                <a:latin typeface="微軟正黑體" pitchFamily="34" charset="-120"/>
+                <a:ea typeface="微軟正黑體" pitchFamily="34" charset="-120"/>
+              </a:rPr>
+              <a:t>永</a:t>
+            </a:r>
+            <a:r>
               <a:rPr lang="zh-TW" altLang="en-US" sz="5400" b="1" dirty="0">
                 <a:latin typeface="微軟正黑體" pitchFamily="34" charset="-120"/>
                 <a:ea typeface="微軟正黑體" pitchFamily="34" charset="-120"/>
               </a:rPr>
-              <a:t>是你永看顧的</a:t>
-            </a:r>
-            <a:r>
-              <a:rPr lang="zh-TW" altLang="en-US" sz="5400" b="1" dirty="0" smtClean="0">
+              <a:t>看顧的</a:t>
+            </a:r>
+            <a:r>
+              <a:rPr lang="zh-TW" altLang="en-US" sz="5400" b="1" dirty="0">
                 <a:latin typeface="微軟正黑體" pitchFamily="34" charset="-120"/>
                 <a:ea typeface="微軟正黑體" pitchFamily="34" charset="-120"/>
               </a:rPr>
               <a:t>恩義</a:t>
-            </a:r>
-            <a:endParaRPr lang="en-US" altLang="zh-TW" sz="5400" b="1" dirty="0" smtClean="0">
-              <a:latin typeface="微軟正黑體" pitchFamily="34" charset="-120"/>
-              <a:ea typeface="微軟正黑體" pitchFamily="34" charset="-120"/>
-            </a:endParaRPr>
-          </a:p>
-          <a:p>
-            <a:pPr algn="ctr">
-              <a:buNone/>
-            </a:pPr>
-            <a:r>
-              <a:rPr lang="zh-TW" altLang="en-US" sz="5400" b="1" dirty="0" smtClean="0">
-                <a:latin typeface="微軟正黑體" pitchFamily="34" charset="-120"/>
-                <a:ea typeface="微軟正黑體" pitchFamily="34" charset="-120"/>
-              </a:rPr>
-              <a:t>叫</a:t>
-            </a:r>
-            <a:r>
-              <a:rPr lang="zh-TW" altLang="en-US" sz="5400" b="1" dirty="0">
-                <a:latin typeface="微軟正黑體" pitchFamily="34" charset="-120"/>
-                <a:ea typeface="微軟正黑體" pitchFamily="34" charset="-120"/>
-              </a:rPr>
-              <a:t>我眾永不</a:t>
-            </a:r>
-            <a:r>
-              <a:rPr lang="zh-TW" altLang="en-US" sz="5400" b="1" dirty="0" smtClean="0">
-                <a:latin typeface="微軟正黑體" pitchFamily="34" charset="-120"/>
-                <a:ea typeface="微軟正黑體" pitchFamily="34" charset="-120"/>
-              </a:rPr>
-              <a:t>驚惶</a:t>
             </a:r>
             <a:endParaRPr lang="en-US" altLang="zh-TW" sz="5400" b="1" dirty="0">
               <a:latin typeface="微軟正黑體" pitchFamily="34" charset="-120"/>
@@ -3351,27 +3372,27 @@
               <a:buNone/>
             </a:pPr>
             <a:r>
-              <a:rPr lang="zh-TW" altLang="en-US" sz="5400" b="1" dirty="0" smtClean="0">
-                <a:latin typeface="微軟正黑體" pitchFamily="34" charset="-120"/>
-                <a:ea typeface="微軟正黑體" pitchFamily="34" charset="-120"/>
-              </a:rPr>
-              <a:t>現</a:t>
-            </a:r>
-            <a:r>
               <a:rPr lang="zh-TW" altLang="en-US" sz="5400" b="1" dirty="0">
                 <a:latin typeface="微軟正黑體" pitchFamily="34" charset="-120"/>
                 <a:ea typeface="微軟正黑體" pitchFamily="34" charset="-120"/>
               </a:rPr>
-              <a:t>我以信心</a:t>
-            </a:r>
-            <a:r>
-              <a:rPr lang="zh-TW" altLang="en-US" sz="5400" b="1" dirty="0" smtClean="0">
-                <a:latin typeface="微軟正黑體" pitchFamily="34" charset="-120"/>
-                <a:ea typeface="微軟正黑體" pitchFamily="34" charset="-120"/>
-              </a:rPr>
-              <a:t>回應</a:t>
-            </a:r>
-            <a:endParaRPr lang="en-US" altLang="zh-TW" sz="5400" b="1" dirty="0" smtClean="0">
+              <a:t>叫</a:t>
+            </a:r>
+            <a:r>
+              <a:rPr lang="zh-TW" altLang="en-US" sz="5400" b="1" dirty="0">
+                <a:latin typeface="微軟正黑體" pitchFamily="34" charset="-120"/>
+                <a:ea typeface="微軟正黑體" pitchFamily="34" charset="-120"/>
+              </a:rPr>
+              <a:t>我眾永不</a:t>
+            </a:r>
+            <a:r>
+              <a:rPr lang="zh-TW" altLang="en-US" sz="5400" b="1" dirty="0">
+                <a:latin typeface="微軟正黑體" pitchFamily="34" charset="-120"/>
+                <a:ea typeface="微軟正黑體" pitchFamily="34" charset="-120"/>
+              </a:rPr>
+              <a:t>驚惶</a:t>
+            </a:r>
+            <a:endParaRPr lang="en-US" altLang="zh-TW" sz="5400" b="1" dirty="0">
               <a:latin typeface="微軟正黑體" pitchFamily="34" charset="-120"/>
               <a:ea typeface="微軟正黑體" pitchFamily="34" charset="-120"/>
             </a:endParaRPr>
@@ -3381,7 +3402,37 @@
               <a:buNone/>
             </a:pPr>
             <a:r>
-              <a:rPr lang="zh-TW" altLang="en-US" sz="5400" b="1" dirty="0" smtClean="0">
+              <a:rPr lang="zh-TW" altLang="en-US" sz="5400" b="1" dirty="0">
+                <a:latin typeface="微軟正黑體" pitchFamily="34" charset="-120"/>
+                <a:ea typeface="微軟正黑體" pitchFamily="34" charset="-120"/>
+              </a:rPr>
+              <a:t>現</a:t>
+            </a:r>
+            <a:r>
+              <a:rPr lang="zh-TW" altLang="en-US" sz="5400" b="1" dirty="0">
+                <a:latin typeface="微軟正黑體" pitchFamily="34" charset="-120"/>
+                <a:ea typeface="微軟正黑體" pitchFamily="34" charset="-120"/>
+              </a:rPr>
+              <a:t>我以信心</a:t>
+            </a:r>
+            <a:r>
+              <a:rPr lang="zh-TW" altLang="en-US" sz="5400" b="1" dirty="0">
+                <a:latin typeface="微軟正黑體" pitchFamily="34" charset="-120"/>
+                <a:ea typeface="微軟正黑體" pitchFamily="34" charset="-120"/>
+              </a:rPr>
+              <a:t>回應</a:t>
+            </a:r>
+            <a:endParaRPr lang="en-US" altLang="zh-TW" sz="5400" b="1" dirty="0">
+              <a:latin typeface="微軟正黑體" pitchFamily="34" charset="-120"/>
+              <a:ea typeface="微軟正黑體" pitchFamily="34" charset="-120"/>
+            </a:endParaRPr>
+          </a:p>
+          <a:p>
+            <a:pPr algn="ctr">
+              <a:buNone/>
+            </a:pPr>
+            <a:r>
+              <a:rPr lang="zh-TW" altLang="en-US" sz="5400" b="1" dirty="0">
                 <a:latin typeface="微軟正黑體" pitchFamily="34" charset="-120"/>
                 <a:ea typeface="微軟正黑體" pitchFamily="34" charset="-120"/>
               </a:rPr>
@@ -3395,7 +3446,7 @@
               <a:t>上迫切的</a:t>
             </a:r>
             <a:r>
-              <a:rPr lang="zh-TW" altLang="en-US" sz="5400" b="1" dirty="0" smtClean="0">
+              <a:rPr lang="zh-TW" altLang="en-US" sz="5400" b="1" dirty="0">
                 <a:latin typeface="微軟正黑體" pitchFamily="34" charset="-120"/>
                 <a:ea typeface="微軟正黑體" pitchFamily="34" charset="-120"/>
               </a:rPr>
@@ -3486,41 +3537,11 @@
               <a:t>求主興起禱告的</a:t>
             </a:r>
             <a:r>
-              <a:rPr lang="zh-TW" altLang="en-US" sz="5400" b="1" dirty="0" smtClean="0">
+              <a:rPr lang="zh-TW" altLang="en-US" sz="5400" b="1" dirty="0">
                 <a:latin typeface="微軟正黑體" pitchFamily="34" charset="-120"/>
                 <a:ea typeface="微軟正黑體" pitchFamily="34" charset="-120"/>
               </a:rPr>
               <a:t>心</a:t>
-            </a:r>
-            <a:endParaRPr lang="en-US" altLang="zh-TW" sz="5400" b="1" dirty="0" smtClean="0">
-              <a:latin typeface="微軟正黑體" pitchFamily="34" charset="-120"/>
-              <a:ea typeface="微軟正黑體" pitchFamily="34" charset="-120"/>
-            </a:endParaRPr>
-          </a:p>
-          <a:p>
-            <a:pPr algn="ctr">
-              <a:buNone/>
-            </a:pPr>
-            <a:r>
-              <a:rPr lang="zh-TW" altLang="en-US" sz="5400" b="1" dirty="0" smtClean="0">
-                <a:latin typeface="微軟正黑體" pitchFamily="34" charset="-120"/>
-                <a:ea typeface="微軟正黑體" pitchFamily="34" charset="-120"/>
-              </a:rPr>
-              <a:t>在</a:t>
-            </a:r>
-            <a:r>
-              <a:rPr lang="zh-TW" altLang="en-US" sz="5400" b="1" dirty="0">
-                <a:latin typeface="微軟正黑體" pitchFamily="34" charset="-120"/>
-                <a:ea typeface="微軟正黑體" pitchFamily="34" charset="-120"/>
-              </a:rPr>
-              <a:t>你沒有難成的</a:t>
-            </a:r>
-            <a:r>
-              <a:rPr lang="zh-TW" altLang="en-US" sz="5400" b="1" dirty="0" smtClean="0">
-                <a:latin typeface="微軟正黑體" pitchFamily="34" charset="-120"/>
-                <a:ea typeface="微軟正黑體" pitchFamily="34" charset="-120"/>
-              </a:rPr>
-              <a:t>事</a:t>
             </a:r>
             <a:endParaRPr lang="en-US" altLang="zh-TW" sz="5400" b="1" dirty="0">
               <a:latin typeface="微軟正黑體" pitchFamily="34" charset="-120"/>
@@ -3536,23 +3557,37 @@
                 <a:latin typeface="微軟正黑體" pitchFamily="34" charset="-120"/>
                 <a:ea typeface="微軟正黑體" pitchFamily="34" charset="-120"/>
               </a:rPr>
-              <a:t>藉</a:t>
+              <a:t>在</a:t>
+            </a:r>
+            <a:r>
+              <a:rPr lang="zh-CN" altLang="en-US" sz="5400" b="1" dirty="0">
+                <a:latin typeface="微軟正黑體" pitchFamily="34" charset="-120"/>
+                <a:ea typeface="微軟正黑體" pitchFamily="34" charset="-120"/>
+              </a:rPr>
+              <a:t>袮</a:t>
+            </a:r>
+            <a:r>
+              <a:rPr lang="zh-TW" altLang="en-US" sz="5400" b="1" dirty="0" smtClean="0">
+                <a:latin typeface="微軟正黑體" pitchFamily="34" charset="-120"/>
+                <a:ea typeface="微軟正黑體" pitchFamily="34" charset="-120"/>
+              </a:rPr>
+              <a:t>沒</a:t>
             </a:r>
             <a:r>
               <a:rPr lang="zh-TW" altLang="en-US" sz="5400" b="1" dirty="0">
                 <a:latin typeface="微軟正黑體" pitchFamily="34" charset="-120"/>
                 <a:ea typeface="微軟正黑體" pitchFamily="34" charset="-120"/>
               </a:rPr>
-              <a:t>已成就的</a:t>
-            </a:r>
-            <a:r>
-              <a:rPr lang="zh-TW" altLang="en-US" sz="5400" b="1" dirty="0" smtClean="0">
-                <a:latin typeface="微軟正黑體" pitchFamily="34" charset="-120"/>
-                <a:ea typeface="微軟正黑體" pitchFamily="34" charset="-120"/>
-              </a:rPr>
-              <a:t>禱告</a:t>
-            </a:r>
-            <a:endParaRPr lang="en-US" altLang="zh-TW" sz="5400" b="1" dirty="0" smtClean="0">
+              <a:t>有難成的</a:t>
+            </a:r>
+            <a:r>
+              <a:rPr lang="zh-TW" altLang="en-US" sz="5400" b="1" dirty="0">
+                <a:latin typeface="微軟正黑體" pitchFamily="34" charset="-120"/>
+                <a:ea typeface="微軟正黑體" pitchFamily="34" charset="-120"/>
+              </a:rPr>
+              <a:t>事</a:t>
+            </a:r>
+            <a:endParaRPr lang="en-US" altLang="zh-TW" sz="5400" b="1" dirty="0">
               <a:latin typeface="微軟正黑體" pitchFamily="34" charset="-120"/>
               <a:ea typeface="微軟正黑體" pitchFamily="34" charset="-120"/>
             </a:endParaRPr>
@@ -3562,7 +3597,37 @@
               <a:buNone/>
             </a:pPr>
             <a:r>
-              <a:rPr lang="zh-TW" altLang="en-US" sz="5400" b="1" dirty="0" smtClean="0">
+              <a:rPr lang="zh-TW" altLang="en-US" sz="5400" b="1" dirty="0">
+                <a:latin typeface="微軟正黑體" pitchFamily="34" charset="-120"/>
+                <a:ea typeface="微軟正黑體" pitchFamily="34" charset="-120"/>
+              </a:rPr>
+              <a:t>藉</a:t>
+            </a:r>
+            <a:r>
+              <a:rPr lang="zh-TW" altLang="en-US" sz="5400" b="1" dirty="0">
+                <a:latin typeface="微軟正黑體" pitchFamily="34" charset="-120"/>
+                <a:ea typeface="微軟正黑體" pitchFamily="34" charset="-120"/>
+              </a:rPr>
+              <a:t>已成就的</a:t>
+            </a:r>
+            <a:r>
+              <a:rPr lang="zh-TW" altLang="en-US" sz="5400" b="1" dirty="0">
+                <a:latin typeface="微軟正黑體" pitchFamily="34" charset="-120"/>
+                <a:ea typeface="微軟正黑體" pitchFamily="34" charset="-120"/>
+              </a:rPr>
+              <a:t>禱告</a:t>
+            </a:r>
+            <a:endParaRPr lang="en-US" altLang="zh-TW" sz="5400" b="1" dirty="0">
+              <a:latin typeface="微軟正黑體" pitchFamily="34" charset="-120"/>
+              <a:ea typeface="微軟正黑體" pitchFamily="34" charset="-120"/>
+            </a:endParaRPr>
+          </a:p>
+          <a:p>
+            <a:pPr algn="ctr">
+              <a:buNone/>
+            </a:pPr>
+            <a:r>
+              <a:rPr lang="zh-TW" altLang="en-US" sz="5400" b="1" dirty="0">
                 <a:latin typeface="微軟正黑體" pitchFamily="34" charset="-120"/>
                 <a:ea typeface="微軟正黑體" pitchFamily="34" charset="-120"/>
               </a:rPr>
@@ -3576,7 +3641,7 @@
               <a:t>我開始認識主大</a:t>
             </a:r>
             <a:r>
-              <a:rPr lang="zh-TW" altLang="en-US" sz="5400" b="1" dirty="0" smtClean="0">
+              <a:rPr lang="zh-TW" altLang="en-US" sz="5400" b="1" dirty="0">
                 <a:latin typeface="微軟正黑體" pitchFamily="34" charset="-120"/>
                 <a:ea typeface="微軟正黑體" pitchFamily="34" charset="-120"/>
               </a:rPr>
@@ -3667,41 +3732,11 @@
               <a:t>求主興起禱告的</a:t>
             </a:r>
             <a:r>
-              <a:rPr lang="zh-TW" altLang="en-US" sz="5400" b="1" dirty="0" smtClean="0">
+              <a:rPr lang="zh-TW" altLang="en-US" sz="5400" b="1" dirty="0">
                 <a:latin typeface="微軟正黑體" pitchFamily="34" charset="-120"/>
                 <a:ea typeface="微軟正黑體" pitchFamily="34" charset="-120"/>
               </a:rPr>
               <a:t>心</a:t>
-            </a:r>
-            <a:endParaRPr lang="en-US" altLang="zh-TW" sz="5400" b="1" dirty="0" smtClean="0">
-              <a:latin typeface="微軟正黑體" pitchFamily="34" charset="-120"/>
-              <a:ea typeface="微軟正黑體" pitchFamily="34" charset="-120"/>
-            </a:endParaRPr>
-          </a:p>
-          <a:p>
-            <a:pPr algn="ctr">
-              <a:buNone/>
-            </a:pPr>
-            <a:r>
-              <a:rPr lang="zh-TW" altLang="en-US" sz="5400" b="1" dirty="0" smtClean="0">
-                <a:latin typeface="微軟正黑體" pitchFamily="34" charset="-120"/>
-                <a:ea typeface="微軟正黑體" pitchFamily="34" charset="-120"/>
-              </a:rPr>
-              <a:t>像</a:t>
-            </a:r>
-            <a:r>
-              <a:rPr lang="zh-TW" altLang="en-US" sz="5400" b="1" dirty="0">
-                <a:latin typeface="微軟正黑體" pitchFamily="34" charset="-120"/>
-                <a:ea typeface="微軟正黑體" pitchFamily="34" charset="-120"/>
-              </a:rPr>
-              <a:t>戰士激發</a:t>
-            </a:r>
-            <a:r>
-              <a:rPr lang="zh-TW" altLang="en-US" sz="5400" b="1" dirty="0" smtClean="0">
-                <a:latin typeface="微軟正黑體" pitchFamily="34" charset="-120"/>
-                <a:ea typeface="微軟正黑體" pitchFamily="34" charset="-120"/>
-              </a:rPr>
-              <a:t>熱心</a:t>
             </a:r>
             <a:endParaRPr lang="en-US" altLang="zh-TW" sz="5400" b="1" dirty="0">
               <a:latin typeface="微軟正黑體" pitchFamily="34" charset="-120"/>
@@ -3713,27 +3748,27 @@
               <a:buNone/>
             </a:pPr>
             <a:r>
-              <a:rPr lang="zh-TW" altLang="en-US" sz="5400" b="1" dirty="0" smtClean="0">
-                <a:latin typeface="微軟正黑體" pitchFamily="34" charset="-120"/>
-                <a:ea typeface="微軟正黑體" pitchFamily="34" charset="-120"/>
-              </a:rPr>
-              <a:t>顯明</a:t>
-            </a:r>
-            <a:r>
               <a:rPr lang="zh-TW" altLang="en-US" sz="5400" b="1" dirty="0">
                 <a:latin typeface="微軟正黑體" pitchFamily="34" charset="-120"/>
                 <a:ea typeface="微軟正黑體" pitchFamily="34" charset="-120"/>
               </a:rPr>
-              <a:t>你是獨一的</a:t>
-            </a:r>
-            <a:r>
-              <a:rPr lang="zh-TW" altLang="en-US" sz="5400" b="1" dirty="0" smtClean="0">
-                <a:latin typeface="微軟正黑體" pitchFamily="34" charset="-120"/>
-                <a:ea typeface="微軟正黑體" pitchFamily="34" charset="-120"/>
-              </a:rPr>
-              <a:t>主</a:t>
-            </a:r>
-            <a:endParaRPr lang="en-US" altLang="zh-TW" sz="5400" b="1" dirty="0" smtClean="0">
+              <a:t>像</a:t>
+            </a:r>
+            <a:r>
+              <a:rPr lang="zh-TW" altLang="en-US" sz="5400" b="1" dirty="0">
+                <a:latin typeface="微軟正黑體" pitchFamily="34" charset="-120"/>
+                <a:ea typeface="微軟正黑體" pitchFamily="34" charset="-120"/>
+              </a:rPr>
+              <a:t>戰士激發</a:t>
+            </a:r>
+            <a:r>
+              <a:rPr lang="zh-TW" altLang="en-US" sz="5400" b="1" dirty="0">
+                <a:latin typeface="微軟正黑體" pitchFamily="34" charset="-120"/>
+                <a:ea typeface="微軟正黑體" pitchFamily="34" charset="-120"/>
+              </a:rPr>
+              <a:t>熱心</a:t>
+            </a:r>
+            <a:endParaRPr lang="en-US" altLang="zh-TW" sz="5400" b="1" dirty="0">
               <a:latin typeface="微軟正黑體" pitchFamily="34" charset="-120"/>
               <a:ea typeface="微軟正黑體" pitchFamily="34" charset="-120"/>
             </a:endParaRPr>
@@ -3743,10 +3778,31 @@
               <a:buNone/>
             </a:pPr>
             <a:r>
+              <a:rPr lang="zh-TW" altLang="en-US" sz="5400" b="1" dirty="0">
+                <a:latin typeface="微軟正黑體" pitchFamily="34" charset="-120"/>
+                <a:ea typeface="微軟正黑體" pitchFamily="34" charset="-120"/>
+              </a:rPr>
+              <a:t>顯</a:t>
+            </a:r>
+            <a:r>
               <a:rPr lang="zh-TW" altLang="en-US" sz="5400" b="1" dirty="0" smtClean="0">
                 <a:latin typeface="微軟正黑體" pitchFamily="34" charset="-120"/>
                 <a:ea typeface="微軟正黑體" pitchFamily="34" charset="-120"/>
               </a:rPr>
+              <a:t>明</a:t>
+            </a:r>
+            <a:r>
+              <a:rPr lang="zh-CN" altLang="en-US" sz="5400" b="1" dirty="0">
+                <a:latin typeface="微軟正黑體" pitchFamily="34" charset="-120"/>
+                <a:ea typeface="微軟正黑體" pitchFamily="34" charset="-120"/>
+              </a:rPr>
+              <a:t>袮</a:t>
+            </a:r>
+            <a:r>
+              <a:rPr lang="zh-TW" altLang="en-US" sz="5400" b="1" dirty="0" smtClean="0">
+                <a:latin typeface="微軟正黑體" pitchFamily="34" charset="-120"/>
+                <a:ea typeface="微軟正黑體" pitchFamily="34" charset="-120"/>
+              </a:rPr>
               <a:t>是</a:t>
             </a:r>
             <a:r>
@@ -3754,10 +3810,54 @@
                 <a:latin typeface="微軟正黑體" pitchFamily="34" charset="-120"/>
                 <a:ea typeface="微軟正黑體" pitchFamily="34" charset="-120"/>
               </a:rPr>
-              <a:t>你永遠作</a:t>
-            </a:r>
+              <a:t>獨一的</a:t>
+            </a:r>
+            <a:r>
+              <a:rPr lang="zh-TW" altLang="en-US" sz="5400" b="1" dirty="0">
+                <a:latin typeface="微軟正黑體" pitchFamily="34" charset="-120"/>
+                <a:ea typeface="微軟正黑體" pitchFamily="34" charset="-120"/>
+              </a:rPr>
+              <a:t>主</a:t>
+            </a:r>
+            <a:endParaRPr lang="en-US" altLang="zh-TW" sz="5400" b="1" dirty="0">
+              <a:latin typeface="微軟正黑體" pitchFamily="34" charset="-120"/>
+              <a:ea typeface="微軟正黑體" pitchFamily="34" charset="-120"/>
+            </a:endParaRPr>
+          </a:p>
+          <a:p>
+            <a:pPr algn="ctr">
+              <a:buNone/>
+            </a:pPr>
             <a:r>
               <a:rPr lang="zh-TW" altLang="en-US" sz="5400" b="1" dirty="0" smtClean="0">
+                <a:latin typeface="微軟正黑體" pitchFamily="34" charset="-120"/>
+                <a:ea typeface="微軟正黑體" pitchFamily="34" charset="-120"/>
+              </a:rPr>
+              <a:t>是</a:t>
+            </a:r>
+            <a:r>
+              <a:rPr lang="zh-CN" altLang="en-US" sz="5400" b="1" dirty="0">
+                <a:latin typeface="微軟正黑體" pitchFamily="34" charset="-120"/>
+                <a:ea typeface="微軟正黑體" pitchFamily="34" charset="-120"/>
+              </a:rPr>
+              <a:t>袮</a:t>
+            </a:r>
+            <a:r>
+              <a:rPr lang="zh-TW" altLang="en-US" sz="5400" b="1" dirty="0" smtClean="0">
+                <a:latin typeface="微軟正黑體" pitchFamily="34" charset="-120"/>
+                <a:ea typeface="微軟正黑體" pitchFamily="34" charset="-120"/>
+              </a:rPr>
+              <a:t>永</a:t>
+            </a:r>
+            <a:r>
+              <a:rPr lang="zh-TW" altLang="en-US" sz="5400" b="1" dirty="0">
+                <a:latin typeface="微軟正黑體" pitchFamily="34" charset="-120"/>
+                <a:ea typeface="微軟正黑體" pitchFamily="34" charset="-120"/>
+              </a:rPr>
+              <a:t>遠作</a:t>
+            </a:r>
+            <a:r>
+              <a:rPr lang="zh-TW" altLang="en-US" sz="5400" b="1" dirty="0">
                 <a:latin typeface="微軟正黑體" pitchFamily="34" charset="-120"/>
                 <a:ea typeface="微軟正黑體" pitchFamily="34" charset="-120"/>
               </a:rPr>

--- a/求主興起禱告的心.pptx
+++ b/求主興起禱告的心.pptx
@@ -308,7 +308,7 @@
             <a:fld id="{D93452E8-3DD6-44AC-B432-62258E7B8704}" type="datetimeFigureOut">
               <a:rPr lang="zh-TW" altLang="en-US" smtClean="0"/>
               <a:pPr/>
-              <a:t>2020/6/23</a:t>
+              <a:t>2020/9/1</a:t>
             </a:fld>
             <a:endParaRPr lang="zh-TW" altLang="en-US"/>
           </a:p>
@@ -475,7 +475,7 @@
             <a:fld id="{D93452E8-3DD6-44AC-B432-62258E7B8704}" type="datetimeFigureOut">
               <a:rPr lang="zh-TW" altLang="en-US" smtClean="0"/>
               <a:pPr/>
-              <a:t>2020/6/23</a:t>
+              <a:t>2020/9/1</a:t>
             </a:fld>
             <a:endParaRPr lang="zh-TW" altLang="en-US"/>
           </a:p>
@@ -652,7 +652,7 @@
             <a:fld id="{D93452E8-3DD6-44AC-B432-62258E7B8704}" type="datetimeFigureOut">
               <a:rPr lang="zh-TW" altLang="en-US" smtClean="0"/>
               <a:pPr/>
-              <a:t>2020/6/23</a:t>
+              <a:t>2020/9/1</a:t>
             </a:fld>
             <a:endParaRPr lang="zh-TW" altLang="en-US"/>
           </a:p>
@@ -819,7 +819,7 @@
             <a:fld id="{D93452E8-3DD6-44AC-B432-62258E7B8704}" type="datetimeFigureOut">
               <a:rPr lang="zh-TW" altLang="en-US" smtClean="0"/>
               <a:pPr/>
-              <a:t>2020/6/23</a:t>
+              <a:t>2020/9/1</a:t>
             </a:fld>
             <a:endParaRPr lang="zh-TW" altLang="en-US"/>
           </a:p>
@@ -1062,7 +1062,7 @@
             <a:fld id="{D93452E8-3DD6-44AC-B432-62258E7B8704}" type="datetimeFigureOut">
               <a:rPr lang="zh-TW" altLang="en-US" smtClean="0"/>
               <a:pPr/>
-              <a:t>2020/6/23</a:t>
+              <a:t>2020/9/1</a:t>
             </a:fld>
             <a:endParaRPr lang="zh-TW" altLang="en-US"/>
           </a:p>
@@ -1347,7 +1347,7 @@
             <a:fld id="{D93452E8-3DD6-44AC-B432-62258E7B8704}" type="datetimeFigureOut">
               <a:rPr lang="zh-TW" altLang="en-US" smtClean="0"/>
               <a:pPr/>
-              <a:t>2020/6/23</a:t>
+              <a:t>2020/9/1</a:t>
             </a:fld>
             <a:endParaRPr lang="zh-TW" altLang="en-US"/>
           </a:p>
@@ -1766,7 +1766,7 @@
             <a:fld id="{D93452E8-3DD6-44AC-B432-62258E7B8704}" type="datetimeFigureOut">
               <a:rPr lang="zh-TW" altLang="en-US" smtClean="0"/>
               <a:pPr/>
-              <a:t>2020/6/23</a:t>
+              <a:t>2020/9/1</a:t>
             </a:fld>
             <a:endParaRPr lang="zh-TW" altLang="en-US"/>
           </a:p>
@@ -1881,7 +1881,7 @@
             <a:fld id="{D93452E8-3DD6-44AC-B432-62258E7B8704}" type="datetimeFigureOut">
               <a:rPr lang="zh-TW" altLang="en-US" smtClean="0"/>
               <a:pPr/>
-              <a:t>2020/6/23</a:t>
+              <a:t>2020/9/1</a:t>
             </a:fld>
             <a:endParaRPr lang="zh-TW" altLang="en-US"/>
           </a:p>
@@ -1973,7 +1973,7 @@
             <a:fld id="{D93452E8-3DD6-44AC-B432-62258E7B8704}" type="datetimeFigureOut">
               <a:rPr lang="zh-TW" altLang="en-US" smtClean="0"/>
               <a:pPr/>
-              <a:t>2020/6/23</a:t>
+              <a:t>2020/9/1</a:t>
             </a:fld>
             <a:endParaRPr lang="zh-TW" altLang="en-US"/>
           </a:p>
@@ -2247,7 +2247,7 @@
             <a:fld id="{D93452E8-3DD6-44AC-B432-62258E7B8704}" type="datetimeFigureOut">
               <a:rPr lang="zh-TW" altLang="en-US" smtClean="0"/>
               <a:pPr/>
-              <a:t>2020/6/23</a:t>
+              <a:t>2020/9/1</a:t>
             </a:fld>
             <a:endParaRPr lang="zh-TW" altLang="en-US"/>
           </a:p>
@@ -2501,7 +2501,7 @@
             <a:fld id="{D93452E8-3DD6-44AC-B432-62258E7B8704}" type="datetimeFigureOut">
               <a:rPr lang="zh-TW" altLang="en-US" smtClean="0"/>
               <a:pPr/>
-              <a:t>2020/6/23</a:t>
+              <a:t>2020/9/1</a:t>
             </a:fld>
             <a:endParaRPr lang="zh-TW" altLang="en-US"/>
           </a:p>
@@ -2716,7 +2716,7 @@
             <a:fld id="{D93452E8-3DD6-44AC-B432-62258E7B8704}" type="datetimeFigureOut">
               <a:rPr lang="zh-TW" altLang="en-US" smtClean="0"/>
               <a:pPr/>
-              <a:t>2020/6/23</a:t>
+              <a:t>2020/9/1</a:t>
             </a:fld>
             <a:endParaRPr lang="zh-TW" altLang="en-US"/>
           </a:p>
@@ -3124,7 +3124,7 @@
         </p:nvSpPr>
         <p:spPr/>
         <p:txBody>
-          <a:bodyPr anchor="ctr">
+          <a:bodyPr anchor="t">
             <a:normAutofit/>
           </a:bodyPr>
           <a:lstStyle/>
@@ -3137,44 +3137,23 @@
                 <a:latin typeface="微軟正黑體" pitchFamily="34" charset="-120"/>
                 <a:ea typeface="微軟正黑體" pitchFamily="34" charset="-120"/>
               </a:rPr>
-              <a:t>在這片乾旱</a:t>
-            </a:r>
+              <a:t>在這片乾旱土地</a:t>
+            </a:r>
+            <a:endParaRPr lang="en-US" altLang="zh-TW" sz="5400" b="1" dirty="0">
+              <a:latin typeface="微軟正黑體" pitchFamily="34" charset="-120"/>
+              <a:ea typeface="微軟正黑體" pitchFamily="34" charset="-120"/>
+            </a:endParaRPr>
+          </a:p>
+          <a:p>
+            <a:pPr algn="ctr">
+              <a:buNone/>
+            </a:pPr>
             <a:r>
               <a:rPr lang="zh-TW" altLang="en-US" sz="5400" b="1" dirty="0">
                 <a:latin typeface="微軟正黑體" pitchFamily="34" charset="-120"/>
                 <a:ea typeface="微軟正黑體" pitchFamily="34" charset="-120"/>
               </a:rPr>
-              <a:t>土地</a:t>
-            </a:r>
-            <a:endParaRPr lang="en-US" altLang="zh-TW" sz="5400" b="1" dirty="0">
-              <a:latin typeface="微軟正黑體" pitchFamily="34" charset="-120"/>
-              <a:ea typeface="微軟正黑體" pitchFamily="34" charset="-120"/>
-            </a:endParaRPr>
-          </a:p>
-          <a:p>
-            <a:pPr algn="ctr">
-              <a:buNone/>
-            </a:pPr>
-            <a:r>
-              <a:rPr lang="zh-TW" altLang="en-US" sz="5400" b="1" dirty="0">
-                <a:latin typeface="微軟正黑體" pitchFamily="34" charset="-120"/>
-                <a:ea typeface="微軟正黑體" pitchFamily="34" charset="-120"/>
-              </a:rPr>
-              <a:t>沒有</a:t>
-            </a:r>
-            <a:r>
-              <a:rPr lang="zh-TW" altLang="en-US" sz="5400" b="1" dirty="0">
-                <a:latin typeface="微軟正黑體" pitchFamily="34" charset="-120"/>
-                <a:ea typeface="微軟正黑體" pitchFamily="34" charset="-120"/>
-              </a:rPr>
-              <a:t>豐足的</a:t>
-            </a:r>
-            <a:r>
-              <a:rPr lang="zh-TW" altLang="en-US" sz="5400" b="1" dirty="0">
-                <a:latin typeface="微軟正黑體" pitchFamily="34" charset="-120"/>
-                <a:ea typeface="微軟正黑體" pitchFamily="34" charset="-120"/>
-              </a:rPr>
-              <a:t>收穫</a:t>
+              <a:t>沒有豐足的收穫</a:t>
             </a:r>
             <a:endParaRPr lang="en-US" altLang="zh-TW" sz="5400" b="1" dirty="0">
               <a:latin typeface="微軟正黑體" pitchFamily="34" charset="-120"/>
@@ -3211,49 +3190,24 @@
                 <a:latin typeface="微軟正黑體" pitchFamily="34" charset="-120"/>
                 <a:ea typeface="微軟正黑體" pitchFamily="34" charset="-120"/>
               </a:rPr>
-              <a:t>看施</a:t>
-            </a:r>
+              <a:t>看施憐憫</a:t>
+            </a:r>
+            <a:endParaRPr lang="en-US" altLang="zh-TW" sz="5400" b="1" dirty="0">
+              <a:latin typeface="微軟正黑體" pitchFamily="34" charset="-120"/>
+              <a:ea typeface="微軟正黑體" pitchFamily="34" charset="-120"/>
+            </a:endParaRPr>
+          </a:p>
+          <a:p>
+            <a:pPr algn="ctr">
+              <a:buNone/>
+            </a:pPr>
             <a:r>
               <a:rPr lang="zh-TW" altLang="en-US" sz="5400" b="1" dirty="0">
                 <a:latin typeface="微軟正黑體" pitchFamily="34" charset="-120"/>
                 <a:ea typeface="微軟正黑體" pitchFamily="34" charset="-120"/>
               </a:rPr>
-              <a:t>憐憫</a:t>
-            </a:r>
-            <a:endParaRPr lang="en-US" altLang="zh-TW" sz="5400" b="1" dirty="0">
-              <a:latin typeface="微軟正黑體" pitchFamily="34" charset="-120"/>
-              <a:ea typeface="微軟正黑體" pitchFamily="34" charset="-120"/>
-            </a:endParaRPr>
-          </a:p>
-          <a:p>
-            <a:pPr algn="ctr">
-              <a:buNone/>
-            </a:pPr>
-            <a:r>
-              <a:rPr lang="zh-TW" altLang="en-US" sz="5400" b="1" dirty="0">
-                <a:latin typeface="微軟正黑體" pitchFamily="34" charset="-120"/>
-                <a:ea typeface="微軟正黑體" pitchFamily="34" charset="-120"/>
-              </a:rPr>
-              <a:t>賜</a:t>
-            </a:r>
-            <a:r>
-              <a:rPr lang="zh-TW" altLang="en-US" sz="5400" b="1" dirty="0">
-                <a:latin typeface="微軟正黑體" pitchFamily="34" charset="-120"/>
-                <a:ea typeface="微軟正黑體" pitchFamily="34" charset="-120"/>
-              </a:rPr>
-              <a:t>春雨滋潤</a:t>
-            </a:r>
-            <a:r>
-              <a:rPr lang="zh-TW" altLang="en-US" sz="5400" b="1" dirty="0">
-                <a:latin typeface="微軟正黑體" pitchFamily="34" charset="-120"/>
-                <a:ea typeface="微軟正黑體" pitchFamily="34" charset="-120"/>
-              </a:rPr>
-              <a:t>大地</a:t>
-            </a:r>
-            <a:endParaRPr lang="zh-TW" altLang="en-US" sz="5400" b="1" dirty="0">
-              <a:latin typeface="微軟正黑體" pitchFamily="34" charset="-120"/>
-              <a:ea typeface="微軟正黑體" pitchFamily="34" charset="-120"/>
-            </a:endParaRPr>
+              <a:t>賜春雨滋潤大地</a:t>
+            </a:r>
           </a:p>
         </p:txBody>
       </p:sp>
@@ -3319,7 +3273,7 @@
         </p:nvSpPr>
         <p:spPr/>
         <p:txBody>
-          <a:bodyPr anchor="ctr">
+          <a:bodyPr anchor="t">
             <a:normAutofit/>
           </a:bodyPr>
           <a:lstStyle/>
@@ -3353,14 +3307,23 @@
                 <a:latin typeface="微軟正黑體" pitchFamily="34" charset="-120"/>
                 <a:ea typeface="微軟正黑體" pitchFamily="34" charset="-120"/>
               </a:rPr>
-              <a:t>看顧的</a:t>
-            </a:r>
+              <a:t>看顧的恩義</a:t>
+            </a:r>
+            <a:endParaRPr lang="en-US" altLang="zh-TW" sz="5400" b="1" dirty="0">
+              <a:latin typeface="微軟正黑體" pitchFamily="34" charset="-120"/>
+              <a:ea typeface="微軟正黑體" pitchFamily="34" charset="-120"/>
+            </a:endParaRPr>
+          </a:p>
+          <a:p>
+            <a:pPr algn="ctr">
+              <a:buNone/>
+            </a:pPr>
             <a:r>
               <a:rPr lang="zh-TW" altLang="en-US" sz="5400" b="1" dirty="0">
                 <a:latin typeface="微軟正黑體" pitchFamily="34" charset="-120"/>
                 <a:ea typeface="微軟正黑體" pitchFamily="34" charset="-120"/>
               </a:rPr>
-              <a:t>恩義</a:t>
+              <a:t>叫我眾永不驚惶</a:t>
             </a:r>
             <a:endParaRPr lang="en-US" altLang="zh-TW" sz="5400" b="1" dirty="0">
               <a:latin typeface="微軟正黑體" pitchFamily="34" charset="-120"/>
@@ -3376,86 +3339,24 @@
                 <a:latin typeface="微軟正黑體" pitchFamily="34" charset="-120"/>
                 <a:ea typeface="微軟正黑體" pitchFamily="34" charset="-120"/>
               </a:rPr>
-              <a:t>叫</a:t>
-            </a:r>
+              <a:t>現我以信心回應</a:t>
+            </a:r>
+            <a:endParaRPr lang="en-US" altLang="zh-TW" sz="5400" b="1" dirty="0">
+              <a:latin typeface="微軟正黑體" pitchFamily="34" charset="-120"/>
+              <a:ea typeface="微軟正黑體" pitchFamily="34" charset="-120"/>
+            </a:endParaRPr>
+          </a:p>
+          <a:p>
+            <a:pPr algn="ctr">
+              <a:buNone/>
+            </a:pPr>
             <a:r>
               <a:rPr lang="zh-TW" altLang="en-US" sz="5400" b="1" dirty="0">
                 <a:latin typeface="微軟正黑體" pitchFamily="34" charset="-120"/>
                 <a:ea typeface="微軟正黑體" pitchFamily="34" charset="-120"/>
               </a:rPr>
-              <a:t>我眾永不</a:t>
-            </a:r>
-            <a:r>
-              <a:rPr lang="zh-TW" altLang="en-US" sz="5400" b="1" dirty="0">
-                <a:latin typeface="微軟正黑體" pitchFamily="34" charset="-120"/>
-                <a:ea typeface="微軟正黑體" pitchFamily="34" charset="-120"/>
-              </a:rPr>
-              <a:t>驚惶</a:t>
-            </a:r>
-            <a:endParaRPr lang="en-US" altLang="zh-TW" sz="5400" b="1" dirty="0">
-              <a:latin typeface="微軟正黑體" pitchFamily="34" charset="-120"/>
-              <a:ea typeface="微軟正黑體" pitchFamily="34" charset="-120"/>
-            </a:endParaRPr>
-          </a:p>
-          <a:p>
-            <a:pPr algn="ctr">
-              <a:buNone/>
-            </a:pPr>
-            <a:r>
-              <a:rPr lang="zh-TW" altLang="en-US" sz="5400" b="1" dirty="0">
-                <a:latin typeface="微軟正黑體" pitchFamily="34" charset="-120"/>
-                <a:ea typeface="微軟正黑體" pitchFamily="34" charset="-120"/>
-              </a:rPr>
-              <a:t>現</a:t>
-            </a:r>
-            <a:r>
-              <a:rPr lang="zh-TW" altLang="en-US" sz="5400" b="1" dirty="0">
-                <a:latin typeface="微軟正黑體" pitchFamily="34" charset="-120"/>
-                <a:ea typeface="微軟正黑體" pitchFamily="34" charset="-120"/>
-              </a:rPr>
-              <a:t>我以信心</a:t>
-            </a:r>
-            <a:r>
-              <a:rPr lang="zh-TW" altLang="en-US" sz="5400" b="1" dirty="0">
-                <a:latin typeface="微軟正黑體" pitchFamily="34" charset="-120"/>
-                <a:ea typeface="微軟正黑體" pitchFamily="34" charset="-120"/>
-              </a:rPr>
-              <a:t>回應</a:t>
-            </a:r>
-            <a:endParaRPr lang="en-US" altLang="zh-TW" sz="5400" b="1" dirty="0">
-              <a:latin typeface="微軟正黑體" pitchFamily="34" charset="-120"/>
-              <a:ea typeface="微軟正黑體" pitchFamily="34" charset="-120"/>
-            </a:endParaRPr>
-          </a:p>
-          <a:p>
-            <a:pPr algn="ctr">
-              <a:buNone/>
-            </a:pPr>
-            <a:r>
-              <a:rPr lang="zh-TW" altLang="en-US" sz="5400" b="1" dirty="0">
-                <a:latin typeface="微軟正黑體" pitchFamily="34" charset="-120"/>
-                <a:ea typeface="微軟正黑體" pitchFamily="34" charset="-120"/>
-              </a:rPr>
-              <a:t>獻</a:t>
-            </a:r>
-            <a:r>
-              <a:rPr lang="zh-TW" altLang="en-US" sz="5400" b="1" dirty="0">
-                <a:latin typeface="微軟正黑體" pitchFamily="34" charset="-120"/>
-                <a:ea typeface="微軟正黑體" pitchFamily="34" charset="-120"/>
-              </a:rPr>
-              <a:t>上迫切的</a:t>
-            </a:r>
-            <a:r>
-              <a:rPr lang="zh-TW" altLang="en-US" sz="5400" b="1" dirty="0">
-                <a:latin typeface="微軟正黑體" pitchFamily="34" charset="-120"/>
-                <a:ea typeface="微軟正黑體" pitchFamily="34" charset="-120"/>
-              </a:rPr>
-              <a:t>禱告</a:t>
-            </a:r>
-            <a:endParaRPr lang="zh-TW" altLang="en-US" sz="5400" b="1" dirty="0">
-              <a:latin typeface="微軟正黑體" pitchFamily="34" charset="-120"/>
-              <a:ea typeface="微軟正黑體" pitchFamily="34" charset="-120"/>
-            </a:endParaRPr>
+              <a:t>獻上迫切的禱告</a:t>
+            </a:r>
           </a:p>
         </p:txBody>
       </p:sp>
@@ -3521,7 +3422,7 @@
         </p:nvSpPr>
         <p:spPr/>
         <p:txBody>
-          <a:bodyPr anchor="ctr">
+          <a:bodyPr anchor="t">
             <a:normAutofit/>
           </a:bodyPr>
           <a:lstStyle/>
@@ -3534,14 +3435,7 @@
                 <a:latin typeface="微軟正黑體" pitchFamily="34" charset="-120"/>
                 <a:ea typeface="微軟正黑體" pitchFamily="34" charset="-120"/>
               </a:rPr>
-              <a:t>求主興起禱告的</a:t>
-            </a:r>
-            <a:r>
-              <a:rPr lang="zh-TW" altLang="en-US" sz="5400" b="1" dirty="0">
-                <a:latin typeface="微軟正黑體" pitchFamily="34" charset="-120"/>
-                <a:ea typeface="微軟正黑體" pitchFamily="34" charset="-120"/>
-              </a:rPr>
-              <a:t>心</a:t>
+              <a:t>求主興起禱告的心</a:t>
             </a:r>
             <a:endParaRPr lang="en-US" altLang="zh-TW" sz="5400" b="1" dirty="0">
               <a:latin typeface="微軟正黑體" pitchFamily="34" charset="-120"/>
@@ -3578,14 +3472,23 @@
                 <a:latin typeface="微軟正黑體" pitchFamily="34" charset="-120"/>
                 <a:ea typeface="微軟正黑體" pitchFamily="34" charset="-120"/>
               </a:rPr>
-              <a:t>有難成的</a:t>
-            </a:r>
+              <a:t>有難成的事</a:t>
+            </a:r>
+            <a:endParaRPr lang="en-US" altLang="zh-TW" sz="5400" b="1" dirty="0">
+              <a:latin typeface="微軟正黑體" pitchFamily="34" charset="-120"/>
+              <a:ea typeface="微軟正黑體" pitchFamily="34" charset="-120"/>
+            </a:endParaRPr>
+          </a:p>
+          <a:p>
+            <a:pPr algn="ctr">
+              <a:buNone/>
+            </a:pPr>
             <a:r>
               <a:rPr lang="zh-TW" altLang="en-US" sz="5400" b="1" dirty="0">
                 <a:latin typeface="微軟正黑體" pitchFamily="34" charset="-120"/>
                 <a:ea typeface="微軟正黑體" pitchFamily="34" charset="-120"/>
               </a:rPr>
-              <a:t>事</a:t>
+              <a:t>藉已成就的禱告</a:t>
             </a:r>
             <a:endParaRPr lang="en-US" altLang="zh-TW" sz="5400" b="1" dirty="0">
               <a:latin typeface="微軟正黑體" pitchFamily="34" charset="-120"/>
@@ -3601,56 +3504,8 @@
                 <a:latin typeface="微軟正黑體" pitchFamily="34" charset="-120"/>
                 <a:ea typeface="微軟正黑體" pitchFamily="34" charset="-120"/>
               </a:rPr>
-              <a:t>藉</a:t>
-            </a:r>
-            <a:r>
-              <a:rPr lang="zh-TW" altLang="en-US" sz="5400" b="1" dirty="0">
-                <a:latin typeface="微軟正黑體" pitchFamily="34" charset="-120"/>
-                <a:ea typeface="微軟正黑體" pitchFamily="34" charset="-120"/>
-              </a:rPr>
-              <a:t>已成就的</a:t>
-            </a:r>
-            <a:r>
-              <a:rPr lang="zh-TW" altLang="en-US" sz="5400" b="1" dirty="0">
-                <a:latin typeface="微軟正黑體" pitchFamily="34" charset="-120"/>
-                <a:ea typeface="微軟正黑體" pitchFamily="34" charset="-120"/>
-              </a:rPr>
-              <a:t>禱告</a:t>
-            </a:r>
-            <a:endParaRPr lang="en-US" altLang="zh-TW" sz="5400" b="1" dirty="0">
-              <a:latin typeface="微軟正黑體" pitchFamily="34" charset="-120"/>
-              <a:ea typeface="微軟正黑體" pitchFamily="34" charset="-120"/>
-            </a:endParaRPr>
-          </a:p>
-          <a:p>
-            <a:pPr algn="ctr">
-              <a:buNone/>
-            </a:pPr>
-            <a:r>
-              <a:rPr lang="zh-TW" altLang="en-US" sz="5400" b="1" dirty="0">
-                <a:latin typeface="微軟正黑體" pitchFamily="34" charset="-120"/>
-                <a:ea typeface="微軟正黑體" pitchFamily="34" charset="-120"/>
-              </a:rPr>
-              <a:t>讓</a:t>
-            </a:r>
-            <a:r>
-              <a:rPr lang="zh-TW" altLang="en-US" sz="5400" b="1" dirty="0">
-                <a:latin typeface="微軟正黑體" pitchFamily="34" charset="-120"/>
-                <a:ea typeface="微軟正黑體" pitchFamily="34" charset="-120"/>
-              </a:rPr>
-              <a:t>我開始認識主大</a:t>
-            </a:r>
-            <a:r>
-              <a:rPr lang="zh-TW" altLang="en-US" sz="5400" b="1" dirty="0">
-                <a:latin typeface="微軟正黑體" pitchFamily="34" charset="-120"/>
-                <a:ea typeface="微軟正黑體" pitchFamily="34" charset="-120"/>
-              </a:rPr>
-              <a:t>能</a:t>
-            </a:r>
-            <a:endParaRPr lang="zh-TW" altLang="en-US" sz="5400" b="1" dirty="0">
-              <a:latin typeface="微軟正黑體" pitchFamily="34" charset="-120"/>
-              <a:ea typeface="微軟正黑體" pitchFamily="34" charset="-120"/>
-            </a:endParaRPr>
+              <a:t>讓我開始認識主大能</a:t>
+            </a:r>
           </a:p>
         </p:txBody>
       </p:sp>
@@ -3716,7 +3571,7 @@
         </p:nvSpPr>
         <p:spPr/>
         <p:txBody>
-          <a:bodyPr anchor="ctr">
+          <a:bodyPr anchor="t">
             <a:normAutofit/>
           </a:bodyPr>
           <a:lstStyle/>
@@ -3729,44 +3584,23 @@
                 <a:latin typeface="微軟正黑體" pitchFamily="34" charset="-120"/>
                 <a:ea typeface="微軟正黑體" pitchFamily="34" charset="-120"/>
               </a:rPr>
-              <a:t>求主興起禱告的</a:t>
-            </a:r>
+              <a:t>求主興起禱告的心</a:t>
+            </a:r>
+            <a:endParaRPr lang="en-US" altLang="zh-TW" sz="5400" b="1" dirty="0">
+              <a:latin typeface="微軟正黑體" pitchFamily="34" charset="-120"/>
+              <a:ea typeface="微軟正黑體" pitchFamily="34" charset="-120"/>
+            </a:endParaRPr>
+          </a:p>
+          <a:p>
+            <a:pPr algn="ctr">
+              <a:buNone/>
+            </a:pPr>
             <a:r>
               <a:rPr lang="zh-TW" altLang="en-US" sz="5400" b="1" dirty="0">
                 <a:latin typeface="微軟正黑體" pitchFamily="34" charset="-120"/>
                 <a:ea typeface="微軟正黑體" pitchFamily="34" charset="-120"/>
               </a:rPr>
-              <a:t>心</a:t>
-            </a:r>
-            <a:endParaRPr lang="en-US" altLang="zh-TW" sz="5400" b="1" dirty="0">
-              <a:latin typeface="微軟正黑體" pitchFamily="34" charset="-120"/>
-              <a:ea typeface="微軟正黑體" pitchFamily="34" charset="-120"/>
-            </a:endParaRPr>
-          </a:p>
-          <a:p>
-            <a:pPr algn="ctr">
-              <a:buNone/>
-            </a:pPr>
-            <a:r>
-              <a:rPr lang="zh-TW" altLang="en-US" sz="5400" b="1" dirty="0">
-                <a:latin typeface="微軟正黑體" pitchFamily="34" charset="-120"/>
-                <a:ea typeface="微軟正黑體" pitchFamily="34" charset="-120"/>
-              </a:rPr>
-              <a:t>像</a:t>
-            </a:r>
-            <a:r>
-              <a:rPr lang="zh-TW" altLang="en-US" sz="5400" b="1" dirty="0">
-                <a:latin typeface="微軟正黑體" pitchFamily="34" charset="-120"/>
-                <a:ea typeface="微軟正黑體" pitchFamily="34" charset="-120"/>
-              </a:rPr>
-              <a:t>戰士激發</a:t>
-            </a:r>
-            <a:r>
-              <a:rPr lang="zh-TW" altLang="en-US" sz="5400" b="1" dirty="0">
-                <a:latin typeface="微軟正黑體" pitchFamily="34" charset="-120"/>
-                <a:ea typeface="微軟正黑體" pitchFamily="34" charset="-120"/>
-              </a:rPr>
-              <a:t>熱心</a:t>
+              <a:t>像戰士激發熱心</a:t>
             </a:r>
             <a:endParaRPr lang="en-US" altLang="zh-TW" sz="5400" b="1" dirty="0">
               <a:latin typeface="微軟正黑體" pitchFamily="34" charset="-120"/>
@@ -3810,14 +3644,7 @@
                 <a:latin typeface="微軟正黑體" pitchFamily="34" charset="-120"/>
                 <a:ea typeface="微軟正黑體" pitchFamily="34" charset="-120"/>
               </a:rPr>
-              <a:t>獨一的</a:t>
-            </a:r>
-            <a:r>
-              <a:rPr lang="zh-TW" altLang="en-US" sz="5400" b="1" dirty="0">
-                <a:latin typeface="微軟正黑體" pitchFamily="34" charset="-120"/>
-                <a:ea typeface="微軟正黑體" pitchFamily="34" charset="-120"/>
-              </a:rPr>
-              <a:t>主</a:t>
+              <a:t>獨一的主</a:t>
             </a:r>
             <a:endParaRPr lang="en-US" altLang="zh-TW" sz="5400" b="1" dirty="0">
               <a:latin typeface="微軟正黑體" pitchFamily="34" charset="-120"/>
@@ -3854,19 +3681,8 @@
                 <a:latin typeface="微軟正黑體" pitchFamily="34" charset="-120"/>
                 <a:ea typeface="微軟正黑體" pitchFamily="34" charset="-120"/>
               </a:rPr>
-              <a:t>遠作</a:t>
-            </a:r>
-            <a:r>
-              <a:rPr lang="zh-TW" altLang="en-US" sz="5400" b="1" dirty="0">
-                <a:latin typeface="微軟正黑體" pitchFamily="34" charset="-120"/>
-                <a:ea typeface="微軟正黑體" pitchFamily="34" charset="-120"/>
-              </a:rPr>
-              <a:t>王</a:t>
-            </a:r>
-            <a:endParaRPr lang="zh-TW" altLang="en-US" sz="5400" b="1" dirty="0">
-              <a:latin typeface="微軟正黑體" pitchFamily="34" charset="-120"/>
-              <a:ea typeface="微軟正黑體" pitchFamily="34" charset="-120"/>
-            </a:endParaRPr>
+              <a:t>遠作王</a:t>
+            </a:r>
           </a:p>
         </p:txBody>
       </p:sp>

--- a/求主興起禱告的心.pptx
+++ b/求主興起禱告的心.pptx
@@ -5,10 +5,15 @@
     <p:sldMasterId id="2147483660" r:id="rId1"/>
   </p:sldMasterIdLst>
   <p:sldIdLst>
-    <p:sldId id="256" r:id="rId2"/>
-    <p:sldId id="257" r:id="rId3"/>
-    <p:sldId id="258" r:id="rId4"/>
-    <p:sldId id="259" r:id="rId5"/>
+    <p:sldId id="260" r:id="rId2"/>
+    <p:sldId id="261" r:id="rId3"/>
+    <p:sldId id="262" r:id="rId4"/>
+    <p:sldId id="263" r:id="rId5"/>
+    <p:sldId id="264" r:id="rId6"/>
+    <p:sldId id="265" r:id="rId7"/>
+    <p:sldId id="266" r:id="rId8"/>
+    <p:sldId id="267" r:id="rId9"/>
+    <p:sldId id="268" r:id="rId10"/>
   </p:sldIdLst>
   <p:sldSz cx="12192000" cy="6858000"/>
   <p:notesSz cx="6858000" cy="9144000"/>
@@ -164,10 +169,9 @@
           <a:lstStyle/>
           <a:p>
             <a:r>
-              <a:rPr lang="zh-TW" altLang="en-US" smtClean="0"/>
+              <a:rPr lang="zh-TW" altLang="en-US"/>
               <a:t>按一下以編輯母片標題樣式</a:t>
             </a:r>
-            <a:endParaRPr lang="zh-TW" altLang="en-US"/>
           </a:p>
         </p:txBody>
       </p:sp>
@@ -283,10 +287,9 @@
           </a:lstStyle>
           <a:p>
             <a:r>
-              <a:rPr lang="zh-TW" altLang="en-US" smtClean="0"/>
+              <a:rPr lang="zh-TW" altLang="en-US"/>
               <a:t>按一下以編輯母片副標題樣式</a:t>
             </a:r>
-            <a:endParaRPr lang="zh-TW" altLang="en-US"/>
           </a:p>
         </p:txBody>
       </p:sp>
@@ -308,7 +311,7 @@
             <a:fld id="{D93452E8-3DD6-44AC-B432-62258E7B8704}" type="datetimeFigureOut">
               <a:rPr lang="zh-TW" altLang="en-US" smtClean="0"/>
               <a:pPr/>
-              <a:t>2020/9/1</a:t>
+              <a:t>2024/1/31</a:t>
             </a:fld>
             <a:endParaRPr lang="zh-TW" altLang="en-US"/>
           </a:p>
@@ -398,10 +401,9 @@
           <a:lstStyle/>
           <a:p>
             <a:r>
-              <a:rPr lang="zh-TW" altLang="en-US" smtClean="0"/>
+              <a:rPr lang="zh-TW" altLang="en-US"/>
               <a:t>按一下以編輯母片標題樣式</a:t>
             </a:r>
-            <a:endParaRPr lang="zh-TW" altLang="en-US"/>
           </a:p>
         </p:txBody>
       </p:sp>
@@ -422,38 +424,37 @@
           <a:p>
             <a:pPr lvl="0"/>
             <a:r>
-              <a:rPr lang="zh-TW" altLang="en-US" smtClean="0"/>
+              <a:rPr lang="zh-TW" altLang="en-US"/>
               <a:t>按一下以編輯母片文字樣式</a:t>
             </a:r>
           </a:p>
           <a:p>
             <a:pPr lvl="1"/>
             <a:r>
-              <a:rPr lang="zh-TW" altLang="en-US" smtClean="0"/>
+              <a:rPr lang="zh-TW" altLang="en-US"/>
               <a:t>第二層</a:t>
             </a:r>
           </a:p>
           <a:p>
             <a:pPr lvl="2"/>
             <a:r>
-              <a:rPr lang="zh-TW" altLang="en-US" smtClean="0"/>
+              <a:rPr lang="zh-TW" altLang="en-US"/>
               <a:t>第三層</a:t>
             </a:r>
           </a:p>
           <a:p>
             <a:pPr lvl="3"/>
             <a:r>
-              <a:rPr lang="zh-TW" altLang="en-US" smtClean="0"/>
+              <a:rPr lang="zh-TW" altLang="en-US"/>
               <a:t>第四層</a:t>
             </a:r>
           </a:p>
           <a:p>
             <a:pPr lvl="4"/>
             <a:r>
-              <a:rPr lang="zh-TW" altLang="en-US" smtClean="0"/>
+              <a:rPr lang="zh-TW" altLang="en-US"/>
               <a:t>第五層</a:t>
             </a:r>
-            <a:endParaRPr lang="zh-TW" altLang="en-US"/>
           </a:p>
         </p:txBody>
       </p:sp>
@@ -475,7 +476,7 @@
             <a:fld id="{D93452E8-3DD6-44AC-B432-62258E7B8704}" type="datetimeFigureOut">
               <a:rPr lang="zh-TW" altLang="en-US" smtClean="0"/>
               <a:pPr/>
-              <a:t>2020/9/1</a:t>
+              <a:t>2024/1/31</a:t>
             </a:fld>
             <a:endParaRPr lang="zh-TW" altLang="en-US"/>
           </a:p>
@@ -570,10 +571,9 @@
           <a:lstStyle/>
           <a:p>
             <a:r>
-              <a:rPr lang="zh-TW" altLang="en-US" smtClean="0"/>
+              <a:rPr lang="zh-TW" altLang="en-US"/>
               <a:t>按一下以編輯母片標題樣式</a:t>
             </a:r>
-            <a:endParaRPr lang="zh-TW" altLang="en-US"/>
           </a:p>
         </p:txBody>
       </p:sp>
@@ -599,38 +599,37 @@
           <a:p>
             <a:pPr lvl="0"/>
             <a:r>
-              <a:rPr lang="zh-TW" altLang="en-US" smtClean="0"/>
+              <a:rPr lang="zh-TW" altLang="en-US"/>
               <a:t>按一下以編輯母片文字樣式</a:t>
             </a:r>
           </a:p>
           <a:p>
             <a:pPr lvl="1"/>
             <a:r>
-              <a:rPr lang="zh-TW" altLang="en-US" smtClean="0"/>
+              <a:rPr lang="zh-TW" altLang="en-US"/>
               <a:t>第二層</a:t>
             </a:r>
           </a:p>
           <a:p>
             <a:pPr lvl="2"/>
             <a:r>
-              <a:rPr lang="zh-TW" altLang="en-US" smtClean="0"/>
+              <a:rPr lang="zh-TW" altLang="en-US"/>
               <a:t>第三層</a:t>
             </a:r>
           </a:p>
           <a:p>
             <a:pPr lvl="3"/>
             <a:r>
-              <a:rPr lang="zh-TW" altLang="en-US" smtClean="0"/>
+              <a:rPr lang="zh-TW" altLang="en-US"/>
               <a:t>第四層</a:t>
             </a:r>
           </a:p>
           <a:p>
             <a:pPr lvl="4"/>
             <a:r>
-              <a:rPr lang="zh-TW" altLang="en-US" smtClean="0"/>
+              <a:rPr lang="zh-TW" altLang="en-US"/>
               <a:t>第五層</a:t>
             </a:r>
-            <a:endParaRPr lang="zh-TW" altLang="en-US"/>
           </a:p>
         </p:txBody>
       </p:sp>
@@ -652,7 +651,7 @@
             <a:fld id="{D93452E8-3DD6-44AC-B432-62258E7B8704}" type="datetimeFigureOut">
               <a:rPr lang="zh-TW" altLang="en-US" smtClean="0"/>
               <a:pPr/>
-              <a:t>2020/9/1</a:t>
+              <a:t>2024/1/31</a:t>
             </a:fld>
             <a:endParaRPr lang="zh-TW" altLang="en-US"/>
           </a:p>
@@ -742,10 +741,9 @@
           <a:lstStyle/>
           <a:p>
             <a:r>
-              <a:rPr lang="zh-TW" altLang="en-US" smtClean="0"/>
+              <a:rPr lang="zh-TW" altLang="en-US"/>
               <a:t>按一下以編輯母片標題樣式</a:t>
             </a:r>
-            <a:endParaRPr lang="zh-TW" altLang="en-US"/>
           </a:p>
         </p:txBody>
       </p:sp>
@@ -766,38 +764,37 @@
           <a:p>
             <a:pPr lvl="0"/>
             <a:r>
-              <a:rPr lang="zh-TW" altLang="en-US" smtClean="0"/>
+              <a:rPr lang="zh-TW" altLang="en-US"/>
               <a:t>按一下以編輯母片文字樣式</a:t>
             </a:r>
           </a:p>
           <a:p>
             <a:pPr lvl="1"/>
             <a:r>
-              <a:rPr lang="zh-TW" altLang="en-US" smtClean="0"/>
+              <a:rPr lang="zh-TW" altLang="en-US"/>
               <a:t>第二層</a:t>
             </a:r>
           </a:p>
           <a:p>
             <a:pPr lvl="2"/>
             <a:r>
-              <a:rPr lang="zh-TW" altLang="en-US" smtClean="0"/>
+              <a:rPr lang="zh-TW" altLang="en-US"/>
               <a:t>第三層</a:t>
             </a:r>
           </a:p>
           <a:p>
             <a:pPr lvl="3"/>
             <a:r>
-              <a:rPr lang="zh-TW" altLang="en-US" smtClean="0"/>
+              <a:rPr lang="zh-TW" altLang="en-US"/>
               <a:t>第四層</a:t>
             </a:r>
           </a:p>
           <a:p>
             <a:pPr lvl="4"/>
             <a:r>
-              <a:rPr lang="zh-TW" altLang="en-US" smtClean="0"/>
+              <a:rPr lang="zh-TW" altLang="en-US"/>
               <a:t>第五層</a:t>
             </a:r>
-            <a:endParaRPr lang="zh-TW" altLang="en-US"/>
           </a:p>
         </p:txBody>
       </p:sp>
@@ -819,7 +816,7 @@
             <a:fld id="{D93452E8-3DD6-44AC-B432-62258E7B8704}" type="datetimeFigureOut">
               <a:rPr lang="zh-TW" altLang="en-US" smtClean="0"/>
               <a:pPr/>
-              <a:t>2020/9/1</a:t>
+              <a:t>2024/1/31</a:t>
             </a:fld>
             <a:endParaRPr lang="zh-TW" altLang="en-US"/>
           </a:p>
@@ -918,10 +915,9 @@
           </a:lstStyle>
           <a:p>
             <a:r>
-              <a:rPr lang="zh-TW" altLang="en-US" smtClean="0"/>
+              <a:rPr lang="zh-TW" altLang="en-US"/>
               <a:t>按一下以編輯母片標題樣式</a:t>
             </a:r>
-            <a:endParaRPr lang="zh-TW" altLang="en-US"/>
           </a:p>
         </p:txBody>
       </p:sp>
@@ -1038,7 +1034,7 @@
           <a:p>
             <a:pPr lvl="0"/>
             <a:r>
-              <a:rPr lang="zh-TW" altLang="en-US" smtClean="0"/>
+              <a:rPr lang="zh-TW" altLang="en-US"/>
               <a:t>按一下以編輯母片文字樣式</a:t>
             </a:r>
           </a:p>
@@ -1062,7 +1058,7 @@
             <a:fld id="{D93452E8-3DD6-44AC-B432-62258E7B8704}" type="datetimeFigureOut">
               <a:rPr lang="zh-TW" altLang="en-US" smtClean="0"/>
               <a:pPr/>
-              <a:t>2020/9/1</a:t>
+              <a:t>2024/1/31</a:t>
             </a:fld>
             <a:endParaRPr lang="zh-TW" altLang="en-US"/>
           </a:p>
@@ -1152,10 +1148,9 @@
           <a:lstStyle/>
           <a:p>
             <a:r>
-              <a:rPr lang="zh-TW" altLang="en-US" smtClean="0"/>
+              <a:rPr lang="zh-TW" altLang="en-US"/>
               <a:t>按一下以編輯母片標題樣式</a:t>
             </a:r>
-            <a:endParaRPr lang="zh-TW" altLang="en-US"/>
           </a:p>
         </p:txBody>
       </p:sp>
@@ -1209,38 +1204,37 @@
           <a:p>
             <a:pPr lvl="0"/>
             <a:r>
-              <a:rPr lang="zh-TW" altLang="en-US" smtClean="0"/>
+              <a:rPr lang="zh-TW" altLang="en-US"/>
               <a:t>按一下以編輯母片文字樣式</a:t>
             </a:r>
           </a:p>
           <a:p>
             <a:pPr lvl="1"/>
             <a:r>
-              <a:rPr lang="zh-TW" altLang="en-US" smtClean="0"/>
+              <a:rPr lang="zh-TW" altLang="en-US"/>
               <a:t>第二層</a:t>
             </a:r>
           </a:p>
           <a:p>
             <a:pPr lvl="2"/>
             <a:r>
-              <a:rPr lang="zh-TW" altLang="en-US" smtClean="0"/>
+              <a:rPr lang="zh-TW" altLang="en-US"/>
               <a:t>第三層</a:t>
             </a:r>
           </a:p>
           <a:p>
             <a:pPr lvl="3"/>
             <a:r>
-              <a:rPr lang="zh-TW" altLang="en-US" smtClean="0"/>
+              <a:rPr lang="zh-TW" altLang="en-US"/>
               <a:t>第四層</a:t>
             </a:r>
           </a:p>
           <a:p>
             <a:pPr lvl="4"/>
             <a:r>
-              <a:rPr lang="zh-TW" altLang="en-US" smtClean="0"/>
+              <a:rPr lang="zh-TW" altLang="en-US"/>
               <a:t>第五層</a:t>
             </a:r>
-            <a:endParaRPr lang="zh-TW" altLang="en-US"/>
           </a:p>
         </p:txBody>
       </p:sp>
@@ -1294,38 +1288,37 @@
           <a:p>
             <a:pPr lvl="0"/>
             <a:r>
-              <a:rPr lang="zh-TW" altLang="en-US" smtClean="0"/>
+              <a:rPr lang="zh-TW" altLang="en-US"/>
               <a:t>按一下以編輯母片文字樣式</a:t>
             </a:r>
           </a:p>
           <a:p>
             <a:pPr lvl="1"/>
             <a:r>
-              <a:rPr lang="zh-TW" altLang="en-US" smtClean="0"/>
+              <a:rPr lang="zh-TW" altLang="en-US"/>
               <a:t>第二層</a:t>
             </a:r>
           </a:p>
           <a:p>
             <a:pPr lvl="2"/>
             <a:r>
-              <a:rPr lang="zh-TW" altLang="en-US" smtClean="0"/>
+              <a:rPr lang="zh-TW" altLang="en-US"/>
               <a:t>第三層</a:t>
             </a:r>
           </a:p>
           <a:p>
             <a:pPr lvl="3"/>
             <a:r>
-              <a:rPr lang="zh-TW" altLang="en-US" smtClean="0"/>
+              <a:rPr lang="zh-TW" altLang="en-US"/>
               <a:t>第四層</a:t>
             </a:r>
           </a:p>
           <a:p>
             <a:pPr lvl="4"/>
             <a:r>
-              <a:rPr lang="zh-TW" altLang="en-US" smtClean="0"/>
+              <a:rPr lang="zh-TW" altLang="en-US"/>
               <a:t>第五層</a:t>
             </a:r>
-            <a:endParaRPr lang="zh-TW" altLang="en-US"/>
           </a:p>
         </p:txBody>
       </p:sp>
@@ -1347,7 +1340,7 @@
             <a:fld id="{D93452E8-3DD6-44AC-B432-62258E7B8704}" type="datetimeFigureOut">
               <a:rPr lang="zh-TW" altLang="en-US" smtClean="0"/>
               <a:pPr/>
-              <a:t>2020/9/1</a:t>
+              <a:t>2024/1/31</a:t>
             </a:fld>
             <a:endParaRPr lang="zh-TW" altLang="en-US"/>
           </a:p>
@@ -1441,10 +1434,9 @@
           </a:lstStyle>
           <a:p>
             <a:r>
-              <a:rPr lang="zh-TW" altLang="en-US" smtClean="0"/>
+              <a:rPr lang="zh-TW" altLang="en-US"/>
               <a:t>按一下以編輯母片標題樣式</a:t>
             </a:r>
-            <a:endParaRPr lang="zh-TW" altLang="en-US"/>
           </a:p>
         </p:txBody>
       </p:sp>
@@ -1507,7 +1499,7 @@
           <a:p>
             <a:pPr lvl="0"/>
             <a:r>
-              <a:rPr lang="zh-TW" altLang="en-US" smtClean="0"/>
+              <a:rPr lang="zh-TW" altLang="en-US"/>
               <a:t>按一下以編輯母片文字樣式</a:t>
             </a:r>
           </a:p>
@@ -1563,38 +1555,37 @@
           <a:p>
             <a:pPr lvl="0"/>
             <a:r>
-              <a:rPr lang="zh-TW" altLang="en-US" smtClean="0"/>
+              <a:rPr lang="zh-TW" altLang="en-US"/>
               <a:t>按一下以編輯母片文字樣式</a:t>
             </a:r>
           </a:p>
           <a:p>
             <a:pPr lvl="1"/>
             <a:r>
-              <a:rPr lang="zh-TW" altLang="en-US" smtClean="0"/>
+              <a:rPr lang="zh-TW" altLang="en-US"/>
               <a:t>第二層</a:t>
             </a:r>
           </a:p>
           <a:p>
             <a:pPr lvl="2"/>
             <a:r>
-              <a:rPr lang="zh-TW" altLang="en-US" smtClean="0"/>
+              <a:rPr lang="zh-TW" altLang="en-US"/>
               <a:t>第三層</a:t>
             </a:r>
           </a:p>
           <a:p>
             <a:pPr lvl="3"/>
             <a:r>
-              <a:rPr lang="zh-TW" altLang="en-US" smtClean="0"/>
+              <a:rPr lang="zh-TW" altLang="en-US"/>
               <a:t>第四層</a:t>
             </a:r>
           </a:p>
           <a:p>
             <a:pPr lvl="4"/>
             <a:r>
-              <a:rPr lang="zh-TW" altLang="en-US" smtClean="0"/>
+              <a:rPr lang="zh-TW" altLang="en-US"/>
               <a:t>第五層</a:t>
             </a:r>
-            <a:endParaRPr lang="zh-TW" altLang="en-US"/>
           </a:p>
         </p:txBody>
       </p:sp>
@@ -1657,7 +1648,7 @@
           <a:p>
             <a:pPr lvl="0"/>
             <a:r>
-              <a:rPr lang="zh-TW" altLang="en-US" smtClean="0"/>
+              <a:rPr lang="zh-TW" altLang="en-US"/>
               <a:t>按一下以編輯母片文字樣式</a:t>
             </a:r>
           </a:p>
@@ -1713,38 +1704,37 @@
           <a:p>
             <a:pPr lvl="0"/>
             <a:r>
-              <a:rPr lang="zh-TW" altLang="en-US" smtClean="0"/>
+              <a:rPr lang="zh-TW" altLang="en-US"/>
               <a:t>按一下以編輯母片文字樣式</a:t>
             </a:r>
           </a:p>
           <a:p>
             <a:pPr lvl="1"/>
             <a:r>
-              <a:rPr lang="zh-TW" altLang="en-US" smtClean="0"/>
+              <a:rPr lang="zh-TW" altLang="en-US"/>
               <a:t>第二層</a:t>
             </a:r>
           </a:p>
           <a:p>
             <a:pPr lvl="2"/>
             <a:r>
-              <a:rPr lang="zh-TW" altLang="en-US" smtClean="0"/>
+              <a:rPr lang="zh-TW" altLang="en-US"/>
               <a:t>第三層</a:t>
             </a:r>
           </a:p>
           <a:p>
             <a:pPr lvl="3"/>
             <a:r>
-              <a:rPr lang="zh-TW" altLang="en-US" smtClean="0"/>
+              <a:rPr lang="zh-TW" altLang="en-US"/>
               <a:t>第四層</a:t>
             </a:r>
           </a:p>
           <a:p>
             <a:pPr lvl="4"/>
             <a:r>
-              <a:rPr lang="zh-TW" altLang="en-US" smtClean="0"/>
+              <a:rPr lang="zh-TW" altLang="en-US"/>
               <a:t>第五層</a:t>
             </a:r>
-            <a:endParaRPr lang="zh-TW" altLang="en-US"/>
           </a:p>
         </p:txBody>
       </p:sp>
@@ -1766,7 +1756,7 @@
             <a:fld id="{D93452E8-3DD6-44AC-B432-62258E7B8704}" type="datetimeFigureOut">
               <a:rPr lang="zh-TW" altLang="en-US" smtClean="0"/>
               <a:pPr/>
-              <a:t>2020/9/1</a:t>
+              <a:t>2024/1/31</a:t>
             </a:fld>
             <a:endParaRPr lang="zh-TW" altLang="en-US"/>
           </a:p>
@@ -1856,10 +1846,9 @@
           <a:lstStyle/>
           <a:p>
             <a:r>
-              <a:rPr lang="zh-TW" altLang="en-US" smtClean="0"/>
+              <a:rPr lang="zh-TW" altLang="en-US"/>
               <a:t>按一下以編輯母片標題樣式</a:t>
             </a:r>
-            <a:endParaRPr lang="zh-TW" altLang="en-US"/>
           </a:p>
         </p:txBody>
       </p:sp>
@@ -1881,7 +1870,7 @@
             <a:fld id="{D93452E8-3DD6-44AC-B432-62258E7B8704}" type="datetimeFigureOut">
               <a:rPr lang="zh-TW" altLang="en-US" smtClean="0"/>
               <a:pPr/>
-              <a:t>2020/9/1</a:t>
+              <a:t>2024/1/31</a:t>
             </a:fld>
             <a:endParaRPr lang="zh-TW" altLang="en-US"/>
           </a:p>
@@ -1973,7 +1962,7 @@
             <a:fld id="{D93452E8-3DD6-44AC-B432-62258E7B8704}" type="datetimeFigureOut">
               <a:rPr lang="zh-TW" altLang="en-US" smtClean="0"/>
               <a:pPr/>
-              <a:t>2020/9/1</a:t>
+              <a:t>2024/1/31</a:t>
             </a:fld>
             <a:endParaRPr lang="zh-TW" altLang="en-US"/>
           </a:p>
@@ -2072,10 +2061,9 @@
           </a:lstStyle>
           <a:p>
             <a:r>
-              <a:rPr lang="zh-TW" altLang="en-US" smtClean="0"/>
+              <a:rPr lang="zh-TW" altLang="en-US"/>
               <a:t>按一下以編輯母片標題樣式</a:t>
             </a:r>
-            <a:endParaRPr lang="zh-TW" altLang="en-US"/>
           </a:p>
         </p:txBody>
       </p:sp>
@@ -2129,38 +2117,37 @@
           <a:p>
             <a:pPr lvl="0"/>
             <a:r>
-              <a:rPr lang="zh-TW" altLang="en-US" smtClean="0"/>
+              <a:rPr lang="zh-TW" altLang="en-US"/>
               <a:t>按一下以編輯母片文字樣式</a:t>
             </a:r>
           </a:p>
           <a:p>
             <a:pPr lvl="1"/>
             <a:r>
-              <a:rPr lang="zh-TW" altLang="en-US" smtClean="0"/>
+              <a:rPr lang="zh-TW" altLang="en-US"/>
               <a:t>第二層</a:t>
             </a:r>
           </a:p>
           <a:p>
             <a:pPr lvl="2"/>
             <a:r>
-              <a:rPr lang="zh-TW" altLang="en-US" smtClean="0"/>
+              <a:rPr lang="zh-TW" altLang="en-US"/>
               <a:t>第三層</a:t>
             </a:r>
           </a:p>
           <a:p>
             <a:pPr lvl="3"/>
             <a:r>
-              <a:rPr lang="zh-TW" altLang="en-US" smtClean="0"/>
+              <a:rPr lang="zh-TW" altLang="en-US"/>
               <a:t>第四層</a:t>
             </a:r>
           </a:p>
           <a:p>
             <a:pPr lvl="4"/>
             <a:r>
-              <a:rPr lang="zh-TW" altLang="en-US" smtClean="0"/>
+              <a:rPr lang="zh-TW" altLang="en-US"/>
               <a:t>第五層</a:t>
             </a:r>
-            <a:endParaRPr lang="zh-TW" altLang="en-US"/>
           </a:p>
         </p:txBody>
       </p:sp>
@@ -2223,7 +2210,7 @@
           <a:p>
             <a:pPr lvl="0"/>
             <a:r>
-              <a:rPr lang="zh-TW" altLang="en-US" smtClean="0"/>
+              <a:rPr lang="zh-TW" altLang="en-US"/>
               <a:t>按一下以編輯母片文字樣式</a:t>
             </a:r>
           </a:p>
@@ -2247,7 +2234,7 @@
             <a:fld id="{D93452E8-3DD6-44AC-B432-62258E7B8704}" type="datetimeFigureOut">
               <a:rPr lang="zh-TW" altLang="en-US" smtClean="0"/>
               <a:pPr/>
-              <a:t>2020/9/1</a:t>
+              <a:t>2024/1/31</a:t>
             </a:fld>
             <a:endParaRPr lang="zh-TW" altLang="en-US"/>
           </a:p>
@@ -2346,10 +2333,9 @@
           </a:lstStyle>
           <a:p>
             <a:r>
-              <a:rPr lang="zh-TW" altLang="en-US" smtClean="0"/>
+              <a:rPr lang="zh-TW" altLang="en-US"/>
               <a:t>按一下以編輯母片標題樣式</a:t>
             </a:r>
-            <a:endParaRPr lang="zh-TW" altLang="en-US"/>
           </a:p>
         </p:txBody>
       </p:sp>
@@ -2411,10 +2397,9 @@
           </a:lstStyle>
           <a:p>
             <a:r>
-              <a:rPr lang="zh-TW" altLang="en-US" smtClean="0"/>
+              <a:rPr lang="zh-TW" altLang="en-US"/>
               <a:t>按一下圖示以新增圖片</a:t>
             </a:r>
-            <a:endParaRPr lang="zh-TW" altLang="en-US"/>
           </a:p>
         </p:txBody>
       </p:sp>
@@ -2477,7 +2462,7 @@
           <a:p>
             <a:pPr lvl="0"/>
             <a:r>
-              <a:rPr lang="zh-TW" altLang="en-US" smtClean="0"/>
+              <a:rPr lang="zh-TW" altLang="en-US"/>
               <a:t>按一下以編輯母片文字樣式</a:t>
             </a:r>
           </a:p>
@@ -2501,7 +2486,7 @@
             <a:fld id="{D93452E8-3DD6-44AC-B432-62258E7B8704}" type="datetimeFigureOut">
               <a:rPr lang="zh-TW" altLang="en-US" smtClean="0"/>
               <a:pPr/>
-              <a:t>2020/9/1</a:t>
+              <a:t>2024/1/31</a:t>
             </a:fld>
             <a:endParaRPr lang="zh-TW" altLang="en-US"/>
           </a:p>
@@ -2611,10 +2596,9 @@
           <a:lstStyle/>
           <a:p>
             <a:r>
-              <a:rPr lang="zh-TW" altLang="en-US" smtClean="0"/>
+              <a:rPr lang="zh-TW" altLang="en-US"/>
               <a:t>按一下以編輯母片標題樣式</a:t>
             </a:r>
-            <a:endParaRPr lang="zh-TW" altLang="en-US"/>
           </a:p>
         </p:txBody>
       </p:sp>
@@ -2645,38 +2629,37 @@
           <a:p>
             <a:pPr lvl="0"/>
             <a:r>
-              <a:rPr lang="zh-TW" altLang="en-US" smtClean="0"/>
+              <a:rPr lang="zh-TW" altLang="en-US"/>
               <a:t>按一下以編輯母片文字樣式</a:t>
             </a:r>
           </a:p>
           <a:p>
             <a:pPr lvl="1"/>
             <a:r>
-              <a:rPr lang="zh-TW" altLang="en-US" smtClean="0"/>
+              <a:rPr lang="zh-TW" altLang="en-US"/>
               <a:t>第二層</a:t>
             </a:r>
           </a:p>
           <a:p>
             <a:pPr lvl="2"/>
             <a:r>
-              <a:rPr lang="zh-TW" altLang="en-US" smtClean="0"/>
+              <a:rPr lang="zh-TW" altLang="en-US"/>
               <a:t>第三層</a:t>
             </a:r>
           </a:p>
           <a:p>
             <a:pPr lvl="3"/>
             <a:r>
-              <a:rPr lang="zh-TW" altLang="en-US" smtClean="0"/>
+              <a:rPr lang="zh-TW" altLang="en-US"/>
               <a:t>第四層</a:t>
             </a:r>
           </a:p>
           <a:p>
             <a:pPr lvl="4"/>
             <a:r>
-              <a:rPr lang="zh-TW" altLang="en-US" smtClean="0"/>
+              <a:rPr lang="zh-TW" altLang="en-US"/>
               <a:t>第五層</a:t>
             </a:r>
-            <a:endParaRPr lang="zh-TW" altLang="en-US"/>
           </a:p>
         </p:txBody>
       </p:sp>
@@ -2716,7 +2699,7 @@
             <a:fld id="{D93452E8-3DD6-44AC-B432-62258E7B8704}" type="datetimeFigureOut">
               <a:rPr lang="zh-TW" altLang="en-US" smtClean="0"/>
               <a:pPr/>
-              <a:t>2020/9/1</a:t>
+              <a:t>2024/1/31</a:t>
             </a:fld>
             <a:endParaRPr lang="zh-TW" altLang="en-US"/>
           </a:p>
@@ -3089,7 +3072,7 @@
       </p:grpSpPr>
       <p:sp>
         <p:nvSpPr>
-          <p:cNvPr id="2" name="標題 1"/>
+          <p:cNvPr id="4" name="標題 3"/>
           <p:cNvSpPr>
             <a:spLocks noGrp="1"/>
           </p:cNvSpPr>
@@ -3097,13 +3080,30 @@
             <p:ph type="title"/>
           </p:nvPr>
         </p:nvSpPr>
-        <p:spPr/>
-        <p:txBody>
-          <a:bodyPr/>
-          <a:lstStyle/>
-          <a:p>
-            <a:r>
-              <a:rPr lang="zh-TW" altLang="en-US" b="1" dirty="0">
+        <p:spPr>
+          <a:xfrm>
+            <a:off x="0" y="2660915"/>
+            <a:ext cx="12192000" cy="1143000"/>
+          </a:xfrm>
+        </p:spPr>
+        <p:txBody>
+          <a:bodyPr>
+            <a:noAutofit/>
+          </a:bodyPr>
+          <a:lstStyle/>
+          <a:p>
+            <a:r>
+              <a:rPr lang="zh-TW" altLang="en-US" sz="7200" b="1" i="1" dirty="0">
+                <a:solidFill>
+                  <a:srgbClr val="000066"/>
+                </a:solidFill>
+                <a:effectLst>
+                  <a:outerShdw blurRad="38100" dist="38100" dir="2700000" algn="tl">
+                    <a:srgbClr val="000000">
+                      <a:alpha val="43137"/>
+                    </a:srgbClr>
+                  </a:outerShdw>
+                </a:effectLst>
                 <a:latin typeface="微軟正黑體" pitchFamily="34" charset="-120"/>
                 <a:ea typeface="微軟正黑體" pitchFamily="34" charset="-120"/>
               </a:rPr>
@@ -3112,106 +3112,12 @@
           </a:p>
         </p:txBody>
       </p:sp>
-      <p:sp>
-        <p:nvSpPr>
-          <p:cNvPr id="3" name="內容版面配置區 2"/>
-          <p:cNvSpPr>
-            <a:spLocks noGrp="1"/>
-          </p:cNvSpPr>
-          <p:nvPr>
-            <p:ph idx="1"/>
-          </p:nvPr>
-        </p:nvSpPr>
-        <p:spPr/>
-        <p:txBody>
-          <a:bodyPr anchor="t">
-            <a:normAutofit/>
-          </a:bodyPr>
-          <a:lstStyle/>
-          <a:p>
-            <a:pPr algn="ctr">
-              <a:buNone/>
-            </a:pPr>
-            <a:r>
-              <a:rPr lang="zh-TW" altLang="en-US" sz="5400" b="1" dirty="0">
-                <a:latin typeface="微軟正黑體" pitchFamily="34" charset="-120"/>
-                <a:ea typeface="微軟正黑體" pitchFamily="34" charset="-120"/>
-              </a:rPr>
-              <a:t>在這片乾旱土地</a:t>
-            </a:r>
-            <a:endParaRPr lang="en-US" altLang="zh-TW" sz="5400" b="1" dirty="0">
-              <a:latin typeface="微軟正黑體" pitchFamily="34" charset="-120"/>
-              <a:ea typeface="微軟正黑體" pitchFamily="34" charset="-120"/>
-            </a:endParaRPr>
-          </a:p>
-          <a:p>
-            <a:pPr algn="ctr">
-              <a:buNone/>
-            </a:pPr>
-            <a:r>
-              <a:rPr lang="zh-TW" altLang="en-US" sz="5400" b="1" dirty="0">
-                <a:latin typeface="微軟正黑體" pitchFamily="34" charset="-120"/>
-                <a:ea typeface="微軟正黑體" pitchFamily="34" charset="-120"/>
-              </a:rPr>
-              <a:t>沒有豐足的收穫</a:t>
-            </a:r>
-            <a:endParaRPr lang="en-US" altLang="zh-TW" sz="5400" b="1" dirty="0">
-              <a:latin typeface="微軟正黑體" pitchFamily="34" charset="-120"/>
-              <a:ea typeface="微軟正黑體" pitchFamily="34" charset="-120"/>
-            </a:endParaRPr>
-          </a:p>
-          <a:p>
-            <a:pPr algn="ctr">
-              <a:buNone/>
-            </a:pPr>
-            <a:r>
-              <a:rPr lang="zh-TW" altLang="en-US" sz="5400" b="1" dirty="0" smtClean="0">
-                <a:latin typeface="微軟正黑體" pitchFamily="34" charset="-120"/>
-                <a:ea typeface="微軟正黑體" pitchFamily="34" charset="-120"/>
-              </a:rPr>
-              <a:t>願</a:t>
-            </a:r>
-            <a:r>
-              <a:rPr lang="zh-CN" altLang="en-US" sz="5400" b="1" dirty="0">
-                <a:latin typeface="微軟正黑體" pitchFamily="34" charset="-120"/>
-                <a:ea typeface="微軟正黑體" pitchFamily="34" charset="-120"/>
-              </a:rPr>
-              <a:t>袮</a:t>
-            </a:r>
-            <a:r>
-              <a:rPr lang="zh-TW" altLang="en-US" sz="5400" b="1" dirty="0" smtClean="0">
-                <a:latin typeface="微軟正黑體" pitchFamily="34" charset="-120"/>
-                <a:ea typeface="微軟正黑體" pitchFamily="34" charset="-120"/>
-              </a:rPr>
-              <a:t>察</a:t>
-            </a:r>
-            <a:r>
-              <a:rPr lang="zh-TW" altLang="en-US" sz="5400" b="1" dirty="0">
-                <a:latin typeface="微軟正黑體" pitchFamily="34" charset="-120"/>
-                <a:ea typeface="微軟正黑體" pitchFamily="34" charset="-120"/>
-              </a:rPr>
-              <a:t>看施憐憫</a:t>
-            </a:r>
-            <a:endParaRPr lang="en-US" altLang="zh-TW" sz="5400" b="1" dirty="0">
-              <a:latin typeface="微軟正黑體" pitchFamily="34" charset="-120"/>
-              <a:ea typeface="微軟正黑體" pitchFamily="34" charset="-120"/>
-            </a:endParaRPr>
-          </a:p>
-          <a:p>
-            <a:pPr algn="ctr">
-              <a:buNone/>
-            </a:pPr>
-            <a:r>
-              <a:rPr lang="zh-TW" altLang="en-US" sz="5400" b="1" dirty="0">
-                <a:latin typeface="微軟正黑體" pitchFamily="34" charset="-120"/>
-                <a:ea typeface="微軟正黑體" pitchFamily="34" charset="-120"/>
-              </a:rPr>
-              <a:t>賜春雨滋潤大地</a:t>
-            </a:r>
-          </a:p>
-        </p:txBody>
-      </p:sp>
     </p:spTree>
+    <p:extLst>
+      <p:ext uri="{BB962C8B-B14F-4D97-AF65-F5344CB8AC3E}">
+        <p14:creationId xmlns:p14="http://schemas.microsoft.com/office/powerpoint/2010/main" val="683719527"/>
+      </p:ext>
+    </p:extLst>
   </p:cSld>
   <p:clrMapOvr>
     <a:masterClrMapping/>
@@ -3238,78 +3144,43 @@
       </p:grpSpPr>
       <p:sp>
         <p:nvSpPr>
-          <p:cNvPr id="2" name="標題 1"/>
-          <p:cNvSpPr>
-            <a:spLocks noGrp="1"/>
-          </p:cNvSpPr>
-          <p:nvPr>
-            <p:ph type="title"/>
-          </p:nvPr>
-        </p:nvSpPr>
-        <p:spPr/>
-        <p:txBody>
-          <a:bodyPr/>
-          <a:lstStyle/>
-          <a:p>
-            <a:r>
-              <a:rPr lang="zh-TW" altLang="en-US" b="1" dirty="0">
+          <p:cNvPr id="5" name="內容版面配置區 4"/>
+          <p:cNvSpPr>
+            <a:spLocks noGrp="1"/>
+          </p:cNvSpPr>
+          <p:nvPr>
+            <p:ph idx="1"/>
+          </p:nvPr>
+        </p:nvSpPr>
+        <p:spPr>
+          <a:xfrm>
+            <a:off x="0" y="2084851"/>
+            <a:ext cx="12192000" cy="2404863"/>
+          </a:xfrm>
+        </p:spPr>
+        <p:txBody>
+          <a:bodyPr anchor="ctr">
+            <a:normAutofit/>
+          </a:bodyPr>
+          <a:lstStyle/>
+          <a:p>
+            <a:pPr algn="ctr">
+              <a:buNone/>
+            </a:pPr>
+            <a:r>
+              <a:rPr lang="zh-TW" altLang="en-US" sz="6400" b="1" dirty="0">
+                <a:solidFill>
+                  <a:srgbClr val="000066"/>
+                </a:solidFill>
                 <a:latin typeface="微軟正黑體" pitchFamily="34" charset="-120"/>
                 <a:ea typeface="微軟正黑體" pitchFamily="34" charset="-120"/>
               </a:rPr>
-              <a:t>求主興起禱告的心</a:t>
-            </a:r>
-          </a:p>
-        </p:txBody>
-      </p:sp>
-      <p:sp>
-        <p:nvSpPr>
-          <p:cNvPr id="3" name="內容版面配置區 2"/>
-          <p:cNvSpPr>
-            <a:spLocks noGrp="1"/>
-          </p:cNvSpPr>
-          <p:nvPr>
-            <p:ph idx="1"/>
-          </p:nvPr>
-        </p:nvSpPr>
-        <p:spPr/>
-        <p:txBody>
-          <a:bodyPr anchor="t">
-            <a:normAutofit/>
-          </a:bodyPr>
-          <a:lstStyle/>
-          <a:p>
-            <a:pPr algn="ctr">
-              <a:buNone/>
-            </a:pPr>
-            <a:r>
-              <a:rPr lang="zh-TW" altLang="en-US" sz="5400" b="1" dirty="0" smtClean="0">
-                <a:latin typeface="微軟正黑體" pitchFamily="34" charset="-120"/>
-                <a:ea typeface="微軟正黑體" pitchFamily="34" charset="-120"/>
-              </a:rPr>
-              <a:t>是</a:t>
-            </a:r>
-            <a:r>
-              <a:rPr lang="zh-CN" altLang="en-US" sz="5400" b="1" dirty="0">
-                <a:latin typeface="微軟正黑體" pitchFamily="34" charset="-120"/>
-                <a:ea typeface="微軟正黑體" pitchFamily="34" charset="-120"/>
-              </a:rPr>
-              <a:t>袮</a:t>
-            </a:r>
-            <a:r>
-              <a:rPr lang="zh-TW" altLang="en-US" sz="5400" b="1" dirty="0" smtClean="0">
-                <a:latin typeface="微軟正黑體" pitchFamily="34" charset="-120"/>
-                <a:ea typeface="微軟正黑體" pitchFamily="34" charset="-120"/>
-              </a:rPr>
-              <a:t>永</a:t>
-            </a:r>
-            <a:r>
-              <a:rPr lang="zh-TW" altLang="en-US" sz="5400" b="1" dirty="0">
-                <a:latin typeface="微軟正黑體" pitchFamily="34" charset="-120"/>
-                <a:ea typeface="微軟正黑體" pitchFamily="34" charset="-120"/>
-              </a:rPr>
-              <a:t>看顧的恩義</a:t>
-            </a:r>
-            <a:endParaRPr lang="en-US" altLang="zh-TW" sz="5400" b="1" dirty="0">
+              <a:t>在這片乾旱土地</a:t>
+            </a:r>
+            <a:endParaRPr lang="en-US" altLang="zh-TW" sz="6400" b="1" dirty="0">
+              <a:solidFill>
+                <a:srgbClr val="000066"/>
+              </a:solidFill>
               <a:latin typeface="微軟正黑體" pitchFamily="34" charset="-120"/>
               <a:ea typeface="微軟正黑體" pitchFamily="34" charset="-120"/>
             </a:endParaRPr>
@@ -3319,48 +3190,94 @@
               <a:buNone/>
             </a:pPr>
             <a:r>
-              <a:rPr lang="zh-TW" altLang="en-US" sz="5400" b="1" dirty="0">
+              <a:rPr lang="zh-TW" altLang="en-US" sz="6400" b="1" dirty="0">
+                <a:solidFill>
+                  <a:srgbClr val="000066"/>
+                </a:solidFill>
                 <a:latin typeface="微軟正黑體" pitchFamily="34" charset="-120"/>
                 <a:ea typeface="微軟正黑體" pitchFamily="34" charset="-120"/>
               </a:rPr>
-              <a:t>叫我眾永不驚惶</a:t>
-            </a:r>
-            <a:endParaRPr lang="en-US" altLang="zh-TW" sz="5400" b="1" dirty="0">
+              <a:t>沒有豐足的收穫</a:t>
+            </a:r>
+            <a:endParaRPr lang="en-US" altLang="zh-TW" sz="6400" b="1" dirty="0">
+              <a:solidFill>
+                <a:srgbClr val="000066"/>
+              </a:solidFill>
               <a:latin typeface="微軟正黑體" pitchFamily="34" charset="-120"/>
               <a:ea typeface="微軟正黑體" pitchFamily="34" charset="-120"/>
             </a:endParaRPr>
           </a:p>
-          <a:p>
-            <a:pPr algn="ctr">
-              <a:buNone/>
-            </a:pPr>
-            <a:r>
-              <a:rPr lang="zh-TW" altLang="en-US" sz="5400" b="1" dirty="0">
-                <a:latin typeface="微軟正黑體" pitchFamily="34" charset="-120"/>
-                <a:ea typeface="微軟正黑體" pitchFamily="34" charset="-120"/>
-              </a:rPr>
-              <a:t>現我以信心回應</a:t>
-            </a:r>
-            <a:endParaRPr lang="en-US" altLang="zh-TW" sz="5400" b="1" dirty="0">
-              <a:latin typeface="微軟正黑體" pitchFamily="34" charset="-120"/>
-              <a:ea typeface="微軟正黑體" pitchFamily="34" charset="-120"/>
+        </p:txBody>
+      </p:sp>
+      <p:sp>
+        <p:nvSpPr>
+          <p:cNvPr id="3" name="TextBox 2"/>
+          <p:cNvSpPr txBox="1"/>
+          <p:nvPr/>
+        </p:nvSpPr>
+        <p:spPr>
+          <a:xfrm>
+            <a:off x="0" y="5350696"/>
+            <a:ext cx="12192000" cy="666786"/>
+          </a:xfrm>
+          <a:prstGeom prst="rect">
+            <a:avLst/>
+          </a:prstGeom>
+          <a:noFill/>
+        </p:spPr>
+        <p:txBody>
+          <a:bodyPr wrap="square" rtlCol="0" anchor="ctr">
+            <a:spAutoFit/>
+          </a:bodyPr>
+          <a:lstStyle/>
+          <a:p>
+            <a:pPr algn="ctr"/>
+            <a:r>
+              <a:rPr lang="en-US" sz="3733" b="1" dirty="0">
+                <a:solidFill>
+                  <a:srgbClr val="000066"/>
+                </a:solidFill>
+                <a:latin typeface="Microsoft JhengHei" panose="020B0604030504040204" pitchFamily="34" charset="-120"/>
+                <a:ea typeface="Microsoft JhengHei" panose="020B0604030504040204" pitchFamily="34" charset="-120"/>
+              </a:rPr>
+              <a:t>( </a:t>
+            </a:r>
+            <a:r>
+              <a:rPr lang="zh-CN" altLang="en-US" sz="3733" b="1" dirty="0">
+                <a:solidFill>
+                  <a:srgbClr val="000066"/>
+                </a:solidFill>
+                <a:latin typeface="Microsoft JhengHei" panose="020B0604030504040204" pitchFamily="34" charset="-120"/>
+                <a:ea typeface="Microsoft JhengHei" panose="020B0604030504040204" pitchFamily="34" charset="-120"/>
+              </a:rPr>
+              <a:t>正歌</a:t>
+            </a:r>
+            <a:r>
+              <a:rPr lang="en-US" sz="3733" b="1" dirty="0">
+                <a:solidFill>
+                  <a:srgbClr val="000066"/>
+                </a:solidFill>
+                <a:latin typeface="Microsoft JhengHei" panose="020B0604030504040204" pitchFamily="34" charset="-120"/>
+                <a:ea typeface="Microsoft JhengHei" panose="020B0604030504040204" pitchFamily="34" charset="-120"/>
+              </a:rPr>
+              <a:t> )</a:t>
+            </a:r>
+            <a:endParaRPr lang="vi-VN" sz="3733" b="1" dirty="0">
+              <a:solidFill>
+                <a:srgbClr val="000066"/>
+              </a:solidFill>
+              <a:latin typeface="Microsoft JhengHei" panose="020B0604030504040204" pitchFamily="34" charset="-120"/>
+              <a:ea typeface="Microsoft JhengHei" panose="020B0604030504040204" pitchFamily="34" charset="-120"/>
             </a:endParaRPr>
           </a:p>
-          <a:p>
-            <a:pPr algn="ctr">
-              <a:buNone/>
-            </a:pPr>
-            <a:r>
-              <a:rPr lang="zh-TW" altLang="en-US" sz="5400" b="1" dirty="0">
-                <a:latin typeface="微軟正黑體" pitchFamily="34" charset="-120"/>
-                <a:ea typeface="微軟正黑體" pitchFamily="34" charset="-120"/>
-              </a:rPr>
-              <a:t>獻上迫切的禱告</a:t>
-            </a:r>
-          </a:p>
         </p:txBody>
       </p:sp>
     </p:spTree>
+    <p:extLst>
+      <p:ext uri="{BB962C8B-B14F-4D97-AF65-F5344CB8AC3E}">
+        <p14:creationId xmlns:p14="http://schemas.microsoft.com/office/powerpoint/2010/main" val="95437478"/>
+      </p:ext>
+    </p:extLst>
   </p:cSld>
   <p:clrMapOvr>
     <a:masterClrMapping/>
@@ -3387,57 +3304,63 @@
       </p:grpSpPr>
       <p:sp>
         <p:nvSpPr>
-          <p:cNvPr id="2" name="標題 1"/>
-          <p:cNvSpPr>
-            <a:spLocks noGrp="1"/>
-          </p:cNvSpPr>
-          <p:nvPr>
-            <p:ph type="title"/>
-          </p:nvPr>
-        </p:nvSpPr>
-        <p:spPr/>
-        <p:txBody>
-          <a:bodyPr/>
-          <a:lstStyle/>
-          <a:p>
-            <a:r>
-              <a:rPr lang="zh-TW" altLang="en-US" b="1" dirty="0">
+          <p:cNvPr id="5" name="內容版面配置區 4"/>
+          <p:cNvSpPr>
+            <a:spLocks noGrp="1"/>
+          </p:cNvSpPr>
+          <p:nvPr>
+            <p:ph idx="1"/>
+          </p:nvPr>
+        </p:nvSpPr>
+        <p:spPr>
+          <a:xfrm>
+            <a:off x="0" y="2084851"/>
+            <a:ext cx="12192000" cy="2404863"/>
+          </a:xfrm>
+        </p:spPr>
+        <p:txBody>
+          <a:bodyPr anchor="ctr">
+            <a:normAutofit/>
+          </a:bodyPr>
+          <a:lstStyle/>
+          <a:p>
+            <a:pPr algn="ctr">
+              <a:buNone/>
+            </a:pPr>
+            <a:r>
+              <a:rPr lang="zh-TW" altLang="en-US" sz="6400" b="1" dirty="0">
+                <a:solidFill>
+                  <a:srgbClr val="000066"/>
+                </a:solidFill>
                 <a:latin typeface="微軟正黑體" pitchFamily="34" charset="-120"/>
                 <a:ea typeface="微軟正黑體" pitchFamily="34" charset="-120"/>
               </a:rPr>
-              <a:t>求主興起禱告的心</a:t>
-            </a:r>
-          </a:p>
-        </p:txBody>
-      </p:sp>
-      <p:sp>
-        <p:nvSpPr>
-          <p:cNvPr id="3" name="內容版面配置區 2"/>
-          <p:cNvSpPr>
-            <a:spLocks noGrp="1"/>
-          </p:cNvSpPr>
-          <p:nvPr>
-            <p:ph idx="1"/>
-          </p:nvPr>
-        </p:nvSpPr>
-        <p:spPr/>
-        <p:txBody>
-          <a:bodyPr anchor="t">
-            <a:normAutofit/>
-          </a:bodyPr>
-          <a:lstStyle/>
-          <a:p>
-            <a:pPr algn="ctr">
-              <a:buNone/>
-            </a:pPr>
-            <a:r>
-              <a:rPr lang="zh-TW" altLang="en-US" sz="5400" b="1" dirty="0">
+              <a:t>願</a:t>
+            </a:r>
+            <a:r>
+              <a:rPr lang="zh-CN" altLang="en-US" sz="6400" b="1" dirty="0">
+                <a:solidFill>
+                  <a:srgbClr val="000066"/>
+                </a:solidFill>
                 <a:latin typeface="微軟正黑體" pitchFamily="34" charset="-120"/>
                 <a:ea typeface="微軟正黑體" pitchFamily="34" charset="-120"/>
               </a:rPr>
-              <a:t>求主興起禱告的心</a:t>
-            </a:r>
-            <a:endParaRPr lang="en-US" altLang="zh-TW" sz="5400" b="1" dirty="0">
+              <a:t>祢</a:t>
+            </a:r>
+            <a:r>
+              <a:rPr lang="zh-TW" altLang="en-US" sz="6400" b="1" dirty="0">
+                <a:solidFill>
+                  <a:srgbClr val="000066"/>
+                </a:solidFill>
+                <a:latin typeface="微軟正黑體" pitchFamily="34" charset="-120"/>
+                <a:ea typeface="微軟正黑體" pitchFamily="34" charset="-120"/>
+              </a:rPr>
+              <a:t>察看施憐憫</a:t>
+            </a:r>
+            <a:endParaRPr lang="en-US" altLang="zh-TW" sz="6400" b="1" dirty="0">
+              <a:solidFill>
+                <a:srgbClr val="000066"/>
+              </a:solidFill>
               <a:latin typeface="微軟正黑體" pitchFamily="34" charset="-120"/>
               <a:ea typeface="微軟正黑體" pitchFamily="34" charset="-120"/>
             </a:endParaRPr>
@@ -3447,69 +3370,87 @@
               <a:buNone/>
             </a:pPr>
             <a:r>
-              <a:rPr lang="zh-TW" altLang="en-US" sz="5400" b="1" dirty="0" smtClean="0">
+              <a:rPr lang="zh-TW" altLang="en-US" sz="6400" b="1" dirty="0">
+                <a:solidFill>
+                  <a:srgbClr val="000066"/>
+                </a:solidFill>
                 <a:latin typeface="微軟正黑體" pitchFamily="34" charset="-120"/>
                 <a:ea typeface="微軟正黑體" pitchFamily="34" charset="-120"/>
               </a:rPr>
-              <a:t>在</a:t>
-            </a:r>
-            <a:r>
-              <a:rPr lang="zh-CN" altLang="en-US" sz="5400" b="1" dirty="0">
-                <a:latin typeface="微軟正黑體" pitchFamily="34" charset="-120"/>
-                <a:ea typeface="微軟正黑體" pitchFamily="34" charset="-120"/>
-              </a:rPr>
-              <a:t>袮</a:t>
-            </a:r>
-            <a:r>
-              <a:rPr lang="zh-TW" altLang="en-US" sz="5400" b="1" dirty="0" smtClean="0">
-                <a:latin typeface="微軟正黑體" pitchFamily="34" charset="-120"/>
-                <a:ea typeface="微軟正黑體" pitchFamily="34" charset="-120"/>
-              </a:rPr>
-              <a:t>沒</a:t>
-            </a:r>
-            <a:r>
-              <a:rPr lang="zh-TW" altLang="en-US" sz="5400" b="1" dirty="0">
-                <a:latin typeface="微軟正黑體" pitchFamily="34" charset="-120"/>
-                <a:ea typeface="微軟正黑體" pitchFamily="34" charset="-120"/>
-              </a:rPr>
-              <a:t>有難成的事</a:t>
-            </a:r>
-            <a:endParaRPr lang="en-US" altLang="zh-TW" sz="5400" b="1" dirty="0">
-              <a:latin typeface="微軟正黑體" pitchFamily="34" charset="-120"/>
-              <a:ea typeface="微軟正黑體" pitchFamily="34" charset="-120"/>
+              <a:t>賜春雨滋潤大地</a:t>
+            </a:r>
+          </a:p>
+        </p:txBody>
+      </p:sp>
+      <p:sp>
+        <p:nvSpPr>
+          <p:cNvPr id="3" name="TextBox 2"/>
+          <p:cNvSpPr txBox="1"/>
+          <p:nvPr/>
+        </p:nvSpPr>
+        <p:spPr>
+          <a:xfrm>
+            <a:off x="0" y="5350696"/>
+            <a:ext cx="12192000" cy="666786"/>
+          </a:xfrm>
+          <a:prstGeom prst="rect">
+            <a:avLst/>
+          </a:prstGeom>
+          <a:noFill/>
+        </p:spPr>
+        <p:txBody>
+          <a:bodyPr wrap="square" rtlCol="0" anchor="ctr">
+            <a:spAutoFit/>
+          </a:bodyPr>
+          <a:lstStyle/>
+          <a:p>
+            <a:pPr algn="ctr"/>
+            <a:r>
+              <a:rPr lang="en-US" sz="3733" b="1" dirty="0">
+                <a:solidFill>
+                  <a:srgbClr val="000066"/>
+                </a:solidFill>
+                <a:latin typeface="Microsoft JhengHei" panose="020B0604030504040204" pitchFamily="34" charset="-120"/>
+                <a:ea typeface="Microsoft JhengHei" panose="020B0604030504040204" pitchFamily="34" charset="-120"/>
+              </a:rPr>
+              <a:t>( </a:t>
+            </a:r>
+            <a:r>
+              <a:rPr lang="zh-CN" altLang="en-US" sz="3733" b="1" dirty="0">
+                <a:solidFill>
+                  <a:srgbClr val="000066"/>
+                </a:solidFill>
+                <a:latin typeface="Microsoft JhengHei" panose="020B0604030504040204" pitchFamily="34" charset="-120"/>
+                <a:ea typeface="Microsoft JhengHei" panose="020B0604030504040204" pitchFamily="34" charset="-120"/>
+              </a:rPr>
+              <a:t>正歌</a:t>
+            </a:r>
+            <a:r>
+              <a:rPr lang="en-US" sz="3733" b="1" dirty="0">
+                <a:solidFill>
+                  <a:srgbClr val="000066"/>
+                </a:solidFill>
+                <a:latin typeface="Microsoft JhengHei" panose="020B0604030504040204" pitchFamily="34" charset="-120"/>
+                <a:ea typeface="Microsoft JhengHei" panose="020B0604030504040204" pitchFamily="34" charset="-120"/>
+              </a:rPr>
+              <a:t> )</a:t>
+            </a:r>
+            <a:endParaRPr lang="vi-VN" sz="3733" b="1" dirty="0">
+              <a:solidFill>
+                <a:srgbClr val="000066"/>
+              </a:solidFill>
+              <a:latin typeface="Microsoft JhengHei" panose="020B0604030504040204" pitchFamily="34" charset="-120"/>
+              <a:ea typeface="Microsoft JhengHei" panose="020B0604030504040204" pitchFamily="34" charset="-120"/>
             </a:endParaRPr>
           </a:p>
-          <a:p>
-            <a:pPr algn="ctr">
-              <a:buNone/>
-            </a:pPr>
-            <a:r>
-              <a:rPr lang="zh-TW" altLang="en-US" sz="5400" b="1" dirty="0">
-                <a:latin typeface="微軟正黑體" pitchFamily="34" charset="-120"/>
-                <a:ea typeface="微軟正黑體" pitchFamily="34" charset="-120"/>
-              </a:rPr>
-              <a:t>藉已成就的禱告</a:t>
-            </a:r>
-            <a:endParaRPr lang="en-US" altLang="zh-TW" sz="5400" b="1" dirty="0">
-              <a:latin typeface="微軟正黑體" pitchFamily="34" charset="-120"/>
-              <a:ea typeface="微軟正黑體" pitchFamily="34" charset="-120"/>
-            </a:endParaRPr>
-          </a:p>
-          <a:p>
-            <a:pPr algn="ctr">
-              <a:buNone/>
-            </a:pPr>
-            <a:r>
-              <a:rPr lang="zh-TW" altLang="en-US" sz="5400" b="1" dirty="0">
-                <a:latin typeface="微軟正黑體" pitchFamily="34" charset="-120"/>
-                <a:ea typeface="微軟正黑體" pitchFamily="34" charset="-120"/>
-              </a:rPr>
-              <a:t>讓我開始認識主大能</a:t>
-            </a:r>
-          </a:p>
         </p:txBody>
       </p:sp>
     </p:spTree>
+    <p:extLst>
+      <p:ext uri="{BB962C8B-B14F-4D97-AF65-F5344CB8AC3E}">
+        <p14:creationId xmlns:p14="http://schemas.microsoft.com/office/powerpoint/2010/main" val="2602425293"/>
+      </p:ext>
+    </p:extLst>
   </p:cSld>
   <p:clrMapOvr>
     <a:masterClrMapping/>
@@ -3536,57 +3477,63 @@
       </p:grpSpPr>
       <p:sp>
         <p:nvSpPr>
-          <p:cNvPr id="2" name="標題 1"/>
-          <p:cNvSpPr>
-            <a:spLocks noGrp="1"/>
-          </p:cNvSpPr>
-          <p:nvPr>
-            <p:ph type="title"/>
-          </p:nvPr>
-        </p:nvSpPr>
-        <p:spPr/>
-        <p:txBody>
-          <a:bodyPr/>
-          <a:lstStyle/>
-          <a:p>
-            <a:r>
-              <a:rPr lang="zh-TW" altLang="en-US" b="1" dirty="0">
+          <p:cNvPr id="5" name="內容版面配置區 4"/>
+          <p:cNvSpPr>
+            <a:spLocks noGrp="1"/>
+          </p:cNvSpPr>
+          <p:nvPr>
+            <p:ph idx="1"/>
+          </p:nvPr>
+        </p:nvSpPr>
+        <p:spPr>
+          <a:xfrm>
+            <a:off x="0" y="2084851"/>
+            <a:ext cx="12192000" cy="2404863"/>
+          </a:xfrm>
+        </p:spPr>
+        <p:txBody>
+          <a:bodyPr anchor="ctr">
+            <a:normAutofit/>
+          </a:bodyPr>
+          <a:lstStyle/>
+          <a:p>
+            <a:pPr algn="ctr">
+              <a:buNone/>
+            </a:pPr>
+            <a:r>
+              <a:rPr lang="zh-TW" altLang="en-US" sz="6400" b="1" dirty="0">
+                <a:solidFill>
+                  <a:srgbClr val="000066"/>
+                </a:solidFill>
                 <a:latin typeface="微軟正黑體" pitchFamily="34" charset="-120"/>
                 <a:ea typeface="微軟正黑體" pitchFamily="34" charset="-120"/>
               </a:rPr>
-              <a:t>求主興起禱告的心</a:t>
-            </a:r>
-          </a:p>
-        </p:txBody>
-      </p:sp>
-      <p:sp>
-        <p:nvSpPr>
-          <p:cNvPr id="3" name="內容版面配置區 2"/>
-          <p:cNvSpPr>
-            <a:spLocks noGrp="1"/>
-          </p:cNvSpPr>
-          <p:nvPr>
-            <p:ph idx="1"/>
-          </p:nvPr>
-        </p:nvSpPr>
-        <p:spPr/>
-        <p:txBody>
-          <a:bodyPr anchor="t">
-            <a:normAutofit/>
-          </a:bodyPr>
-          <a:lstStyle/>
-          <a:p>
-            <a:pPr algn="ctr">
-              <a:buNone/>
-            </a:pPr>
-            <a:r>
-              <a:rPr lang="zh-TW" altLang="en-US" sz="5400" b="1" dirty="0">
+              <a:t>是</a:t>
+            </a:r>
+            <a:r>
+              <a:rPr lang="zh-CN" altLang="en-US" sz="6400" b="1" dirty="0">
+                <a:solidFill>
+                  <a:srgbClr val="000066"/>
+                </a:solidFill>
                 <a:latin typeface="微軟正黑體" pitchFamily="34" charset="-120"/>
                 <a:ea typeface="微軟正黑體" pitchFamily="34" charset="-120"/>
               </a:rPr>
-              <a:t>求主興起禱告的心</a:t>
-            </a:r>
-            <a:endParaRPr lang="en-US" altLang="zh-TW" sz="5400" b="1" dirty="0">
+              <a:t>祢</a:t>
+            </a:r>
+            <a:r>
+              <a:rPr lang="zh-TW" altLang="en-US" sz="6400" b="1" dirty="0">
+                <a:solidFill>
+                  <a:srgbClr val="000066"/>
+                </a:solidFill>
+                <a:latin typeface="微軟正黑體" pitchFamily="34" charset="-120"/>
+                <a:ea typeface="微軟正黑體" pitchFamily="34" charset="-120"/>
+              </a:rPr>
+              <a:t>永看顧的恩義</a:t>
+            </a:r>
+            <a:endParaRPr lang="en-US" altLang="zh-TW" sz="6400" b="1" dirty="0">
+              <a:solidFill>
+                <a:srgbClr val="000066"/>
+              </a:solidFill>
               <a:latin typeface="微軟正黑體" pitchFamily="34" charset="-120"/>
               <a:ea typeface="微軟正黑體" pitchFamily="34" charset="-120"/>
             </a:endParaRPr>
@@ -3596,57 +3543,157 @@
               <a:buNone/>
             </a:pPr>
             <a:r>
-              <a:rPr lang="zh-TW" altLang="en-US" sz="5400" b="1" dirty="0">
+              <a:rPr lang="zh-TW" altLang="en-US" sz="6400" b="1" dirty="0">
+                <a:solidFill>
+                  <a:srgbClr val="000066"/>
+                </a:solidFill>
                 <a:latin typeface="微軟正黑體" pitchFamily="34" charset="-120"/>
                 <a:ea typeface="微軟正黑體" pitchFamily="34" charset="-120"/>
               </a:rPr>
-              <a:t>像戰士激發熱心</a:t>
-            </a:r>
-            <a:endParaRPr lang="en-US" altLang="zh-TW" sz="5400" b="1" dirty="0">
+              <a:t>叫我眾永不驚惶</a:t>
+            </a:r>
+            <a:endParaRPr lang="en-US" altLang="zh-TW" sz="6400" b="1" dirty="0">
+              <a:solidFill>
+                <a:srgbClr val="000066"/>
+              </a:solidFill>
               <a:latin typeface="微軟正黑體" pitchFamily="34" charset="-120"/>
               <a:ea typeface="微軟正黑體" pitchFamily="34" charset="-120"/>
             </a:endParaRPr>
           </a:p>
+        </p:txBody>
+      </p:sp>
+      <p:sp>
+        <p:nvSpPr>
+          <p:cNvPr id="3" name="TextBox 2"/>
+          <p:cNvSpPr txBox="1"/>
+          <p:nvPr/>
+        </p:nvSpPr>
+        <p:spPr>
+          <a:xfrm>
+            <a:off x="0" y="5350696"/>
+            <a:ext cx="12192000" cy="666786"/>
+          </a:xfrm>
+          <a:prstGeom prst="rect">
+            <a:avLst/>
+          </a:prstGeom>
+          <a:noFill/>
+        </p:spPr>
+        <p:txBody>
+          <a:bodyPr wrap="square" rtlCol="0" anchor="ctr">
+            <a:spAutoFit/>
+          </a:bodyPr>
+          <a:lstStyle/>
+          <a:p>
+            <a:pPr algn="ctr"/>
+            <a:r>
+              <a:rPr lang="en-US" sz="3733" b="1" dirty="0">
+                <a:solidFill>
+                  <a:srgbClr val="000066"/>
+                </a:solidFill>
+                <a:latin typeface="Microsoft JhengHei" panose="020B0604030504040204" pitchFamily="34" charset="-120"/>
+                <a:ea typeface="Microsoft JhengHei" panose="020B0604030504040204" pitchFamily="34" charset="-120"/>
+              </a:rPr>
+              <a:t>( </a:t>
+            </a:r>
+            <a:r>
+              <a:rPr lang="zh-CN" altLang="en-US" sz="3733" b="1" dirty="0">
+                <a:solidFill>
+                  <a:srgbClr val="000066"/>
+                </a:solidFill>
+                <a:latin typeface="Microsoft JhengHei" panose="020B0604030504040204" pitchFamily="34" charset="-120"/>
+                <a:ea typeface="Microsoft JhengHei" panose="020B0604030504040204" pitchFamily="34" charset="-120"/>
+              </a:rPr>
+              <a:t>正歌</a:t>
+            </a:r>
+            <a:r>
+              <a:rPr lang="en-US" sz="3733" b="1" dirty="0">
+                <a:solidFill>
+                  <a:srgbClr val="000066"/>
+                </a:solidFill>
+                <a:latin typeface="Microsoft JhengHei" panose="020B0604030504040204" pitchFamily="34" charset="-120"/>
+                <a:ea typeface="Microsoft JhengHei" panose="020B0604030504040204" pitchFamily="34" charset="-120"/>
+              </a:rPr>
+              <a:t> )</a:t>
+            </a:r>
+            <a:endParaRPr lang="vi-VN" sz="3733" b="1" dirty="0">
+              <a:solidFill>
+                <a:srgbClr val="000066"/>
+              </a:solidFill>
+              <a:latin typeface="Microsoft JhengHei" panose="020B0604030504040204" pitchFamily="34" charset="-120"/>
+              <a:ea typeface="Microsoft JhengHei" panose="020B0604030504040204" pitchFamily="34" charset="-120"/>
+            </a:endParaRPr>
+          </a:p>
+        </p:txBody>
+      </p:sp>
+    </p:spTree>
+    <p:extLst>
+      <p:ext uri="{BB962C8B-B14F-4D97-AF65-F5344CB8AC3E}">
+        <p14:creationId xmlns:p14="http://schemas.microsoft.com/office/powerpoint/2010/main" val="3937713523"/>
+      </p:ext>
+    </p:extLst>
+  </p:cSld>
+  <p:clrMapOvr>
+    <a:masterClrMapping/>
+  </p:clrMapOvr>
+</p:sld>
+</file>
+
+<file path=ppt/slides/slide5.xml><?xml version="1.0" encoding="utf-8"?>
+<p:sld xmlns:a="http://schemas.openxmlformats.org/drawingml/2006/main" xmlns:r="http://schemas.openxmlformats.org/officeDocument/2006/relationships" xmlns:p="http://schemas.openxmlformats.org/presentationml/2006/main">
+  <p:cSld>
+    <p:spTree>
+      <p:nvGrpSpPr>
+        <p:cNvPr id="1" name=""/>
+        <p:cNvGrpSpPr/>
+        <p:nvPr/>
+      </p:nvGrpSpPr>
+      <p:grpSpPr>
+        <a:xfrm>
+          <a:off x="0" y="0"/>
+          <a:ext cx="0" cy="0"/>
+          <a:chOff x="0" y="0"/>
+          <a:chExt cx="0" cy="0"/>
+        </a:xfrm>
+      </p:grpSpPr>
+      <p:sp>
+        <p:nvSpPr>
+          <p:cNvPr id="5" name="內容版面配置區 4"/>
+          <p:cNvSpPr>
+            <a:spLocks noGrp="1"/>
+          </p:cNvSpPr>
+          <p:nvPr>
+            <p:ph idx="1"/>
+          </p:nvPr>
+        </p:nvSpPr>
+        <p:spPr>
+          <a:xfrm>
+            <a:off x="0" y="2084851"/>
+            <a:ext cx="12192000" cy="2404863"/>
+          </a:xfrm>
+        </p:spPr>
+        <p:txBody>
+          <a:bodyPr anchor="ctr">
+            <a:normAutofit/>
+          </a:bodyPr>
+          <a:lstStyle/>
           <a:p>
             <a:pPr algn="ctr">
               <a:buNone/>
             </a:pPr>
             <a:r>
-              <a:rPr lang="zh-TW" altLang="en-US" sz="5400" b="1" dirty="0">
+              <a:rPr lang="zh-TW" altLang="en-US" sz="6400" b="1" dirty="0">
+                <a:solidFill>
+                  <a:srgbClr val="000066"/>
+                </a:solidFill>
                 <a:latin typeface="微軟正黑體" pitchFamily="34" charset="-120"/>
                 <a:ea typeface="微軟正黑體" pitchFamily="34" charset="-120"/>
               </a:rPr>
-              <a:t>顯</a:t>
-            </a:r>
-            <a:r>
-              <a:rPr lang="zh-TW" altLang="en-US" sz="5400" b="1" dirty="0" smtClean="0">
-                <a:latin typeface="微軟正黑體" pitchFamily="34" charset="-120"/>
-                <a:ea typeface="微軟正黑體" pitchFamily="34" charset="-120"/>
-              </a:rPr>
-              <a:t>明</a:t>
-            </a:r>
-            <a:r>
-              <a:rPr lang="zh-CN" altLang="en-US" sz="5400" b="1" dirty="0">
-                <a:latin typeface="微軟正黑體" pitchFamily="34" charset="-120"/>
-                <a:ea typeface="微軟正黑體" pitchFamily="34" charset="-120"/>
-              </a:rPr>
-              <a:t>袮</a:t>
-            </a:r>
-            <a:r>
-              <a:rPr lang="zh-TW" altLang="en-US" sz="5400" b="1" dirty="0" smtClean="0">
-                <a:latin typeface="微軟正黑體" pitchFamily="34" charset="-120"/>
-                <a:ea typeface="微軟正黑體" pitchFamily="34" charset="-120"/>
-              </a:rPr>
-              <a:t>是</a:t>
-            </a:r>
-            <a:r>
-              <a:rPr lang="zh-TW" altLang="en-US" sz="5400" b="1" dirty="0">
-                <a:latin typeface="微軟正黑體" pitchFamily="34" charset="-120"/>
-                <a:ea typeface="微軟正黑體" pitchFamily="34" charset="-120"/>
-              </a:rPr>
-              <a:t>獨一的主</a:t>
-            </a:r>
-            <a:endParaRPr lang="en-US" altLang="zh-TW" sz="5400" b="1" dirty="0">
+              <a:t>現我以信心回應</a:t>
+            </a:r>
+            <a:endParaRPr lang="en-US" altLang="zh-TW" sz="6400" b="1" dirty="0">
+              <a:solidFill>
+                <a:srgbClr val="000066"/>
+              </a:solidFill>
               <a:latin typeface="微軟正黑體" pitchFamily="34" charset="-120"/>
               <a:ea typeface="微軟正黑體" pitchFamily="34" charset="-120"/>
             </a:endParaRPr>
@@ -3656,37 +3703,773 @@
               <a:buNone/>
             </a:pPr>
             <a:r>
-              <a:rPr lang="zh-TW" altLang="en-US" sz="5400" b="1" dirty="0" smtClean="0">
+              <a:rPr lang="zh-TW" altLang="en-US" sz="6400" b="1" dirty="0">
+                <a:solidFill>
+                  <a:srgbClr val="000066"/>
+                </a:solidFill>
                 <a:latin typeface="微軟正黑體" pitchFamily="34" charset="-120"/>
                 <a:ea typeface="微軟正黑體" pitchFamily="34" charset="-120"/>
               </a:rPr>
-              <a:t>是</a:t>
-            </a:r>
-            <a:r>
-              <a:rPr lang="zh-CN" altLang="en-US" sz="5400" b="1" dirty="0">
+              <a:t>獻上迫切的禱告</a:t>
+            </a:r>
+          </a:p>
+        </p:txBody>
+      </p:sp>
+      <p:sp>
+        <p:nvSpPr>
+          <p:cNvPr id="3" name="TextBox 2"/>
+          <p:cNvSpPr txBox="1"/>
+          <p:nvPr/>
+        </p:nvSpPr>
+        <p:spPr>
+          <a:xfrm>
+            <a:off x="0" y="5350696"/>
+            <a:ext cx="12192000" cy="666786"/>
+          </a:xfrm>
+          <a:prstGeom prst="rect">
+            <a:avLst/>
+          </a:prstGeom>
+          <a:noFill/>
+        </p:spPr>
+        <p:txBody>
+          <a:bodyPr wrap="square" rtlCol="0" anchor="ctr">
+            <a:spAutoFit/>
+          </a:bodyPr>
+          <a:lstStyle/>
+          <a:p>
+            <a:pPr algn="ctr"/>
+            <a:r>
+              <a:rPr lang="en-US" sz="3733" b="1" dirty="0">
+                <a:solidFill>
+                  <a:srgbClr val="000066"/>
+                </a:solidFill>
+                <a:latin typeface="Microsoft JhengHei" panose="020B0604030504040204" pitchFamily="34" charset="-120"/>
+                <a:ea typeface="Microsoft JhengHei" panose="020B0604030504040204" pitchFamily="34" charset="-120"/>
+              </a:rPr>
+              <a:t>( </a:t>
+            </a:r>
+            <a:r>
+              <a:rPr lang="zh-CN" altLang="en-US" sz="3733" b="1" dirty="0">
+                <a:solidFill>
+                  <a:srgbClr val="000066"/>
+                </a:solidFill>
+                <a:latin typeface="Microsoft JhengHei" panose="020B0604030504040204" pitchFamily="34" charset="-120"/>
+                <a:ea typeface="Microsoft JhengHei" panose="020B0604030504040204" pitchFamily="34" charset="-120"/>
+              </a:rPr>
+              <a:t>正歌</a:t>
+            </a:r>
+            <a:r>
+              <a:rPr lang="en-US" sz="3733" b="1" dirty="0">
+                <a:solidFill>
+                  <a:srgbClr val="000066"/>
+                </a:solidFill>
+                <a:latin typeface="Microsoft JhengHei" panose="020B0604030504040204" pitchFamily="34" charset="-120"/>
+                <a:ea typeface="Microsoft JhengHei" panose="020B0604030504040204" pitchFamily="34" charset="-120"/>
+              </a:rPr>
+              <a:t> )</a:t>
+            </a:r>
+            <a:endParaRPr lang="vi-VN" sz="3733" b="1" dirty="0">
+              <a:solidFill>
+                <a:srgbClr val="000066"/>
+              </a:solidFill>
+              <a:latin typeface="Microsoft JhengHei" panose="020B0604030504040204" pitchFamily="34" charset="-120"/>
+              <a:ea typeface="Microsoft JhengHei" panose="020B0604030504040204" pitchFamily="34" charset="-120"/>
+            </a:endParaRPr>
+          </a:p>
+        </p:txBody>
+      </p:sp>
+    </p:spTree>
+    <p:extLst>
+      <p:ext uri="{BB962C8B-B14F-4D97-AF65-F5344CB8AC3E}">
+        <p14:creationId xmlns:p14="http://schemas.microsoft.com/office/powerpoint/2010/main" val="3496048801"/>
+      </p:ext>
+    </p:extLst>
+  </p:cSld>
+  <p:clrMapOvr>
+    <a:masterClrMapping/>
+  </p:clrMapOvr>
+</p:sld>
+</file>
+
+<file path=ppt/slides/slide6.xml><?xml version="1.0" encoding="utf-8"?>
+<p:sld xmlns:a="http://schemas.openxmlformats.org/drawingml/2006/main" xmlns:r="http://schemas.openxmlformats.org/officeDocument/2006/relationships" xmlns:p="http://schemas.openxmlformats.org/presentationml/2006/main">
+  <p:cSld>
+    <p:spTree>
+      <p:nvGrpSpPr>
+        <p:cNvPr id="1" name=""/>
+        <p:cNvGrpSpPr/>
+        <p:nvPr/>
+      </p:nvGrpSpPr>
+      <p:grpSpPr>
+        <a:xfrm>
+          <a:off x="0" y="0"/>
+          <a:ext cx="0" cy="0"/>
+          <a:chOff x="0" y="0"/>
+          <a:chExt cx="0" cy="0"/>
+        </a:xfrm>
+      </p:grpSpPr>
+      <p:sp>
+        <p:nvSpPr>
+          <p:cNvPr id="5" name="內容版面配置區 4"/>
+          <p:cNvSpPr>
+            <a:spLocks noGrp="1"/>
+          </p:cNvSpPr>
+          <p:nvPr>
+            <p:ph idx="1"/>
+          </p:nvPr>
+        </p:nvSpPr>
+        <p:spPr>
+          <a:xfrm>
+            <a:off x="0" y="2084851"/>
+            <a:ext cx="12192000" cy="2404863"/>
+          </a:xfrm>
+        </p:spPr>
+        <p:txBody>
+          <a:bodyPr anchor="ctr">
+            <a:normAutofit/>
+          </a:bodyPr>
+          <a:lstStyle/>
+          <a:p>
+            <a:pPr algn="ctr">
+              <a:buNone/>
+            </a:pPr>
+            <a:r>
+              <a:rPr lang="zh-TW" altLang="en-US" sz="6400" b="1" dirty="0">
+                <a:solidFill>
+                  <a:srgbClr val="000066"/>
+                </a:solidFill>
                 <a:latin typeface="微軟正黑體" pitchFamily="34" charset="-120"/>
                 <a:ea typeface="微軟正黑體" pitchFamily="34" charset="-120"/>
               </a:rPr>
-              <a:t>袮</a:t>
-            </a:r>
-            <a:r>
-              <a:rPr lang="zh-TW" altLang="en-US" sz="5400" b="1" dirty="0" smtClean="0">
+              <a:t>求主興起禱告的心</a:t>
+            </a:r>
+            <a:endParaRPr lang="en-US" altLang="zh-TW" sz="6400" b="1" dirty="0">
+              <a:solidFill>
+                <a:srgbClr val="000066"/>
+              </a:solidFill>
+              <a:latin typeface="微軟正黑體" pitchFamily="34" charset="-120"/>
+              <a:ea typeface="微軟正黑體" pitchFamily="34" charset="-120"/>
+            </a:endParaRPr>
+          </a:p>
+          <a:p>
+            <a:pPr algn="ctr">
+              <a:buNone/>
+            </a:pPr>
+            <a:r>
+              <a:rPr lang="zh-TW" altLang="en-US" sz="6400" b="1" dirty="0">
+                <a:solidFill>
+                  <a:srgbClr val="000066"/>
+                </a:solidFill>
                 <a:latin typeface="微軟正黑體" pitchFamily="34" charset="-120"/>
                 <a:ea typeface="微軟正黑體" pitchFamily="34" charset="-120"/>
               </a:rPr>
-              <a:t>永</a:t>
-            </a:r>
-            <a:r>
-              <a:rPr lang="zh-TW" altLang="en-US" sz="5400" b="1" dirty="0">
+              <a:t>在</a:t>
+            </a:r>
+            <a:r>
+              <a:rPr lang="zh-CN" altLang="en-US" sz="6400" b="1" dirty="0">
+                <a:solidFill>
+                  <a:srgbClr val="000066"/>
+                </a:solidFill>
                 <a:latin typeface="微軟正黑體" pitchFamily="34" charset="-120"/>
                 <a:ea typeface="微軟正黑體" pitchFamily="34" charset="-120"/>
               </a:rPr>
-              <a:t>遠作王</a:t>
-            </a:r>
+              <a:t>祢</a:t>
+            </a:r>
+            <a:r>
+              <a:rPr lang="zh-TW" altLang="en-US" sz="6400" b="1" dirty="0">
+                <a:solidFill>
+                  <a:srgbClr val="000066"/>
+                </a:solidFill>
+                <a:latin typeface="微軟正黑體" pitchFamily="34" charset="-120"/>
+                <a:ea typeface="微軟正黑體" pitchFamily="34" charset="-120"/>
+              </a:rPr>
+              <a:t>沒有難成的事</a:t>
+            </a:r>
+            <a:endParaRPr lang="en-US" altLang="zh-TW" sz="6400" b="1" dirty="0">
+              <a:solidFill>
+                <a:srgbClr val="000066"/>
+              </a:solidFill>
+              <a:latin typeface="微軟正黑體" pitchFamily="34" charset="-120"/>
+              <a:ea typeface="微軟正黑體" pitchFamily="34" charset="-120"/>
+            </a:endParaRPr>
+          </a:p>
+        </p:txBody>
+      </p:sp>
+      <p:sp>
+        <p:nvSpPr>
+          <p:cNvPr id="3" name="TextBox 2"/>
+          <p:cNvSpPr txBox="1"/>
+          <p:nvPr/>
+        </p:nvSpPr>
+        <p:spPr>
+          <a:xfrm>
+            <a:off x="0" y="5350696"/>
+            <a:ext cx="12192000" cy="666786"/>
+          </a:xfrm>
+          <a:prstGeom prst="rect">
+            <a:avLst/>
+          </a:prstGeom>
+          <a:noFill/>
+        </p:spPr>
+        <p:txBody>
+          <a:bodyPr wrap="square" rtlCol="0" anchor="ctr">
+            <a:spAutoFit/>
+          </a:bodyPr>
+          <a:lstStyle/>
+          <a:p>
+            <a:pPr algn="ctr"/>
+            <a:r>
+              <a:rPr lang="en-US" sz="3733" b="1" dirty="0">
+                <a:solidFill>
+                  <a:srgbClr val="000066"/>
+                </a:solidFill>
+                <a:latin typeface="Microsoft JhengHei" panose="020B0604030504040204" pitchFamily="34" charset="-120"/>
+                <a:ea typeface="Microsoft JhengHei" panose="020B0604030504040204" pitchFamily="34" charset="-120"/>
+              </a:rPr>
+              <a:t>( </a:t>
+            </a:r>
+            <a:r>
+              <a:rPr lang="zh-CN" altLang="en-US" sz="3733" b="1" dirty="0">
+                <a:solidFill>
+                  <a:srgbClr val="000066"/>
+                </a:solidFill>
+                <a:latin typeface="Microsoft JhengHei" panose="020B0604030504040204" pitchFamily="34" charset="-120"/>
+                <a:ea typeface="Microsoft JhengHei" panose="020B0604030504040204" pitchFamily="34" charset="-120"/>
+              </a:rPr>
+              <a:t>副歌</a:t>
+            </a:r>
+            <a:r>
+              <a:rPr lang="en-US" sz="3733" b="1" dirty="0">
+                <a:solidFill>
+                  <a:srgbClr val="000066"/>
+                </a:solidFill>
+                <a:latin typeface="Microsoft JhengHei" panose="020B0604030504040204" pitchFamily="34" charset="-120"/>
+                <a:ea typeface="Microsoft JhengHei" panose="020B0604030504040204" pitchFamily="34" charset="-120"/>
+              </a:rPr>
+              <a:t> )</a:t>
+            </a:r>
+            <a:endParaRPr lang="vi-VN" sz="3733" b="1" dirty="0">
+              <a:solidFill>
+                <a:srgbClr val="000066"/>
+              </a:solidFill>
+              <a:latin typeface="Microsoft JhengHei" panose="020B0604030504040204" pitchFamily="34" charset="-120"/>
+              <a:ea typeface="Microsoft JhengHei" panose="020B0604030504040204" pitchFamily="34" charset="-120"/>
+            </a:endParaRPr>
           </a:p>
         </p:txBody>
       </p:sp>
     </p:spTree>
+    <p:extLst>
+      <p:ext uri="{BB962C8B-B14F-4D97-AF65-F5344CB8AC3E}">
+        <p14:creationId xmlns:p14="http://schemas.microsoft.com/office/powerpoint/2010/main" val="180705740"/>
+      </p:ext>
+    </p:extLst>
+  </p:cSld>
+  <p:clrMapOvr>
+    <a:masterClrMapping/>
+  </p:clrMapOvr>
+</p:sld>
+</file>
+
+<file path=ppt/slides/slide7.xml><?xml version="1.0" encoding="utf-8"?>
+<p:sld xmlns:a="http://schemas.openxmlformats.org/drawingml/2006/main" xmlns:r="http://schemas.openxmlformats.org/officeDocument/2006/relationships" xmlns:p="http://schemas.openxmlformats.org/presentationml/2006/main">
+  <p:cSld>
+    <p:spTree>
+      <p:nvGrpSpPr>
+        <p:cNvPr id="1" name=""/>
+        <p:cNvGrpSpPr/>
+        <p:nvPr/>
+      </p:nvGrpSpPr>
+      <p:grpSpPr>
+        <a:xfrm>
+          <a:off x="0" y="0"/>
+          <a:ext cx="0" cy="0"/>
+          <a:chOff x="0" y="0"/>
+          <a:chExt cx="0" cy="0"/>
+        </a:xfrm>
+      </p:grpSpPr>
+      <p:sp>
+        <p:nvSpPr>
+          <p:cNvPr id="5" name="內容版面配置區 4"/>
+          <p:cNvSpPr>
+            <a:spLocks noGrp="1"/>
+          </p:cNvSpPr>
+          <p:nvPr>
+            <p:ph idx="1"/>
+          </p:nvPr>
+        </p:nvSpPr>
+        <p:spPr>
+          <a:xfrm>
+            <a:off x="0" y="2084851"/>
+            <a:ext cx="12192000" cy="2404863"/>
+          </a:xfrm>
+        </p:spPr>
+        <p:txBody>
+          <a:bodyPr anchor="ctr">
+            <a:normAutofit/>
+          </a:bodyPr>
+          <a:lstStyle/>
+          <a:p>
+            <a:pPr algn="ctr">
+              <a:buNone/>
+            </a:pPr>
+            <a:r>
+              <a:rPr lang="zh-TW" altLang="en-US" sz="6400" b="1" dirty="0">
+                <a:solidFill>
+                  <a:srgbClr val="000066"/>
+                </a:solidFill>
+                <a:latin typeface="微軟正黑體" pitchFamily="34" charset="-120"/>
+                <a:ea typeface="微軟正黑體" pitchFamily="34" charset="-120"/>
+              </a:rPr>
+              <a:t>藉已成就的禱告</a:t>
+            </a:r>
+            <a:endParaRPr lang="en-US" altLang="zh-TW" sz="6400" b="1" dirty="0">
+              <a:solidFill>
+                <a:srgbClr val="000066"/>
+              </a:solidFill>
+              <a:latin typeface="微軟正黑體" pitchFamily="34" charset="-120"/>
+              <a:ea typeface="微軟正黑體" pitchFamily="34" charset="-120"/>
+            </a:endParaRPr>
+          </a:p>
+          <a:p>
+            <a:pPr algn="ctr">
+              <a:buNone/>
+            </a:pPr>
+            <a:r>
+              <a:rPr lang="zh-TW" altLang="en-US" sz="6400" b="1" dirty="0">
+                <a:solidFill>
+                  <a:srgbClr val="000066"/>
+                </a:solidFill>
+                <a:latin typeface="微軟正黑體" pitchFamily="34" charset="-120"/>
+                <a:ea typeface="微軟正黑體" pitchFamily="34" charset="-120"/>
+              </a:rPr>
+              <a:t>讓我開始認識主大能</a:t>
+            </a:r>
+          </a:p>
+        </p:txBody>
+      </p:sp>
+      <p:sp>
+        <p:nvSpPr>
+          <p:cNvPr id="3" name="TextBox 2"/>
+          <p:cNvSpPr txBox="1"/>
+          <p:nvPr/>
+        </p:nvSpPr>
+        <p:spPr>
+          <a:xfrm>
+            <a:off x="0" y="5350696"/>
+            <a:ext cx="12192000" cy="666786"/>
+          </a:xfrm>
+          <a:prstGeom prst="rect">
+            <a:avLst/>
+          </a:prstGeom>
+          <a:noFill/>
+        </p:spPr>
+        <p:txBody>
+          <a:bodyPr wrap="square" rtlCol="0" anchor="ctr">
+            <a:spAutoFit/>
+          </a:bodyPr>
+          <a:lstStyle/>
+          <a:p>
+            <a:pPr algn="ctr"/>
+            <a:r>
+              <a:rPr lang="en-US" sz="3733" b="1" dirty="0">
+                <a:solidFill>
+                  <a:srgbClr val="000066"/>
+                </a:solidFill>
+                <a:latin typeface="Microsoft JhengHei" panose="020B0604030504040204" pitchFamily="34" charset="-120"/>
+                <a:ea typeface="Microsoft JhengHei" panose="020B0604030504040204" pitchFamily="34" charset="-120"/>
+              </a:rPr>
+              <a:t>( </a:t>
+            </a:r>
+            <a:r>
+              <a:rPr lang="zh-CN" altLang="en-US" sz="3733" b="1" dirty="0">
+                <a:solidFill>
+                  <a:srgbClr val="000066"/>
+                </a:solidFill>
+                <a:latin typeface="Microsoft JhengHei" panose="020B0604030504040204" pitchFamily="34" charset="-120"/>
+                <a:ea typeface="Microsoft JhengHei" panose="020B0604030504040204" pitchFamily="34" charset="-120"/>
+              </a:rPr>
+              <a:t>副歌</a:t>
+            </a:r>
+            <a:r>
+              <a:rPr lang="en-US" sz="3733" b="1" dirty="0">
+                <a:solidFill>
+                  <a:srgbClr val="000066"/>
+                </a:solidFill>
+                <a:latin typeface="Microsoft JhengHei" panose="020B0604030504040204" pitchFamily="34" charset="-120"/>
+                <a:ea typeface="Microsoft JhengHei" panose="020B0604030504040204" pitchFamily="34" charset="-120"/>
+              </a:rPr>
+              <a:t> )</a:t>
+            </a:r>
+            <a:endParaRPr lang="vi-VN" sz="3733" b="1" dirty="0">
+              <a:solidFill>
+                <a:srgbClr val="000066"/>
+              </a:solidFill>
+              <a:latin typeface="Microsoft JhengHei" panose="020B0604030504040204" pitchFamily="34" charset="-120"/>
+              <a:ea typeface="Microsoft JhengHei" panose="020B0604030504040204" pitchFamily="34" charset="-120"/>
+            </a:endParaRPr>
+          </a:p>
+        </p:txBody>
+      </p:sp>
+    </p:spTree>
+    <p:extLst>
+      <p:ext uri="{BB962C8B-B14F-4D97-AF65-F5344CB8AC3E}">
+        <p14:creationId xmlns:p14="http://schemas.microsoft.com/office/powerpoint/2010/main" val="1002734572"/>
+      </p:ext>
+    </p:extLst>
+  </p:cSld>
+  <p:clrMapOvr>
+    <a:masterClrMapping/>
+  </p:clrMapOvr>
+</p:sld>
+</file>
+
+<file path=ppt/slides/slide8.xml><?xml version="1.0" encoding="utf-8"?>
+<p:sld xmlns:a="http://schemas.openxmlformats.org/drawingml/2006/main" xmlns:r="http://schemas.openxmlformats.org/officeDocument/2006/relationships" xmlns:p="http://schemas.openxmlformats.org/presentationml/2006/main">
+  <p:cSld>
+    <p:spTree>
+      <p:nvGrpSpPr>
+        <p:cNvPr id="1" name=""/>
+        <p:cNvGrpSpPr/>
+        <p:nvPr/>
+      </p:nvGrpSpPr>
+      <p:grpSpPr>
+        <a:xfrm>
+          <a:off x="0" y="0"/>
+          <a:ext cx="0" cy="0"/>
+          <a:chOff x="0" y="0"/>
+          <a:chExt cx="0" cy="0"/>
+        </a:xfrm>
+      </p:grpSpPr>
+      <p:sp>
+        <p:nvSpPr>
+          <p:cNvPr id="5" name="內容版面配置區 4"/>
+          <p:cNvSpPr>
+            <a:spLocks noGrp="1"/>
+          </p:cNvSpPr>
+          <p:nvPr>
+            <p:ph idx="1"/>
+          </p:nvPr>
+        </p:nvSpPr>
+        <p:spPr>
+          <a:xfrm>
+            <a:off x="0" y="2084851"/>
+            <a:ext cx="12192000" cy="2404863"/>
+          </a:xfrm>
+        </p:spPr>
+        <p:txBody>
+          <a:bodyPr anchor="ctr">
+            <a:normAutofit/>
+          </a:bodyPr>
+          <a:lstStyle/>
+          <a:p>
+            <a:pPr algn="ctr">
+              <a:buNone/>
+            </a:pPr>
+            <a:r>
+              <a:rPr lang="zh-TW" altLang="en-US" sz="6400" b="1" dirty="0">
+                <a:solidFill>
+                  <a:srgbClr val="000066"/>
+                </a:solidFill>
+                <a:latin typeface="微軟正黑體" pitchFamily="34" charset="-120"/>
+                <a:ea typeface="微軟正黑體" pitchFamily="34" charset="-120"/>
+              </a:rPr>
+              <a:t>求主興起禱告的心</a:t>
+            </a:r>
+            <a:endParaRPr lang="en-US" altLang="zh-TW" sz="6400" b="1" dirty="0">
+              <a:solidFill>
+                <a:srgbClr val="000066"/>
+              </a:solidFill>
+              <a:latin typeface="微軟正黑體" pitchFamily="34" charset="-120"/>
+              <a:ea typeface="微軟正黑體" pitchFamily="34" charset="-120"/>
+            </a:endParaRPr>
+          </a:p>
+          <a:p>
+            <a:pPr algn="ctr">
+              <a:buNone/>
+            </a:pPr>
+            <a:r>
+              <a:rPr lang="zh-TW" altLang="en-US" sz="6400" b="1" dirty="0">
+                <a:solidFill>
+                  <a:srgbClr val="000066"/>
+                </a:solidFill>
+                <a:latin typeface="微軟正黑體" pitchFamily="34" charset="-120"/>
+                <a:ea typeface="微軟正黑體" pitchFamily="34" charset="-120"/>
+              </a:rPr>
+              <a:t>像戰士激發熱心</a:t>
+            </a:r>
+            <a:endParaRPr lang="en-US" altLang="zh-TW" sz="6400" b="1" dirty="0">
+              <a:solidFill>
+                <a:srgbClr val="000066"/>
+              </a:solidFill>
+              <a:latin typeface="微軟正黑體" pitchFamily="34" charset="-120"/>
+              <a:ea typeface="微軟正黑體" pitchFamily="34" charset="-120"/>
+            </a:endParaRPr>
+          </a:p>
+        </p:txBody>
+      </p:sp>
+      <p:sp>
+        <p:nvSpPr>
+          <p:cNvPr id="3" name="TextBox 2"/>
+          <p:cNvSpPr txBox="1"/>
+          <p:nvPr/>
+        </p:nvSpPr>
+        <p:spPr>
+          <a:xfrm>
+            <a:off x="0" y="5350696"/>
+            <a:ext cx="12192000" cy="666786"/>
+          </a:xfrm>
+          <a:prstGeom prst="rect">
+            <a:avLst/>
+          </a:prstGeom>
+          <a:noFill/>
+        </p:spPr>
+        <p:txBody>
+          <a:bodyPr wrap="square" rtlCol="0" anchor="ctr">
+            <a:spAutoFit/>
+          </a:bodyPr>
+          <a:lstStyle/>
+          <a:p>
+            <a:pPr algn="ctr"/>
+            <a:r>
+              <a:rPr lang="en-US" sz="3733" b="1" dirty="0">
+                <a:solidFill>
+                  <a:srgbClr val="000066"/>
+                </a:solidFill>
+                <a:latin typeface="Microsoft JhengHei" panose="020B0604030504040204" pitchFamily="34" charset="-120"/>
+                <a:ea typeface="Microsoft JhengHei" panose="020B0604030504040204" pitchFamily="34" charset="-120"/>
+              </a:rPr>
+              <a:t>( </a:t>
+            </a:r>
+            <a:r>
+              <a:rPr lang="zh-CN" altLang="en-US" sz="3733" b="1" dirty="0">
+                <a:solidFill>
+                  <a:srgbClr val="000066"/>
+                </a:solidFill>
+                <a:latin typeface="Microsoft JhengHei" panose="020B0604030504040204" pitchFamily="34" charset="-120"/>
+                <a:ea typeface="Microsoft JhengHei" panose="020B0604030504040204" pitchFamily="34" charset="-120"/>
+              </a:rPr>
+              <a:t>副歌</a:t>
+            </a:r>
+            <a:r>
+              <a:rPr lang="en-US" sz="3733" b="1" dirty="0">
+                <a:solidFill>
+                  <a:srgbClr val="000066"/>
+                </a:solidFill>
+                <a:latin typeface="Microsoft JhengHei" panose="020B0604030504040204" pitchFamily="34" charset="-120"/>
+                <a:ea typeface="Microsoft JhengHei" panose="020B0604030504040204" pitchFamily="34" charset="-120"/>
+              </a:rPr>
+              <a:t> )</a:t>
+            </a:r>
+            <a:endParaRPr lang="vi-VN" sz="3733" b="1" dirty="0">
+              <a:solidFill>
+                <a:srgbClr val="000066"/>
+              </a:solidFill>
+              <a:latin typeface="Microsoft JhengHei" panose="020B0604030504040204" pitchFamily="34" charset="-120"/>
+              <a:ea typeface="Microsoft JhengHei" panose="020B0604030504040204" pitchFamily="34" charset="-120"/>
+            </a:endParaRPr>
+          </a:p>
+        </p:txBody>
+      </p:sp>
+    </p:spTree>
+    <p:extLst>
+      <p:ext uri="{BB962C8B-B14F-4D97-AF65-F5344CB8AC3E}">
+        <p14:creationId xmlns:p14="http://schemas.microsoft.com/office/powerpoint/2010/main" val="2648755983"/>
+      </p:ext>
+    </p:extLst>
+  </p:cSld>
+  <p:clrMapOvr>
+    <a:masterClrMapping/>
+  </p:clrMapOvr>
+</p:sld>
+</file>
+
+<file path=ppt/slides/slide9.xml><?xml version="1.0" encoding="utf-8"?>
+<p:sld xmlns:a="http://schemas.openxmlformats.org/drawingml/2006/main" xmlns:r="http://schemas.openxmlformats.org/officeDocument/2006/relationships" xmlns:p="http://schemas.openxmlformats.org/presentationml/2006/main">
+  <p:cSld>
+    <p:spTree>
+      <p:nvGrpSpPr>
+        <p:cNvPr id="1" name=""/>
+        <p:cNvGrpSpPr/>
+        <p:nvPr/>
+      </p:nvGrpSpPr>
+      <p:grpSpPr>
+        <a:xfrm>
+          <a:off x="0" y="0"/>
+          <a:ext cx="0" cy="0"/>
+          <a:chOff x="0" y="0"/>
+          <a:chExt cx="0" cy="0"/>
+        </a:xfrm>
+      </p:grpSpPr>
+      <p:sp>
+        <p:nvSpPr>
+          <p:cNvPr id="5" name="內容版面配置區 4"/>
+          <p:cNvSpPr>
+            <a:spLocks noGrp="1"/>
+          </p:cNvSpPr>
+          <p:nvPr>
+            <p:ph idx="1"/>
+          </p:nvPr>
+        </p:nvSpPr>
+        <p:spPr>
+          <a:xfrm>
+            <a:off x="0" y="2084851"/>
+            <a:ext cx="12192000" cy="2404863"/>
+          </a:xfrm>
+        </p:spPr>
+        <p:txBody>
+          <a:bodyPr anchor="ctr">
+            <a:normAutofit/>
+          </a:bodyPr>
+          <a:lstStyle/>
+          <a:p>
+            <a:pPr algn="ctr">
+              <a:buNone/>
+            </a:pPr>
+            <a:r>
+              <a:rPr lang="zh-TW" altLang="en-US" sz="6400" b="1" dirty="0">
+                <a:solidFill>
+                  <a:srgbClr val="000066"/>
+                </a:solidFill>
+                <a:latin typeface="微軟正黑體" pitchFamily="34" charset="-120"/>
+                <a:ea typeface="微軟正黑體" pitchFamily="34" charset="-120"/>
+              </a:rPr>
+              <a:t>顯明</a:t>
+            </a:r>
+            <a:r>
+              <a:rPr lang="zh-CN" altLang="en-US" sz="6400" b="1" dirty="0">
+                <a:solidFill>
+                  <a:srgbClr val="000066"/>
+                </a:solidFill>
+                <a:latin typeface="微軟正黑體" pitchFamily="34" charset="-120"/>
+                <a:ea typeface="微軟正黑體" pitchFamily="34" charset="-120"/>
+              </a:rPr>
+              <a:t>祢</a:t>
+            </a:r>
+            <a:r>
+              <a:rPr lang="zh-TW" altLang="en-US" sz="6400" b="1" dirty="0">
+                <a:solidFill>
+                  <a:srgbClr val="000066"/>
+                </a:solidFill>
+                <a:latin typeface="微軟正黑體" pitchFamily="34" charset="-120"/>
+                <a:ea typeface="微軟正黑體" pitchFamily="34" charset="-120"/>
+              </a:rPr>
+              <a:t>是獨一的主</a:t>
+            </a:r>
+            <a:endParaRPr lang="en-US" altLang="zh-TW" sz="6400" b="1" dirty="0">
+              <a:solidFill>
+                <a:srgbClr val="000066"/>
+              </a:solidFill>
+              <a:latin typeface="微軟正黑體" pitchFamily="34" charset="-120"/>
+              <a:ea typeface="微軟正黑體" pitchFamily="34" charset="-120"/>
+            </a:endParaRPr>
+          </a:p>
+          <a:p>
+            <a:pPr algn="ctr">
+              <a:buNone/>
+            </a:pPr>
+            <a:r>
+              <a:rPr lang="zh-TW" altLang="en-US" sz="6400" b="1" dirty="0">
+                <a:solidFill>
+                  <a:srgbClr val="000066"/>
+                </a:solidFill>
+                <a:latin typeface="微軟正黑體" pitchFamily="34" charset="-120"/>
+                <a:ea typeface="微軟正黑體" pitchFamily="34" charset="-120"/>
+              </a:rPr>
+              <a:t>是</a:t>
+            </a:r>
+            <a:r>
+              <a:rPr lang="zh-CN" altLang="en-US" sz="6400" b="1" dirty="0">
+                <a:solidFill>
+                  <a:srgbClr val="000066"/>
+                </a:solidFill>
+                <a:latin typeface="微軟正黑體" pitchFamily="34" charset="-120"/>
+                <a:ea typeface="微軟正黑體" pitchFamily="34" charset="-120"/>
+              </a:rPr>
+              <a:t>祢</a:t>
+            </a:r>
+            <a:r>
+              <a:rPr lang="zh-TW" altLang="en-US" sz="6400" b="1" dirty="0">
+                <a:solidFill>
+                  <a:srgbClr val="000066"/>
+                </a:solidFill>
+                <a:latin typeface="微軟正黑體" pitchFamily="34" charset="-120"/>
+                <a:ea typeface="微軟正黑體" pitchFamily="34" charset="-120"/>
+              </a:rPr>
+              <a:t>永遠作王</a:t>
+            </a:r>
+          </a:p>
+        </p:txBody>
+      </p:sp>
+      <p:sp>
+        <p:nvSpPr>
+          <p:cNvPr id="3" name="TextBox 2"/>
+          <p:cNvSpPr txBox="1"/>
+          <p:nvPr/>
+        </p:nvSpPr>
+        <p:spPr>
+          <a:xfrm>
+            <a:off x="0" y="5350696"/>
+            <a:ext cx="12192000" cy="666786"/>
+          </a:xfrm>
+          <a:prstGeom prst="rect">
+            <a:avLst/>
+          </a:prstGeom>
+          <a:noFill/>
+        </p:spPr>
+        <p:txBody>
+          <a:bodyPr wrap="square" rtlCol="0" anchor="ctr">
+            <a:spAutoFit/>
+          </a:bodyPr>
+          <a:lstStyle/>
+          <a:p>
+            <a:pPr algn="ctr"/>
+            <a:r>
+              <a:rPr lang="en-US" sz="3733" b="1" dirty="0">
+                <a:solidFill>
+                  <a:srgbClr val="000066"/>
+                </a:solidFill>
+                <a:latin typeface="Microsoft JhengHei" panose="020B0604030504040204" pitchFamily="34" charset="-120"/>
+                <a:ea typeface="Microsoft JhengHei" panose="020B0604030504040204" pitchFamily="34" charset="-120"/>
+              </a:rPr>
+              <a:t>( </a:t>
+            </a:r>
+            <a:r>
+              <a:rPr lang="zh-CN" altLang="en-US" sz="3733" b="1" dirty="0">
+                <a:solidFill>
+                  <a:srgbClr val="000066"/>
+                </a:solidFill>
+                <a:latin typeface="Microsoft JhengHei" panose="020B0604030504040204" pitchFamily="34" charset="-120"/>
+                <a:ea typeface="Microsoft JhengHei" panose="020B0604030504040204" pitchFamily="34" charset="-120"/>
+              </a:rPr>
+              <a:t>副歌</a:t>
+            </a:r>
+            <a:r>
+              <a:rPr lang="en-US" sz="3733" b="1" dirty="0">
+                <a:solidFill>
+                  <a:srgbClr val="000066"/>
+                </a:solidFill>
+                <a:latin typeface="Microsoft JhengHei" panose="020B0604030504040204" pitchFamily="34" charset="-120"/>
+                <a:ea typeface="Microsoft JhengHei" panose="020B0604030504040204" pitchFamily="34" charset="-120"/>
+              </a:rPr>
+              <a:t> )</a:t>
+            </a:r>
+            <a:endParaRPr lang="vi-VN" sz="3733" b="1" dirty="0">
+              <a:solidFill>
+                <a:srgbClr val="000066"/>
+              </a:solidFill>
+              <a:latin typeface="Microsoft JhengHei" panose="020B0604030504040204" pitchFamily="34" charset="-120"/>
+              <a:ea typeface="Microsoft JhengHei" panose="020B0604030504040204" pitchFamily="34" charset="-120"/>
+            </a:endParaRPr>
+          </a:p>
+        </p:txBody>
+      </p:sp>
+    </p:spTree>
+    <p:extLst>
+      <p:ext uri="{BB962C8B-B14F-4D97-AF65-F5344CB8AC3E}">
+        <p14:creationId xmlns:p14="http://schemas.microsoft.com/office/powerpoint/2010/main" val="923700205"/>
+      </p:ext>
+    </p:extLst>
   </p:cSld>
   <p:clrMapOvr>
     <a:masterClrMapping/>
